--- a/Giám sát giấc ngủ em bé thông qua.pptx
+++ b/Giám sát giấc ngủ em bé thông qua.pptx
@@ -118,6 +118,11 @@
       </a:defRPr>
     </a:lvl9pPr>
   </p:defaultTextStyle>
+  <p:extLst>
+    <p:ext uri="{EFAFB233-063F-42B5-8137-9DF3F51BA10A}">
+      <p15:sldGuideLst xmlns:p15="http://schemas.microsoft.com/office/powerpoint/2012/main"/>
+    </p:ext>
+  </p:extLst>
 </p:presentation>
 </file>
 
@@ -203,7 +208,7 @@
           <a:p>
             <a:fld id="{C8FDA225-CD5C-4168-80F7-9F846A944612}" type="datetimeFigureOut">
               <a:rPr lang="en-US" smtClean="0"/>
-              <a:t>20-Apr-19</a:t>
+              <a:t>4/20/19</a:t>
             </a:fld>
             <a:endParaRPr lang="en-US"/>
           </a:p>
@@ -267,38 +272,37 @@
           <a:p>
             <a:pPr lvl="0"/>
             <a:r>
-              <a:rPr lang="en-US" smtClean="0"/>
+              <a:rPr lang="en-US"/>
               <a:t>Click to edit Master text styles</a:t>
             </a:r>
           </a:p>
           <a:p>
             <a:pPr lvl="1"/>
             <a:r>
-              <a:rPr lang="en-US" smtClean="0"/>
+              <a:rPr lang="en-US"/>
               <a:t>Second level</a:t>
             </a:r>
           </a:p>
           <a:p>
             <a:pPr lvl="2"/>
             <a:r>
-              <a:rPr lang="en-US" smtClean="0"/>
+              <a:rPr lang="en-US"/>
               <a:t>Third level</a:t>
             </a:r>
           </a:p>
           <a:p>
             <a:pPr lvl="3"/>
             <a:r>
-              <a:rPr lang="en-US" smtClean="0"/>
+              <a:rPr lang="en-US"/>
               <a:t>Fourth level</a:t>
             </a:r>
           </a:p>
           <a:p>
             <a:pPr lvl="4"/>
             <a:r>
-              <a:rPr lang="en-US" smtClean="0"/>
+              <a:rPr lang="en-US"/>
               <a:t>Fifth level</a:t>
             </a:r>
-            <a:endParaRPr lang="en-US"/>
           </a:p>
         </p:txBody>
       </p:sp>
@@ -533,7 +537,7 @@
               <a:defRPr/>
             </a:pPr>
             <a:r>
-              <a:rPr lang="en-US" dirty="0" smtClean="0">
+              <a:rPr lang="en-US" dirty="0">
                 <a:solidFill>
                   <a:schemeClr val="tx1"/>
                 </a:solidFill>
@@ -543,7 +547,7 @@
               <a:t>- </a:t>
             </a:r>
             <a:r>
-              <a:rPr lang="en-US" dirty="0" err="1" smtClean="0">
+              <a:rPr lang="en-US" dirty="0" err="1">
                 <a:solidFill>
                   <a:schemeClr val="tx1"/>
                 </a:solidFill>
@@ -553,17 +557,17 @@
               <a:t>Để</a:t>
             </a:r>
             <a:r>
-              <a:rPr lang="en-US" dirty="0" smtClean="0">
-                <a:solidFill>
-                  <a:schemeClr val="tx1"/>
-                </a:solidFill>
-                <a:latin typeface="Times New Roman" panose="02020603050405020304" pitchFamily="18" charset="0"/>
-                <a:cs typeface="Times New Roman" panose="02020603050405020304" pitchFamily="18" charset="0"/>
-              </a:rPr>
-              <a:t> </a:t>
-            </a:r>
-            <a:r>
-              <a:rPr lang="en-US" dirty="0" err="1" smtClean="0">
+              <a:rPr lang="en-US" dirty="0">
+                <a:solidFill>
+                  <a:schemeClr val="tx1"/>
+                </a:solidFill>
+                <a:latin typeface="Times New Roman" panose="02020603050405020304" pitchFamily="18" charset="0"/>
+                <a:cs typeface="Times New Roman" panose="02020603050405020304" pitchFamily="18" charset="0"/>
+              </a:rPr>
+              <a:t> </a:t>
+            </a:r>
+            <a:r>
+              <a:rPr lang="en-US" dirty="0" err="1">
                 <a:solidFill>
                   <a:schemeClr val="tx1"/>
                 </a:solidFill>
@@ -573,17 +577,17 @@
               <a:t>hệ</a:t>
             </a:r>
             <a:r>
-              <a:rPr lang="en-US" dirty="0" smtClean="0">
-                <a:solidFill>
-                  <a:schemeClr val="tx1"/>
-                </a:solidFill>
-                <a:latin typeface="Times New Roman" panose="02020603050405020304" pitchFamily="18" charset="0"/>
-                <a:cs typeface="Times New Roman" panose="02020603050405020304" pitchFamily="18" charset="0"/>
-              </a:rPr>
-              <a:t> </a:t>
-            </a:r>
-            <a:r>
-              <a:rPr lang="en-US" dirty="0" err="1" smtClean="0">
+              <a:rPr lang="en-US" dirty="0">
+                <a:solidFill>
+                  <a:schemeClr val="tx1"/>
+                </a:solidFill>
+                <a:latin typeface="Times New Roman" panose="02020603050405020304" pitchFamily="18" charset="0"/>
+                <a:cs typeface="Times New Roman" panose="02020603050405020304" pitchFamily="18" charset="0"/>
+              </a:rPr>
+              <a:t> </a:t>
+            </a:r>
+            <a:r>
+              <a:rPr lang="en-US" dirty="0" err="1">
                 <a:solidFill>
                   <a:schemeClr val="tx1"/>
                 </a:solidFill>
@@ -593,7 +597,7 @@
               <a:t>thống</a:t>
             </a:r>
             <a:r>
-              <a:rPr lang="en-US" dirty="0" smtClean="0">
+              <a:rPr lang="en-US" dirty="0">
                 <a:solidFill>
                   <a:schemeClr val="tx1"/>
                 </a:solidFill>
@@ -603,7 +607,7 @@
               <a:t> IOTs </a:t>
             </a:r>
             <a:r>
-              <a:rPr lang="en-US" dirty="0" err="1" smtClean="0">
+              <a:rPr lang="en-US" dirty="0" err="1">
                 <a:solidFill>
                   <a:schemeClr val="tx1"/>
                 </a:solidFill>
@@ -613,17 +617,17 @@
               <a:t>hoạt</a:t>
             </a:r>
             <a:r>
-              <a:rPr lang="en-US" dirty="0" smtClean="0">
-                <a:solidFill>
-                  <a:schemeClr val="tx1"/>
-                </a:solidFill>
-                <a:latin typeface="Times New Roman" panose="02020603050405020304" pitchFamily="18" charset="0"/>
-                <a:cs typeface="Times New Roman" panose="02020603050405020304" pitchFamily="18" charset="0"/>
-              </a:rPr>
-              <a:t> </a:t>
-            </a:r>
-            <a:r>
-              <a:rPr lang="en-US" dirty="0" err="1" smtClean="0">
+              <a:rPr lang="en-US" dirty="0">
+                <a:solidFill>
+                  <a:schemeClr val="tx1"/>
+                </a:solidFill>
+                <a:latin typeface="Times New Roman" panose="02020603050405020304" pitchFamily="18" charset="0"/>
+                <a:cs typeface="Times New Roman" panose="02020603050405020304" pitchFamily="18" charset="0"/>
+              </a:rPr>
+              <a:t> </a:t>
+            </a:r>
+            <a:r>
+              <a:rPr lang="en-US" dirty="0" err="1">
                 <a:solidFill>
                   <a:schemeClr val="tx1"/>
                 </a:solidFill>
@@ -633,17 +637,17 @@
               <a:t>động</a:t>
             </a:r>
             <a:r>
-              <a:rPr lang="en-US" dirty="0" smtClean="0">
-                <a:solidFill>
-                  <a:schemeClr val="tx1"/>
-                </a:solidFill>
-                <a:latin typeface="Times New Roman" panose="02020603050405020304" pitchFamily="18" charset="0"/>
-                <a:cs typeface="Times New Roman" panose="02020603050405020304" pitchFamily="18" charset="0"/>
-              </a:rPr>
-              <a:t> </a:t>
-            </a:r>
-            <a:r>
-              <a:rPr lang="en-US" dirty="0" err="1" smtClean="0">
+              <a:rPr lang="en-US" dirty="0">
+                <a:solidFill>
+                  <a:schemeClr val="tx1"/>
+                </a:solidFill>
+                <a:latin typeface="Times New Roman" panose="02020603050405020304" pitchFamily="18" charset="0"/>
+                <a:cs typeface="Times New Roman" panose="02020603050405020304" pitchFamily="18" charset="0"/>
+              </a:rPr>
+              <a:t> </a:t>
+            </a:r>
+            <a:r>
+              <a:rPr lang="en-US" dirty="0" err="1">
                 <a:solidFill>
                   <a:schemeClr val="tx1"/>
                 </a:solidFill>
@@ -653,17 +657,17 @@
               <a:t>ổn</a:t>
             </a:r>
             <a:r>
-              <a:rPr lang="en-US" dirty="0" smtClean="0">
-                <a:solidFill>
-                  <a:schemeClr val="tx1"/>
-                </a:solidFill>
-                <a:latin typeface="Times New Roman" panose="02020603050405020304" pitchFamily="18" charset="0"/>
-                <a:cs typeface="Times New Roman" panose="02020603050405020304" pitchFamily="18" charset="0"/>
-              </a:rPr>
-              <a:t> </a:t>
-            </a:r>
-            <a:r>
-              <a:rPr lang="en-US" dirty="0" err="1" smtClean="0">
+              <a:rPr lang="en-US" dirty="0">
+                <a:solidFill>
+                  <a:schemeClr val="tx1"/>
+                </a:solidFill>
+                <a:latin typeface="Times New Roman" panose="02020603050405020304" pitchFamily="18" charset="0"/>
+                <a:cs typeface="Times New Roman" panose="02020603050405020304" pitchFamily="18" charset="0"/>
+              </a:rPr>
+              <a:t> </a:t>
+            </a:r>
+            <a:r>
+              <a:rPr lang="en-US" dirty="0" err="1">
                 <a:solidFill>
                   <a:schemeClr val="tx1"/>
                 </a:solidFill>
@@ -673,17 +677,17 @@
               <a:t>định</a:t>
             </a:r>
             <a:r>
-              <a:rPr lang="en-US" dirty="0" smtClean="0">
-                <a:solidFill>
-                  <a:schemeClr val="tx1"/>
-                </a:solidFill>
-                <a:latin typeface="Times New Roman" panose="02020603050405020304" pitchFamily="18" charset="0"/>
-                <a:cs typeface="Times New Roman" panose="02020603050405020304" pitchFamily="18" charset="0"/>
-              </a:rPr>
-              <a:t> </a:t>
-            </a:r>
-            <a:r>
-              <a:rPr lang="en-US" dirty="0" err="1" smtClean="0">
+              <a:rPr lang="en-US" dirty="0">
+                <a:solidFill>
+                  <a:schemeClr val="tx1"/>
+                </a:solidFill>
+                <a:latin typeface="Times New Roman" panose="02020603050405020304" pitchFamily="18" charset="0"/>
+                <a:cs typeface="Times New Roman" panose="02020603050405020304" pitchFamily="18" charset="0"/>
+              </a:rPr>
+              <a:t> </a:t>
+            </a:r>
+            <a:r>
+              <a:rPr lang="en-US" dirty="0" err="1">
                 <a:solidFill>
                   <a:schemeClr val="tx1"/>
                 </a:solidFill>
@@ -693,17 +697,17 @@
               <a:t>và</a:t>
             </a:r>
             <a:r>
-              <a:rPr lang="en-US" dirty="0" smtClean="0">
-                <a:solidFill>
-                  <a:schemeClr val="tx1"/>
-                </a:solidFill>
-                <a:latin typeface="Times New Roman" panose="02020603050405020304" pitchFamily="18" charset="0"/>
-                <a:cs typeface="Times New Roman" panose="02020603050405020304" pitchFamily="18" charset="0"/>
-              </a:rPr>
-              <a:t> </a:t>
-            </a:r>
-            <a:r>
-              <a:rPr lang="en-US" dirty="0" err="1" smtClean="0">
+              <a:rPr lang="en-US" dirty="0">
+                <a:solidFill>
+                  <a:schemeClr val="tx1"/>
+                </a:solidFill>
+                <a:latin typeface="Times New Roman" panose="02020603050405020304" pitchFamily="18" charset="0"/>
+                <a:cs typeface="Times New Roman" panose="02020603050405020304" pitchFamily="18" charset="0"/>
+              </a:rPr>
+              <a:t> </a:t>
+            </a:r>
+            <a:r>
+              <a:rPr lang="en-US" dirty="0" err="1">
                 <a:solidFill>
                   <a:schemeClr val="tx1"/>
                 </a:solidFill>
@@ -713,17 +717,17 @@
               <a:t>hiệu</a:t>
             </a:r>
             <a:r>
-              <a:rPr lang="en-US" dirty="0" smtClean="0">
-                <a:solidFill>
-                  <a:schemeClr val="tx1"/>
-                </a:solidFill>
-                <a:latin typeface="Times New Roman" panose="02020603050405020304" pitchFamily="18" charset="0"/>
-                <a:cs typeface="Times New Roman" panose="02020603050405020304" pitchFamily="18" charset="0"/>
-              </a:rPr>
-              <a:t> </a:t>
-            </a:r>
-            <a:r>
-              <a:rPr lang="en-US" dirty="0" err="1" smtClean="0">
+              <a:rPr lang="en-US" dirty="0">
+                <a:solidFill>
+                  <a:schemeClr val="tx1"/>
+                </a:solidFill>
+                <a:latin typeface="Times New Roman" panose="02020603050405020304" pitchFamily="18" charset="0"/>
+                <a:cs typeface="Times New Roman" panose="02020603050405020304" pitchFamily="18" charset="0"/>
+              </a:rPr>
+              <a:t> </a:t>
+            </a:r>
+            <a:r>
+              <a:rPr lang="en-US" dirty="0" err="1">
                 <a:solidFill>
                   <a:schemeClr val="tx1"/>
                 </a:solidFill>
@@ -733,17 +737,17 @@
               <a:t>quả</a:t>
             </a:r>
             <a:r>
-              <a:rPr lang="en-US" dirty="0" smtClean="0">
-                <a:solidFill>
-                  <a:schemeClr val="tx1"/>
-                </a:solidFill>
-                <a:latin typeface="Times New Roman" panose="02020603050405020304" pitchFamily="18" charset="0"/>
-                <a:cs typeface="Times New Roman" panose="02020603050405020304" pitchFamily="18" charset="0"/>
-              </a:rPr>
-              <a:t> </a:t>
-            </a:r>
-            <a:r>
-              <a:rPr lang="en-US" dirty="0" err="1" smtClean="0">
+              <a:rPr lang="en-US" dirty="0">
+                <a:solidFill>
+                  <a:schemeClr val="tx1"/>
+                </a:solidFill>
+                <a:latin typeface="Times New Roman" panose="02020603050405020304" pitchFamily="18" charset="0"/>
+                <a:cs typeface="Times New Roman" panose="02020603050405020304" pitchFamily="18" charset="0"/>
+              </a:rPr>
+              <a:t> </a:t>
+            </a:r>
+            <a:r>
+              <a:rPr lang="en-US" dirty="0" err="1">
                 <a:solidFill>
                   <a:schemeClr val="tx1"/>
                 </a:solidFill>
@@ -753,17 +757,17 @@
               <a:t>các</a:t>
             </a:r>
             <a:r>
-              <a:rPr lang="en-US" dirty="0" smtClean="0">
-                <a:solidFill>
-                  <a:schemeClr val="tx1"/>
-                </a:solidFill>
-                <a:latin typeface="Times New Roman" panose="02020603050405020304" pitchFamily="18" charset="0"/>
-                <a:cs typeface="Times New Roman" panose="02020603050405020304" pitchFamily="18" charset="0"/>
-              </a:rPr>
-              <a:t> </a:t>
-            </a:r>
-            <a:r>
-              <a:rPr lang="en-US" dirty="0" err="1" smtClean="0">
+              <a:rPr lang="en-US" dirty="0">
+                <a:solidFill>
+                  <a:schemeClr val="tx1"/>
+                </a:solidFill>
+                <a:latin typeface="Times New Roman" panose="02020603050405020304" pitchFamily="18" charset="0"/>
+                <a:cs typeface="Times New Roman" panose="02020603050405020304" pitchFamily="18" charset="0"/>
+              </a:rPr>
+              <a:t> </a:t>
+            </a:r>
+            <a:r>
+              <a:rPr lang="en-US" dirty="0" err="1">
                 <a:solidFill>
                   <a:schemeClr val="tx1"/>
                 </a:solidFill>
@@ -773,17 +777,17 @@
               <a:t>vật</a:t>
             </a:r>
             <a:r>
-              <a:rPr lang="en-US" dirty="0" smtClean="0">
-                <a:solidFill>
-                  <a:schemeClr val="tx1"/>
-                </a:solidFill>
-                <a:latin typeface="Times New Roman" panose="02020603050405020304" pitchFamily="18" charset="0"/>
-                <a:cs typeface="Times New Roman" panose="02020603050405020304" pitchFamily="18" charset="0"/>
-              </a:rPr>
-              <a:t> </a:t>
-            </a:r>
-            <a:r>
-              <a:rPr lang="en-US" dirty="0" err="1" smtClean="0">
+              <a:rPr lang="en-US" dirty="0">
+                <a:solidFill>
+                  <a:schemeClr val="tx1"/>
+                </a:solidFill>
+                <a:latin typeface="Times New Roman" panose="02020603050405020304" pitchFamily="18" charset="0"/>
+                <a:cs typeface="Times New Roman" panose="02020603050405020304" pitchFamily="18" charset="0"/>
+              </a:rPr>
+              <a:t> </a:t>
+            </a:r>
+            <a:r>
+              <a:rPr lang="en-US" dirty="0" err="1">
                 <a:solidFill>
                   <a:schemeClr val="tx1"/>
                 </a:solidFill>
@@ -793,17 +797,17 @@
               <a:t>không</a:t>
             </a:r>
             <a:r>
-              <a:rPr lang="en-US" dirty="0" smtClean="0">
-                <a:solidFill>
-                  <a:schemeClr val="tx1"/>
-                </a:solidFill>
-                <a:latin typeface="Times New Roman" panose="02020603050405020304" pitchFamily="18" charset="0"/>
-                <a:cs typeface="Times New Roman" panose="02020603050405020304" pitchFamily="18" charset="0"/>
-              </a:rPr>
-              <a:t> </a:t>
-            </a:r>
-            <a:r>
-              <a:rPr lang="en-US" dirty="0" err="1" smtClean="0">
+              <a:rPr lang="en-US" dirty="0">
+                <a:solidFill>
+                  <a:schemeClr val="tx1"/>
+                </a:solidFill>
+                <a:latin typeface="Times New Roman" panose="02020603050405020304" pitchFamily="18" charset="0"/>
+                <a:cs typeface="Times New Roman" panose="02020603050405020304" pitchFamily="18" charset="0"/>
+              </a:rPr>
+              <a:t> </a:t>
+            </a:r>
+            <a:r>
+              <a:rPr lang="en-US" dirty="0" err="1">
                 <a:solidFill>
                   <a:schemeClr val="tx1"/>
                 </a:solidFill>
@@ -813,7 +817,7 @@
               <a:t>những</a:t>
             </a:r>
             <a:r>
-              <a:rPr lang="en-US" dirty="0" smtClean="0">
+              <a:rPr lang="en-US" dirty="0">
                 <a:solidFill>
                   <a:schemeClr val="tx1"/>
                 </a:solidFill>
@@ -823,7 +827,7 @@
               <a:t> đ</a:t>
             </a:r>
             <a:r>
-              <a:rPr lang="vi-VN" dirty="0" smtClean="0">
+              <a:rPr lang="vi-VN" dirty="0">
                 <a:solidFill>
                   <a:schemeClr val="tx1"/>
                 </a:solidFill>
@@ -833,17 +837,17 @@
               <a:t>ược</a:t>
             </a:r>
             <a:r>
-              <a:rPr lang="en-US" dirty="0" smtClean="0">
-                <a:solidFill>
-                  <a:schemeClr val="tx1"/>
-                </a:solidFill>
-                <a:latin typeface="Times New Roman" panose="02020603050405020304" pitchFamily="18" charset="0"/>
-                <a:cs typeface="Times New Roman" panose="02020603050405020304" pitchFamily="18" charset="0"/>
-              </a:rPr>
-              <a:t> </a:t>
-            </a:r>
-            <a:r>
-              <a:rPr lang="en-US" dirty="0" err="1" smtClean="0">
+              <a:rPr lang="en-US" dirty="0">
+                <a:solidFill>
+                  <a:schemeClr val="tx1"/>
+                </a:solidFill>
+                <a:latin typeface="Times New Roman" panose="02020603050405020304" pitchFamily="18" charset="0"/>
+                <a:cs typeface="Times New Roman" panose="02020603050405020304" pitchFamily="18" charset="0"/>
+              </a:rPr>
+              <a:t> </a:t>
+            </a:r>
+            <a:r>
+              <a:rPr lang="en-US" dirty="0" err="1">
                 <a:solidFill>
                   <a:schemeClr val="tx1"/>
                 </a:solidFill>
@@ -853,17 +857,17 @@
               <a:t>kết</a:t>
             </a:r>
             <a:r>
-              <a:rPr lang="en-US" dirty="0" smtClean="0">
-                <a:solidFill>
-                  <a:schemeClr val="tx1"/>
-                </a:solidFill>
-                <a:latin typeface="Times New Roman" panose="02020603050405020304" pitchFamily="18" charset="0"/>
-                <a:cs typeface="Times New Roman" panose="02020603050405020304" pitchFamily="18" charset="0"/>
-              </a:rPr>
-              <a:t> </a:t>
-            </a:r>
-            <a:r>
-              <a:rPr lang="en-US" dirty="0" err="1" smtClean="0">
+              <a:rPr lang="en-US" dirty="0">
+                <a:solidFill>
+                  <a:schemeClr val="tx1"/>
+                </a:solidFill>
+                <a:latin typeface="Times New Roman" panose="02020603050405020304" pitchFamily="18" charset="0"/>
+                <a:cs typeface="Times New Roman" panose="02020603050405020304" pitchFamily="18" charset="0"/>
+              </a:rPr>
+              <a:t> </a:t>
+            </a:r>
+            <a:r>
+              <a:rPr lang="en-US" dirty="0" err="1">
                 <a:solidFill>
                   <a:schemeClr val="tx1"/>
                 </a:solidFill>
@@ -873,17 +877,17 @@
               <a:t>nối</a:t>
             </a:r>
             <a:r>
-              <a:rPr lang="en-US" dirty="0" smtClean="0">
-                <a:solidFill>
-                  <a:schemeClr val="tx1"/>
-                </a:solidFill>
-                <a:latin typeface="Times New Roman" panose="02020603050405020304" pitchFamily="18" charset="0"/>
-                <a:cs typeface="Times New Roman" panose="02020603050405020304" pitchFamily="18" charset="0"/>
-              </a:rPr>
-              <a:t> </a:t>
-            </a:r>
-            <a:r>
-              <a:rPr lang="en-US" dirty="0" err="1" smtClean="0">
+              <a:rPr lang="en-US" dirty="0">
+                <a:solidFill>
+                  <a:schemeClr val="tx1"/>
+                </a:solidFill>
+                <a:latin typeface="Times New Roman" panose="02020603050405020304" pitchFamily="18" charset="0"/>
+                <a:cs typeface="Times New Roman" panose="02020603050405020304" pitchFamily="18" charset="0"/>
+              </a:rPr>
+              <a:t> </a:t>
+            </a:r>
+            <a:r>
+              <a:rPr lang="en-US" dirty="0" err="1">
                 <a:solidFill>
                   <a:schemeClr val="tx1"/>
                 </a:solidFill>
@@ -893,17 +897,17 @@
               <a:t>với</a:t>
             </a:r>
             <a:r>
-              <a:rPr lang="en-US" dirty="0" smtClean="0">
-                <a:solidFill>
-                  <a:schemeClr val="tx1"/>
-                </a:solidFill>
-                <a:latin typeface="Times New Roman" panose="02020603050405020304" pitchFamily="18" charset="0"/>
-                <a:cs typeface="Times New Roman" panose="02020603050405020304" pitchFamily="18" charset="0"/>
-              </a:rPr>
-              <a:t> </a:t>
-            </a:r>
-            <a:r>
-              <a:rPr lang="en-US" dirty="0" err="1" smtClean="0">
+              <a:rPr lang="en-US" dirty="0">
+                <a:solidFill>
+                  <a:schemeClr val="tx1"/>
+                </a:solidFill>
+                <a:latin typeface="Times New Roman" panose="02020603050405020304" pitchFamily="18" charset="0"/>
+                <a:cs typeface="Times New Roman" panose="02020603050405020304" pitchFamily="18" charset="0"/>
+              </a:rPr>
+              <a:t> </a:t>
+            </a:r>
+            <a:r>
+              <a:rPr lang="en-US" dirty="0" err="1">
                 <a:solidFill>
                   <a:schemeClr val="tx1"/>
                 </a:solidFill>
@@ -913,17 +917,17 @@
               <a:t>nhau</a:t>
             </a:r>
             <a:r>
-              <a:rPr lang="en-US" dirty="0" smtClean="0">
-                <a:solidFill>
-                  <a:schemeClr val="tx1"/>
-                </a:solidFill>
-                <a:latin typeface="Times New Roman" panose="02020603050405020304" pitchFamily="18" charset="0"/>
-                <a:cs typeface="Times New Roman" panose="02020603050405020304" pitchFamily="18" charset="0"/>
-              </a:rPr>
-              <a:t> </a:t>
-            </a:r>
-            <a:r>
-              <a:rPr lang="en-US" dirty="0" err="1" smtClean="0">
+              <a:rPr lang="en-US" dirty="0">
+                <a:solidFill>
+                  <a:schemeClr val="tx1"/>
+                </a:solidFill>
+                <a:latin typeface="Times New Roman" panose="02020603050405020304" pitchFamily="18" charset="0"/>
+                <a:cs typeface="Times New Roman" panose="02020603050405020304" pitchFamily="18" charset="0"/>
+              </a:rPr>
+              <a:t> </a:t>
+            </a:r>
+            <a:r>
+              <a:rPr lang="en-US" dirty="0" err="1">
                 <a:solidFill>
                   <a:schemeClr val="tx1"/>
                 </a:solidFill>
@@ -933,17 +937,17 @@
               <a:t>và</a:t>
             </a:r>
             <a:r>
-              <a:rPr lang="en-US" dirty="0" smtClean="0">
-                <a:solidFill>
-                  <a:schemeClr val="tx1"/>
-                </a:solidFill>
-                <a:latin typeface="Times New Roman" panose="02020603050405020304" pitchFamily="18" charset="0"/>
-                <a:cs typeface="Times New Roman" panose="02020603050405020304" pitchFamily="18" charset="0"/>
-              </a:rPr>
-              <a:t> </a:t>
-            </a:r>
-            <a:r>
-              <a:rPr lang="en-US" dirty="0" err="1" smtClean="0">
+              <a:rPr lang="en-US" dirty="0">
+                <a:solidFill>
+                  <a:schemeClr val="tx1"/>
+                </a:solidFill>
+                <a:latin typeface="Times New Roman" panose="02020603050405020304" pitchFamily="18" charset="0"/>
+                <a:cs typeface="Times New Roman" panose="02020603050405020304" pitchFamily="18" charset="0"/>
+              </a:rPr>
+              <a:t> </a:t>
+            </a:r>
+            <a:r>
+              <a:rPr lang="en-US" dirty="0" err="1">
                 <a:solidFill>
                   <a:schemeClr val="tx1"/>
                 </a:solidFill>
@@ -953,17 +957,17 @@
               <a:t>còn</a:t>
             </a:r>
             <a:r>
-              <a:rPr lang="en-US" dirty="0" smtClean="0">
-                <a:solidFill>
-                  <a:schemeClr val="tx1"/>
-                </a:solidFill>
-                <a:latin typeface="Times New Roman" panose="02020603050405020304" pitchFamily="18" charset="0"/>
-                <a:cs typeface="Times New Roman" panose="02020603050405020304" pitchFamily="18" charset="0"/>
-              </a:rPr>
-              <a:t> </a:t>
-            </a:r>
-            <a:r>
-              <a:rPr lang="en-US" dirty="0" err="1" smtClean="0">
+              <a:rPr lang="en-US" dirty="0">
+                <a:solidFill>
+                  <a:schemeClr val="tx1"/>
+                </a:solidFill>
+                <a:latin typeface="Times New Roman" panose="02020603050405020304" pitchFamily="18" charset="0"/>
+                <a:cs typeface="Times New Roman" panose="02020603050405020304" pitchFamily="18" charset="0"/>
+              </a:rPr>
+              <a:t> </a:t>
+            </a:r>
+            <a:r>
+              <a:rPr lang="en-US" dirty="0" err="1">
                 <a:solidFill>
                   <a:schemeClr val="tx1"/>
                 </a:solidFill>
@@ -973,17 +977,17 @@
               <a:t>phải</a:t>
             </a:r>
             <a:r>
-              <a:rPr lang="en-US" dirty="0" smtClean="0">
-                <a:solidFill>
-                  <a:schemeClr val="tx1"/>
-                </a:solidFill>
-                <a:latin typeface="Times New Roman" panose="02020603050405020304" pitchFamily="18" charset="0"/>
-                <a:cs typeface="Times New Roman" panose="02020603050405020304" pitchFamily="18" charset="0"/>
-              </a:rPr>
-              <a:t> </a:t>
-            </a:r>
-            <a:r>
-              <a:rPr lang="en-US" dirty="0" err="1" smtClean="0">
+              <a:rPr lang="en-US" dirty="0">
+                <a:solidFill>
+                  <a:schemeClr val="tx1"/>
+                </a:solidFill>
+                <a:latin typeface="Times New Roman" panose="02020603050405020304" pitchFamily="18" charset="0"/>
+                <a:cs typeface="Times New Roman" panose="02020603050405020304" pitchFamily="18" charset="0"/>
+              </a:rPr>
+              <a:t> </a:t>
+            </a:r>
+            <a:r>
+              <a:rPr lang="en-US" dirty="0" err="1">
                 <a:solidFill>
                   <a:schemeClr val="tx1"/>
                 </a:solidFill>
@@ -993,17 +997,17 @@
               <a:t>kết</a:t>
             </a:r>
             <a:r>
-              <a:rPr lang="en-US" dirty="0" smtClean="0">
-                <a:solidFill>
-                  <a:schemeClr val="tx1"/>
-                </a:solidFill>
-                <a:latin typeface="Times New Roman" panose="02020603050405020304" pitchFamily="18" charset="0"/>
-                <a:cs typeface="Times New Roman" panose="02020603050405020304" pitchFamily="18" charset="0"/>
-              </a:rPr>
-              <a:t> </a:t>
-            </a:r>
-            <a:r>
-              <a:rPr lang="en-US" dirty="0" err="1" smtClean="0">
+              <a:rPr lang="en-US" dirty="0">
+                <a:solidFill>
+                  <a:schemeClr val="tx1"/>
+                </a:solidFill>
+                <a:latin typeface="Times New Roman" panose="02020603050405020304" pitchFamily="18" charset="0"/>
+                <a:cs typeface="Times New Roman" panose="02020603050405020304" pitchFamily="18" charset="0"/>
+              </a:rPr>
+              <a:t> </a:t>
+            </a:r>
+            <a:r>
+              <a:rPr lang="en-US" dirty="0" err="1">
                 <a:solidFill>
                   <a:schemeClr val="tx1"/>
                 </a:solidFill>
@@ -1013,17 +1017,17 @@
               <a:t>nối</a:t>
             </a:r>
             <a:r>
-              <a:rPr lang="en-US" dirty="0" smtClean="0">
-                <a:solidFill>
-                  <a:schemeClr val="tx1"/>
-                </a:solidFill>
-                <a:latin typeface="Times New Roman" panose="02020603050405020304" pitchFamily="18" charset="0"/>
-                <a:cs typeface="Times New Roman" panose="02020603050405020304" pitchFamily="18" charset="0"/>
-              </a:rPr>
-              <a:t> </a:t>
-            </a:r>
-            <a:r>
-              <a:rPr lang="en-US" dirty="0" err="1" smtClean="0">
+              <a:rPr lang="en-US" dirty="0">
+                <a:solidFill>
+                  <a:schemeClr val="tx1"/>
+                </a:solidFill>
+                <a:latin typeface="Times New Roman" panose="02020603050405020304" pitchFamily="18" charset="0"/>
+                <a:cs typeface="Times New Roman" panose="02020603050405020304" pitchFamily="18" charset="0"/>
+              </a:rPr>
+              <a:t> </a:t>
+            </a:r>
+            <a:r>
+              <a:rPr lang="en-US" dirty="0" err="1">
                 <a:solidFill>
                   <a:schemeClr val="tx1"/>
                 </a:solidFill>
@@ -1033,17 +1037,17 @@
               <a:t>với</a:t>
             </a:r>
             <a:r>
-              <a:rPr lang="en-US" dirty="0" smtClean="0">
-                <a:solidFill>
-                  <a:schemeClr val="tx1"/>
-                </a:solidFill>
-                <a:latin typeface="Times New Roman" panose="02020603050405020304" pitchFamily="18" charset="0"/>
-                <a:cs typeface="Times New Roman" panose="02020603050405020304" pitchFamily="18" charset="0"/>
-              </a:rPr>
-              <a:t> </a:t>
-            </a:r>
-            <a:r>
-              <a:rPr lang="en-US" dirty="0" err="1" smtClean="0">
+              <a:rPr lang="en-US" dirty="0">
+                <a:solidFill>
+                  <a:schemeClr val="tx1"/>
+                </a:solidFill>
+                <a:latin typeface="Times New Roman" panose="02020603050405020304" pitchFamily="18" charset="0"/>
+                <a:cs typeface="Times New Roman" panose="02020603050405020304" pitchFamily="18" charset="0"/>
+              </a:rPr>
+              <a:t> </a:t>
+            </a:r>
+            <a:r>
+              <a:rPr lang="en-US" dirty="0" err="1">
                 <a:solidFill>
                   <a:schemeClr val="tx1"/>
                 </a:solidFill>
@@ -1053,17 +1057,17 @@
               <a:t>nền</a:t>
             </a:r>
             <a:r>
-              <a:rPr lang="en-US" dirty="0" smtClean="0">
-                <a:solidFill>
-                  <a:schemeClr val="tx1"/>
-                </a:solidFill>
-                <a:latin typeface="Times New Roman" panose="02020603050405020304" pitchFamily="18" charset="0"/>
-                <a:cs typeface="Times New Roman" panose="02020603050405020304" pitchFamily="18" charset="0"/>
-              </a:rPr>
-              <a:t> </a:t>
-            </a:r>
-            <a:r>
-              <a:rPr lang="en-US" dirty="0" err="1" smtClean="0">
+              <a:rPr lang="en-US" dirty="0">
+                <a:solidFill>
+                  <a:schemeClr val="tx1"/>
+                </a:solidFill>
+                <a:latin typeface="Times New Roman" panose="02020603050405020304" pitchFamily="18" charset="0"/>
+                <a:cs typeface="Times New Roman" panose="02020603050405020304" pitchFamily="18" charset="0"/>
+              </a:rPr>
+              <a:t> </a:t>
+            </a:r>
+            <a:r>
+              <a:rPr lang="en-US" dirty="0" err="1">
                 <a:solidFill>
                   <a:schemeClr val="tx1"/>
                 </a:solidFill>
@@ -1073,7 +1077,7 @@
               <a:t>tảng</a:t>
             </a:r>
             <a:r>
-              <a:rPr lang="en-US" dirty="0" smtClean="0">
+              <a:rPr lang="en-US" dirty="0">
                 <a:solidFill>
                   <a:schemeClr val="tx1"/>
                 </a:solidFill>
@@ -1083,7 +1087,7 @@
               <a:t> web, android </a:t>
             </a:r>
             <a:r>
-              <a:rPr lang="en-US" dirty="0" err="1" smtClean="0">
+              <a:rPr lang="en-US" dirty="0" err="1">
                 <a:solidFill>
                   <a:schemeClr val="tx1"/>
                 </a:solidFill>
@@ -1093,17 +1097,17 @@
               <a:t>cùng</a:t>
             </a:r>
             <a:r>
-              <a:rPr lang="en-US" dirty="0" smtClean="0">
-                <a:solidFill>
-                  <a:schemeClr val="tx1"/>
-                </a:solidFill>
-                <a:latin typeface="Times New Roman" panose="02020603050405020304" pitchFamily="18" charset="0"/>
-                <a:cs typeface="Times New Roman" panose="02020603050405020304" pitchFamily="18" charset="0"/>
-              </a:rPr>
-              <a:t> </a:t>
-            </a:r>
-            <a:r>
-              <a:rPr lang="en-US" dirty="0" err="1" smtClean="0">
+              <a:rPr lang="en-US" dirty="0">
+                <a:solidFill>
+                  <a:schemeClr val="tx1"/>
+                </a:solidFill>
+                <a:latin typeface="Times New Roman" panose="02020603050405020304" pitchFamily="18" charset="0"/>
+                <a:cs typeface="Times New Roman" panose="02020603050405020304" pitchFamily="18" charset="0"/>
+              </a:rPr>
+              <a:t> </a:t>
+            </a:r>
+            <a:r>
+              <a:rPr lang="en-US" dirty="0" err="1">
                 <a:solidFill>
                   <a:schemeClr val="tx1"/>
                 </a:solidFill>
@@ -1113,7 +1117,7 @@
               <a:t>với</a:t>
             </a:r>
             <a:r>
-              <a:rPr lang="en-US" dirty="0" smtClean="0">
+              <a:rPr lang="en-US" dirty="0">
                 <a:solidFill>
                   <a:schemeClr val="tx1"/>
                 </a:solidFill>
@@ -1123,7 +1127,7 @@
               <a:t>  </a:t>
             </a:r>
             <a:r>
-              <a:rPr lang="en-US" dirty="0" err="1" smtClean="0">
+              <a:rPr lang="en-US" dirty="0" err="1">
                 <a:solidFill>
                   <a:schemeClr val="tx1"/>
                 </a:solidFill>
@@ -1133,17 +1137,17 @@
               <a:t>hệ</a:t>
             </a:r>
             <a:r>
-              <a:rPr lang="en-US" dirty="0" smtClean="0">
-                <a:solidFill>
-                  <a:schemeClr val="tx1"/>
-                </a:solidFill>
-                <a:latin typeface="Times New Roman" panose="02020603050405020304" pitchFamily="18" charset="0"/>
-                <a:cs typeface="Times New Roman" panose="02020603050405020304" pitchFamily="18" charset="0"/>
-              </a:rPr>
-              <a:t> </a:t>
-            </a:r>
-            <a:r>
-              <a:rPr lang="en-US" dirty="0" err="1" smtClean="0">
+              <a:rPr lang="en-US" dirty="0">
+                <a:solidFill>
+                  <a:schemeClr val="tx1"/>
+                </a:solidFill>
+                <a:latin typeface="Times New Roman" panose="02020603050405020304" pitchFamily="18" charset="0"/>
+                <a:cs typeface="Times New Roman" panose="02020603050405020304" pitchFamily="18" charset="0"/>
+              </a:rPr>
+              <a:t> </a:t>
+            </a:r>
+            <a:r>
+              <a:rPr lang="en-US" dirty="0" err="1">
                 <a:solidFill>
                   <a:schemeClr val="tx1"/>
                 </a:solidFill>
@@ -1153,7 +1157,7 @@
               <a:t>thống</a:t>
             </a:r>
             <a:r>
-              <a:rPr lang="en-US" dirty="0" smtClean="0">
+              <a:rPr lang="en-US" dirty="0">
                 <a:solidFill>
                   <a:schemeClr val="tx1"/>
                 </a:solidFill>
@@ -1163,7 +1167,7 @@
               <a:t> server </a:t>
             </a:r>
             <a:r>
-              <a:rPr lang="en-US" dirty="0" err="1" smtClean="0">
+              <a:rPr lang="en-US" dirty="0" err="1">
                 <a:solidFill>
                   <a:schemeClr val="tx1"/>
                 </a:solidFill>
@@ -1173,17 +1177,17 @@
               <a:t>đủ</a:t>
             </a:r>
             <a:r>
-              <a:rPr lang="en-US" dirty="0" smtClean="0">
-                <a:solidFill>
-                  <a:schemeClr val="tx1"/>
-                </a:solidFill>
-                <a:latin typeface="Times New Roman" panose="02020603050405020304" pitchFamily="18" charset="0"/>
-                <a:cs typeface="Times New Roman" panose="02020603050405020304" pitchFamily="18" charset="0"/>
-              </a:rPr>
-              <a:t> </a:t>
-            </a:r>
-            <a:r>
-              <a:rPr lang="en-US" dirty="0" err="1" smtClean="0">
+              <a:rPr lang="en-US" dirty="0">
+                <a:solidFill>
+                  <a:schemeClr val="tx1"/>
+                </a:solidFill>
+                <a:latin typeface="Times New Roman" panose="02020603050405020304" pitchFamily="18" charset="0"/>
+                <a:cs typeface="Times New Roman" panose="02020603050405020304" pitchFamily="18" charset="0"/>
+              </a:rPr>
+              <a:t> </a:t>
+            </a:r>
+            <a:r>
+              <a:rPr lang="en-US" dirty="0" err="1">
                 <a:solidFill>
                   <a:schemeClr val="tx1"/>
                 </a:solidFill>
@@ -1192,7 +1196,7 @@
               </a:rPr>
               <a:t>mạnh</a:t>
             </a:r>
-            <a:endParaRPr lang="en-US" dirty="0" smtClean="0">
+            <a:endParaRPr lang="en-US" dirty="0">
               <a:solidFill>
                 <a:schemeClr val="tx1"/>
               </a:solidFill>
@@ -1319,7 +1323,7 @@
           </a:lstStyle>
           <a:p>
             <a:r>
-              <a:rPr lang="en-US" smtClean="0"/>
+              <a:rPr lang="en-US"/>
               <a:t>Click to edit Master title style</a:t>
             </a:r>
             <a:endParaRPr lang="en-US" dirty="0"/>
@@ -1392,7 +1396,7 @@
           </a:lstStyle>
           <a:p>
             <a:r>
-              <a:rPr lang="en-US" smtClean="0"/>
+              <a:rPr lang="en-US"/>
               <a:t>Click to edit Master subtitle style</a:t>
             </a:r>
             <a:endParaRPr lang="en-US" dirty="0"/>
@@ -1416,7 +1420,7 @@
           <a:p>
             <a:fld id="{48A87A34-81AB-432B-8DAE-1953F412C126}" type="datetimeFigureOut">
               <a:rPr lang="en-US" dirty="0"/>
-              <a:t>20-Apr-19</a:t>
+              <a:t>4/20/19</a:t>
             </a:fld>
             <a:endParaRPr lang="en-US" dirty="0"/>
           </a:p>
@@ -1544,7 +1548,7 @@
           </a:lstStyle>
           <a:p>
             <a:r>
-              <a:rPr lang="en-US" smtClean="0"/>
+              <a:rPr lang="en-US"/>
               <a:t>Click to edit Master title style</a:t>
             </a:r>
             <a:endParaRPr lang="en-US" dirty="0"/>
@@ -1634,7 +1638,7 @@
           </a:lstStyle>
           <a:p>
             <a:r>
-              <a:rPr lang="en-US" smtClean="0"/>
+              <a:rPr lang="en-US"/>
               <a:t>Click icon to add picture</a:t>
             </a:r>
             <a:endParaRPr lang="en-US" dirty="0"/>
@@ -1700,7 +1704,7 @@
           <a:p>
             <a:pPr lvl="0"/>
             <a:r>
-              <a:rPr lang="en-US" smtClean="0"/>
+              <a:rPr lang="en-US"/>
               <a:t>Click to edit Master text styles</a:t>
             </a:r>
           </a:p>
@@ -1723,7 +1727,7 @@
           <a:p>
             <a:fld id="{48A87A34-81AB-432B-8DAE-1953F412C126}" type="datetimeFigureOut">
               <a:rPr lang="en-US" dirty="0"/>
-              <a:t>20-Apr-19</a:t>
+              <a:t>4/20/19</a:t>
             </a:fld>
             <a:endParaRPr lang="en-US" dirty="0"/>
           </a:p>
@@ -1851,7 +1855,7 @@
           </a:lstStyle>
           <a:p>
             <a:r>
-              <a:rPr lang="en-US" smtClean="0"/>
+              <a:rPr lang="en-US"/>
               <a:t>Click to edit Master title style</a:t>
             </a:r>
             <a:endParaRPr lang="en-US" dirty="0"/>
@@ -1917,7 +1921,7 @@
           <a:p>
             <a:pPr lvl="0"/>
             <a:r>
-              <a:rPr lang="en-US" smtClean="0"/>
+              <a:rPr lang="en-US"/>
               <a:t>Click to edit Master text styles</a:t>
             </a:r>
           </a:p>
@@ -1940,7 +1944,7 @@
           <a:p>
             <a:fld id="{48A87A34-81AB-432B-8DAE-1953F412C126}" type="datetimeFigureOut">
               <a:rPr lang="en-US" dirty="0"/>
-              <a:t>20-Apr-19</a:t>
+              <a:t>4/20/19</a:t>
             </a:fld>
             <a:endParaRPr lang="en-US" dirty="0"/>
           </a:p>
@@ -2068,7 +2072,7 @@
           </a:lstStyle>
           <a:p>
             <a:r>
-              <a:rPr lang="en-US" smtClean="0"/>
+              <a:rPr lang="en-US"/>
               <a:t>Click to edit Master title style</a:t>
             </a:r>
             <a:endParaRPr lang="en-US" dirty="0"/>
@@ -2136,7 +2140,7 @@
           <a:p>
             <a:pPr lvl="0"/>
             <a:r>
-              <a:rPr lang="en-US" smtClean="0"/>
+              <a:rPr lang="en-US"/>
               <a:t>Click to edit Master text styles</a:t>
             </a:r>
           </a:p>
@@ -2203,7 +2207,7 @@
           <a:p>
             <a:pPr lvl="0"/>
             <a:r>
-              <a:rPr lang="en-US" smtClean="0"/>
+              <a:rPr lang="en-US"/>
               <a:t>Click to edit Master text styles</a:t>
             </a:r>
           </a:p>
@@ -2226,7 +2230,7 @@
           <a:p>
             <a:fld id="{48A87A34-81AB-432B-8DAE-1953F412C126}" type="datetimeFigureOut">
               <a:rPr lang="en-US" dirty="0"/>
-              <a:t>20-Apr-19</a:t>
+              <a:t>4/20/19</a:t>
             </a:fld>
             <a:endParaRPr lang="en-US" dirty="0"/>
           </a:p>
@@ -2586,7 +2590,7 @@
           </a:lstStyle>
           <a:p>
             <a:r>
-              <a:rPr lang="en-US" smtClean="0"/>
+              <a:rPr lang="en-US"/>
               <a:t>Click to edit Master title style</a:t>
             </a:r>
             <a:endParaRPr lang="en-US" dirty="0"/>
@@ -2652,7 +2656,7 @@
           <a:p>
             <a:pPr lvl="0"/>
             <a:r>
-              <a:rPr lang="en-US" smtClean="0"/>
+              <a:rPr lang="en-US"/>
               <a:t>Click to edit Master text styles</a:t>
             </a:r>
           </a:p>
@@ -2675,7 +2679,7 @@
           <a:p>
             <a:fld id="{48A87A34-81AB-432B-8DAE-1953F412C126}" type="datetimeFigureOut">
               <a:rPr lang="en-US" dirty="0"/>
-              <a:t>20-Apr-19</a:t>
+              <a:t>4/20/19</a:t>
             </a:fld>
             <a:endParaRPr lang="en-US" dirty="0"/>
           </a:p>
@@ -2799,7 +2803,7 @@
           <a:lstStyle/>
           <a:p>
             <a:r>
-              <a:rPr lang="en-US" smtClean="0"/>
+              <a:rPr lang="en-US"/>
               <a:t>Click to edit Master title style</a:t>
             </a:r>
             <a:endParaRPr lang="en-US" dirty="0"/>
@@ -2874,7 +2878,7 @@
           <a:p>
             <a:pPr lvl="0"/>
             <a:r>
-              <a:rPr lang="en-US" smtClean="0"/>
+              <a:rPr lang="en-US"/>
               <a:t>Click to edit Master text styles</a:t>
             </a:r>
           </a:p>
@@ -2941,7 +2945,7 @@
           <a:p>
             <a:pPr lvl="0"/>
             <a:r>
-              <a:rPr lang="en-US" smtClean="0"/>
+              <a:rPr lang="en-US"/>
               <a:t>Click to edit Master text styles</a:t>
             </a:r>
           </a:p>
@@ -3015,7 +3019,7 @@
           <a:p>
             <a:pPr lvl="0"/>
             <a:r>
-              <a:rPr lang="en-US" smtClean="0"/>
+              <a:rPr lang="en-US"/>
               <a:t>Click to edit Master text styles</a:t>
             </a:r>
           </a:p>
@@ -3082,7 +3086,7 @@
           <a:p>
             <a:pPr lvl="0"/>
             <a:r>
-              <a:rPr lang="en-US" smtClean="0"/>
+              <a:rPr lang="en-US"/>
               <a:t>Click to edit Master text styles</a:t>
             </a:r>
           </a:p>
@@ -3156,7 +3160,7 @@
           <a:p>
             <a:pPr lvl="0"/>
             <a:r>
-              <a:rPr lang="en-US" smtClean="0"/>
+              <a:rPr lang="en-US"/>
               <a:t>Click to edit Master text styles</a:t>
             </a:r>
           </a:p>
@@ -3223,7 +3227,7 @@
           <a:p>
             <a:pPr lvl="0"/>
             <a:r>
-              <a:rPr lang="en-US" smtClean="0"/>
+              <a:rPr lang="en-US"/>
               <a:t>Click to edit Master text styles</a:t>
             </a:r>
           </a:p>
@@ -3246,7 +3250,7 @@
           <a:p>
             <a:fld id="{48A87A34-81AB-432B-8DAE-1953F412C126}" type="datetimeFigureOut">
               <a:rPr lang="en-US" dirty="0"/>
-              <a:t>20-Apr-19</a:t>
+              <a:t>4/20/19</a:t>
             </a:fld>
             <a:endParaRPr lang="en-US" dirty="0"/>
           </a:p>
@@ -3370,7 +3374,7 @@
           <a:lstStyle/>
           <a:p>
             <a:r>
-              <a:rPr lang="en-US" smtClean="0"/>
+              <a:rPr lang="en-US"/>
               <a:t>Click to edit Master title style</a:t>
             </a:r>
             <a:endParaRPr lang="en-US" dirty="0"/>
@@ -3445,7 +3449,7 @@
           <a:p>
             <a:pPr lvl="0"/>
             <a:r>
-              <a:rPr lang="en-US" smtClean="0"/>
+              <a:rPr lang="en-US"/>
               <a:t>Click to edit Master text styles</a:t>
             </a:r>
           </a:p>
@@ -3536,7 +3540,7 @@
           </a:lstStyle>
           <a:p>
             <a:r>
-              <a:rPr lang="en-US" smtClean="0"/>
+              <a:rPr lang="en-US"/>
               <a:t>Click icon to add picture</a:t>
             </a:r>
             <a:endParaRPr lang="en-US" dirty="0"/>
@@ -3604,7 +3608,7 @@
           <a:p>
             <a:pPr lvl="0"/>
             <a:r>
-              <a:rPr lang="en-US" smtClean="0"/>
+              <a:rPr lang="en-US"/>
               <a:t>Click to edit Master text styles</a:t>
             </a:r>
           </a:p>
@@ -3678,7 +3682,7 @@
           <a:p>
             <a:pPr lvl="0"/>
             <a:r>
-              <a:rPr lang="en-US" smtClean="0"/>
+              <a:rPr lang="en-US"/>
               <a:t>Click to edit Master text styles</a:t>
             </a:r>
           </a:p>
@@ -3769,7 +3773,7 @@
           </a:lstStyle>
           <a:p>
             <a:r>
-              <a:rPr lang="en-US" smtClean="0"/>
+              <a:rPr lang="en-US"/>
               <a:t>Click icon to add picture</a:t>
             </a:r>
             <a:endParaRPr lang="en-US" dirty="0"/>
@@ -3837,7 +3841,7 @@
           <a:p>
             <a:pPr lvl="0"/>
             <a:r>
-              <a:rPr lang="en-US" smtClean="0"/>
+              <a:rPr lang="en-US"/>
               <a:t>Click to edit Master text styles</a:t>
             </a:r>
           </a:p>
@@ -3911,7 +3915,7 @@
           <a:p>
             <a:pPr lvl="0"/>
             <a:r>
-              <a:rPr lang="en-US" smtClean="0"/>
+              <a:rPr lang="en-US"/>
               <a:t>Click to edit Master text styles</a:t>
             </a:r>
           </a:p>
@@ -4002,7 +4006,7 @@
           </a:lstStyle>
           <a:p>
             <a:r>
-              <a:rPr lang="en-US" smtClean="0"/>
+              <a:rPr lang="en-US"/>
               <a:t>Click icon to add picture</a:t>
             </a:r>
             <a:endParaRPr lang="en-US" dirty="0"/>
@@ -4070,7 +4074,7 @@
           <a:p>
             <a:pPr lvl="0"/>
             <a:r>
-              <a:rPr lang="en-US" smtClean="0"/>
+              <a:rPr lang="en-US"/>
               <a:t>Click to edit Master text styles</a:t>
             </a:r>
           </a:p>
@@ -4093,7 +4097,7 @@
           <a:p>
             <a:fld id="{48A87A34-81AB-432B-8DAE-1953F412C126}" type="datetimeFigureOut">
               <a:rPr lang="en-US" dirty="0"/>
-              <a:t>20-Apr-19</a:t>
+              <a:t>4/20/19</a:t>
             </a:fld>
             <a:endParaRPr lang="en-US" dirty="0"/>
           </a:p>
@@ -4212,7 +4216,7 @@
           <a:lstStyle/>
           <a:p>
             <a:r>
-              <a:rPr lang="en-US" smtClean="0"/>
+              <a:rPr lang="en-US"/>
               <a:t>Click to edit Master title style</a:t>
             </a:r>
             <a:endParaRPr lang="en-US" dirty="0"/>
@@ -4241,35 +4245,35 @@
           <a:p>
             <a:pPr lvl="0"/>
             <a:r>
-              <a:rPr lang="en-US" smtClean="0"/>
+              <a:rPr lang="en-US"/>
               <a:t>Click to edit Master text styles</a:t>
             </a:r>
           </a:p>
           <a:p>
             <a:pPr lvl="1"/>
             <a:r>
-              <a:rPr lang="en-US" smtClean="0"/>
+              <a:rPr lang="en-US"/>
               <a:t>Second level</a:t>
             </a:r>
           </a:p>
           <a:p>
             <a:pPr lvl="2"/>
             <a:r>
-              <a:rPr lang="en-US" smtClean="0"/>
+              <a:rPr lang="en-US"/>
               <a:t>Third level</a:t>
             </a:r>
           </a:p>
           <a:p>
             <a:pPr lvl="3"/>
             <a:r>
-              <a:rPr lang="en-US" smtClean="0"/>
+              <a:rPr lang="en-US"/>
               <a:t>Fourth level</a:t>
             </a:r>
           </a:p>
           <a:p>
             <a:pPr lvl="4"/>
             <a:r>
-              <a:rPr lang="en-US" smtClean="0"/>
+              <a:rPr lang="en-US"/>
               <a:t>Fifth level</a:t>
             </a:r>
             <a:endParaRPr lang="en-US" dirty="0"/>
@@ -4293,7 +4297,7 @@
           <a:p>
             <a:fld id="{48A87A34-81AB-432B-8DAE-1953F412C126}" type="datetimeFigureOut">
               <a:rPr lang="en-US" dirty="0"/>
-              <a:t>20-Apr-19</a:t>
+              <a:t>4/20/19</a:t>
             </a:fld>
             <a:endParaRPr lang="en-US" dirty="0"/>
           </a:p>
@@ -4421,7 +4425,7 @@
           </a:lstStyle>
           <a:p>
             <a:r>
-              <a:rPr lang="en-US" smtClean="0"/>
+              <a:rPr lang="en-US"/>
               <a:t>Click to edit Master title style</a:t>
             </a:r>
             <a:endParaRPr lang="en-US" dirty="0"/>
@@ -4450,35 +4454,35 @@
           <a:p>
             <a:pPr lvl="0"/>
             <a:r>
-              <a:rPr lang="en-US" smtClean="0"/>
+              <a:rPr lang="en-US"/>
               <a:t>Click to edit Master text styles</a:t>
             </a:r>
           </a:p>
           <a:p>
             <a:pPr lvl="1"/>
             <a:r>
-              <a:rPr lang="en-US" smtClean="0"/>
+              <a:rPr lang="en-US"/>
               <a:t>Second level</a:t>
             </a:r>
           </a:p>
           <a:p>
             <a:pPr lvl="2"/>
             <a:r>
-              <a:rPr lang="en-US" smtClean="0"/>
+              <a:rPr lang="en-US"/>
               <a:t>Third level</a:t>
             </a:r>
           </a:p>
           <a:p>
             <a:pPr lvl="3"/>
             <a:r>
-              <a:rPr lang="en-US" smtClean="0"/>
+              <a:rPr lang="en-US"/>
               <a:t>Fourth level</a:t>
             </a:r>
           </a:p>
           <a:p>
             <a:pPr lvl="4"/>
             <a:r>
-              <a:rPr lang="en-US" smtClean="0"/>
+              <a:rPr lang="en-US"/>
               <a:t>Fifth level</a:t>
             </a:r>
             <a:endParaRPr lang="en-US" dirty="0"/>
@@ -4502,7 +4506,7 @@
           <a:p>
             <a:fld id="{48A87A34-81AB-432B-8DAE-1953F412C126}" type="datetimeFigureOut">
               <a:rPr lang="en-US" dirty="0"/>
-              <a:t>20-Apr-19</a:t>
+              <a:t>4/20/19</a:t>
             </a:fld>
             <a:endParaRPr lang="en-US" dirty="0"/>
           </a:p>
@@ -4621,7 +4625,7 @@
           <a:lstStyle/>
           <a:p>
             <a:r>
-              <a:rPr lang="en-US" smtClean="0"/>
+              <a:rPr lang="en-US"/>
               <a:t>Click to edit Master title style</a:t>
             </a:r>
             <a:endParaRPr lang="en-US" dirty="0"/>
@@ -4650,35 +4654,35 @@
           <a:p>
             <a:pPr lvl="0"/>
             <a:r>
-              <a:rPr lang="en-US" smtClean="0"/>
+              <a:rPr lang="en-US"/>
               <a:t>Click to edit Master text styles</a:t>
             </a:r>
           </a:p>
           <a:p>
             <a:pPr lvl="1"/>
             <a:r>
-              <a:rPr lang="en-US" smtClean="0"/>
+              <a:rPr lang="en-US"/>
               <a:t>Second level</a:t>
             </a:r>
           </a:p>
           <a:p>
             <a:pPr lvl="2"/>
             <a:r>
-              <a:rPr lang="en-US" smtClean="0"/>
+              <a:rPr lang="en-US"/>
               <a:t>Third level</a:t>
             </a:r>
           </a:p>
           <a:p>
             <a:pPr lvl="3"/>
             <a:r>
-              <a:rPr lang="en-US" smtClean="0"/>
+              <a:rPr lang="en-US"/>
               <a:t>Fourth level</a:t>
             </a:r>
           </a:p>
           <a:p>
             <a:pPr lvl="4"/>
             <a:r>
-              <a:rPr lang="en-US" smtClean="0"/>
+              <a:rPr lang="en-US"/>
               <a:t>Fifth level</a:t>
             </a:r>
             <a:endParaRPr lang="en-US" dirty="0"/>
@@ -4702,7 +4706,7 @@
           <a:p>
             <a:fld id="{48A87A34-81AB-432B-8DAE-1953F412C126}" type="datetimeFigureOut">
               <a:rPr lang="en-US" dirty="0"/>
-              <a:t>20-Apr-19</a:t>
+              <a:t>4/20/19</a:t>
             </a:fld>
             <a:endParaRPr lang="en-US" dirty="0"/>
           </a:p>
@@ -4832,7 +4836,7 @@
           </a:lstStyle>
           <a:p>
             <a:r>
-              <a:rPr lang="en-US" smtClean="0"/>
+              <a:rPr lang="en-US"/>
               <a:t>Click to edit Master title style</a:t>
             </a:r>
             <a:endParaRPr lang="en-US" dirty="0"/>
@@ -4954,7 +4958,7 @@
           <a:p>
             <a:pPr lvl="0"/>
             <a:r>
-              <a:rPr lang="en-US" smtClean="0"/>
+              <a:rPr lang="en-US"/>
               <a:t>Click to edit Master text styles</a:t>
             </a:r>
           </a:p>
@@ -4977,7 +4981,7 @@
           <a:p>
             <a:fld id="{48A87A34-81AB-432B-8DAE-1953F412C126}" type="datetimeFigureOut">
               <a:rPr lang="en-US" dirty="0"/>
-              <a:t>20-Apr-19</a:t>
+              <a:t>4/20/19</a:t>
             </a:fld>
             <a:endParaRPr lang="en-US" dirty="0"/>
           </a:p>
@@ -5101,7 +5105,7 @@
           <a:lstStyle/>
           <a:p>
             <a:r>
-              <a:rPr lang="en-US" smtClean="0"/>
+              <a:rPr lang="en-US"/>
               <a:t>Click to edit Master title style</a:t>
             </a:r>
             <a:endParaRPr lang="en-US" dirty="0"/>
@@ -5130,35 +5134,35 @@
           <a:p>
             <a:pPr lvl="0"/>
             <a:r>
-              <a:rPr lang="en-US" smtClean="0"/>
+              <a:rPr lang="en-US"/>
               <a:t>Click to edit Master text styles</a:t>
             </a:r>
           </a:p>
           <a:p>
             <a:pPr lvl="1"/>
             <a:r>
-              <a:rPr lang="en-US" smtClean="0"/>
+              <a:rPr lang="en-US"/>
               <a:t>Second level</a:t>
             </a:r>
           </a:p>
           <a:p>
             <a:pPr lvl="2"/>
             <a:r>
-              <a:rPr lang="en-US" smtClean="0"/>
+              <a:rPr lang="en-US"/>
               <a:t>Third level</a:t>
             </a:r>
           </a:p>
           <a:p>
             <a:pPr lvl="3"/>
             <a:r>
-              <a:rPr lang="en-US" smtClean="0"/>
+              <a:rPr lang="en-US"/>
               <a:t>Fourth level</a:t>
             </a:r>
           </a:p>
           <a:p>
             <a:pPr lvl="4"/>
             <a:r>
-              <a:rPr lang="en-US" smtClean="0"/>
+              <a:rPr lang="en-US"/>
               <a:t>Fifth level</a:t>
             </a:r>
             <a:endParaRPr lang="en-US" dirty="0"/>
@@ -5187,35 +5191,35 @@
           <a:p>
             <a:pPr lvl="0"/>
             <a:r>
-              <a:rPr lang="en-US" smtClean="0"/>
+              <a:rPr lang="en-US"/>
               <a:t>Click to edit Master text styles</a:t>
             </a:r>
           </a:p>
           <a:p>
             <a:pPr lvl="1"/>
             <a:r>
-              <a:rPr lang="en-US" smtClean="0"/>
+              <a:rPr lang="en-US"/>
               <a:t>Second level</a:t>
             </a:r>
           </a:p>
           <a:p>
             <a:pPr lvl="2"/>
             <a:r>
-              <a:rPr lang="en-US" smtClean="0"/>
+              <a:rPr lang="en-US"/>
               <a:t>Third level</a:t>
             </a:r>
           </a:p>
           <a:p>
             <a:pPr lvl="3"/>
             <a:r>
-              <a:rPr lang="en-US" smtClean="0"/>
+              <a:rPr lang="en-US"/>
               <a:t>Fourth level</a:t>
             </a:r>
           </a:p>
           <a:p>
             <a:pPr lvl="4"/>
             <a:r>
-              <a:rPr lang="en-US" smtClean="0"/>
+              <a:rPr lang="en-US"/>
               <a:t>Fifth level</a:t>
             </a:r>
             <a:endParaRPr lang="en-US" dirty="0"/>
@@ -5239,7 +5243,7 @@
           <a:p>
             <a:fld id="{48A87A34-81AB-432B-8DAE-1953F412C126}" type="datetimeFigureOut">
               <a:rPr lang="en-US" dirty="0"/>
-              <a:t>20-Apr-19</a:t>
+              <a:t>4/20/19</a:t>
             </a:fld>
             <a:endParaRPr lang="en-US" dirty="0"/>
           </a:p>
@@ -5363,7 +5367,7 @@
           <a:lstStyle/>
           <a:p>
             <a:r>
-              <a:rPr lang="en-US" smtClean="0"/>
+              <a:rPr lang="en-US"/>
               <a:t>Click to edit Master title style</a:t>
             </a:r>
             <a:endParaRPr lang="en-US" dirty="0"/>
@@ -5438,7 +5442,7 @@
           <a:p>
             <a:pPr lvl="0"/>
             <a:r>
-              <a:rPr lang="en-US" smtClean="0"/>
+              <a:rPr lang="en-US"/>
               <a:t>Click to edit Master text styles</a:t>
             </a:r>
           </a:p>
@@ -5466,35 +5470,35 @@
           <a:p>
             <a:pPr lvl="0"/>
             <a:r>
-              <a:rPr lang="en-US" smtClean="0"/>
+              <a:rPr lang="en-US"/>
               <a:t>Click to edit Master text styles</a:t>
             </a:r>
           </a:p>
           <a:p>
             <a:pPr lvl="1"/>
             <a:r>
-              <a:rPr lang="en-US" smtClean="0"/>
+              <a:rPr lang="en-US"/>
               <a:t>Second level</a:t>
             </a:r>
           </a:p>
           <a:p>
             <a:pPr lvl="2"/>
             <a:r>
-              <a:rPr lang="en-US" smtClean="0"/>
+              <a:rPr lang="en-US"/>
               <a:t>Third level</a:t>
             </a:r>
           </a:p>
           <a:p>
             <a:pPr lvl="3"/>
             <a:r>
-              <a:rPr lang="en-US" smtClean="0"/>
+              <a:rPr lang="en-US"/>
               <a:t>Fourth level</a:t>
             </a:r>
           </a:p>
           <a:p>
             <a:pPr lvl="4"/>
             <a:r>
-              <a:rPr lang="en-US" smtClean="0"/>
+              <a:rPr lang="en-US"/>
               <a:t>Fifth level</a:t>
             </a:r>
             <a:endParaRPr lang="en-US" dirty="0"/>
@@ -5569,7 +5573,7 @@
           <a:p>
             <a:pPr lvl="0"/>
             <a:r>
-              <a:rPr lang="en-US" smtClean="0"/>
+              <a:rPr lang="en-US"/>
               <a:t>Click to edit Master text styles</a:t>
             </a:r>
           </a:p>
@@ -5597,35 +5601,35 @@
           <a:p>
             <a:pPr lvl="0"/>
             <a:r>
-              <a:rPr lang="en-US" smtClean="0"/>
+              <a:rPr lang="en-US"/>
               <a:t>Click to edit Master text styles</a:t>
             </a:r>
           </a:p>
           <a:p>
             <a:pPr lvl="1"/>
             <a:r>
-              <a:rPr lang="en-US" smtClean="0"/>
+              <a:rPr lang="en-US"/>
               <a:t>Second level</a:t>
             </a:r>
           </a:p>
           <a:p>
             <a:pPr lvl="2"/>
             <a:r>
-              <a:rPr lang="en-US" smtClean="0"/>
+              <a:rPr lang="en-US"/>
               <a:t>Third level</a:t>
             </a:r>
           </a:p>
           <a:p>
             <a:pPr lvl="3"/>
             <a:r>
-              <a:rPr lang="en-US" smtClean="0"/>
+              <a:rPr lang="en-US"/>
               <a:t>Fourth level</a:t>
             </a:r>
           </a:p>
           <a:p>
             <a:pPr lvl="4"/>
             <a:r>
-              <a:rPr lang="en-US" smtClean="0"/>
+              <a:rPr lang="en-US"/>
               <a:t>Fifth level</a:t>
             </a:r>
             <a:endParaRPr lang="en-US" dirty="0"/>
@@ -5649,7 +5653,7 @@
           <a:p>
             <a:fld id="{48A87A34-81AB-432B-8DAE-1953F412C126}" type="datetimeFigureOut">
               <a:rPr lang="en-US" dirty="0"/>
-              <a:t>20-Apr-19</a:t>
+              <a:t>4/20/19</a:t>
             </a:fld>
             <a:endParaRPr lang="en-US" dirty="0"/>
           </a:p>
@@ -5768,7 +5772,7 @@
           <a:lstStyle/>
           <a:p>
             <a:r>
-              <a:rPr lang="en-US" smtClean="0"/>
+              <a:rPr lang="en-US"/>
               <a:t>Click to edit Master title style</a:t>
             </a:r>
             <a:endParaRPr lang="en-US" dirty="0"/>
@@ -5792,7 +5796,7 @@
           <a:p>
             <a:fld id="{48A87A34-81AB-432B-8DAE-1953F412C126}" type="datetimeFigureOut">
               <a:rPr lang="en-US" dirty="0"/>
-              <a:t>20-Apr-19</a:t>
+              <a:t>4/20/19</a:t>
             </a:fld>
             <a:endParaRPr lang="en-US" dirty="0"/>
           </a:p>
@@ -5912,7 +5916,7 @@
           <a:p>
             <a:fld id="{48A87A34-81AB-432B-8DAE-1953F412C126}" type="datetimeFigureOut">
               <a:rPr lang="en-US" dirty="0"/>
-              <a:t>20-Apr-19</a:t>
+              <a:t>4/20/19</a:t>
             </a:fld>
             <a:endParaRPr lang="en-US" dirty="0"/>
           </a:p>
@@ -6040,7 +6044,7 @@
           </a:lstStyle>
           <a:p>
             <a:r>
-              <a:rPr lang="en-US" smtClean="0"/>
+              <a:rPr lang="en-US"/>
               <a:t>Click to edit Master title style</a:t>
             </a:r>
             <a:endParaRPr lang="en-US" dirty="0"/>
@@ -6069,35 +6073,35 @@
           <a:p>
             <a:pPr lvl="0"/>
             <a:r>
-              <a:rPr lang="en-US" smtClean="0"/>
+              <a:rPr lang="en-US"/>
               <a:t>Click to edit Master text styles</a:t>
             </a:r>
           </a:p>
           <a:p>
             <a:pPr lvl="1"/>
             <a:r>
-              <a:rPr lang="en-US" smtClean="0"/>
+              <a:rPr lang="en-US"/>
               <a:t>Second level</a:t>
             </a:r>
           </a:p>
           <a:p>
             <a:pPr lvl="2"/>
             <a:r>
-              <a:rPr lang="en-US" smtClean="0"/>
+              <a:rPr lang="en-US"/>
               <a:t>Third level</a:t>
             </a:r>
           </a:p>
           <a:p>
             <a:pPr lvl="3"/>
             <a:r>
-              <a:rPr lang="en-US" smtClean="0"/>
+              <a:rPr lang="en-US"/>
               <a:t>Fourth level</a:t>
             </a:r>
           </a:p>
           <a:p>
             <a:pPr lvl="4"/>
             <a:r>
-              <a:rPr lang="en-US" smtClean="0"/>
+              <a:rPr lang="en-US"/>
               <a:t>Fifth level</a:t>
             </a:r>
             <a:endParaRPr lang="en-US" dirty="0"/>
@@ -6163,7 +6167,7 @@
           <a:p>
             <a:pPr lvl="0"/>
             <a:r>
-              <a:rPr lang="en-US" smtClean="0"/>
+              <a:rPr lang="en-US"/>
               <a:t>Click to edit Master text styles</a:t>
             </a:r>
           </a:p>
@@ -6186,7 +6190,7 @@
           <a:p>
             <a:fld id="{48A87A34-81AB-432B-8DAE-1953F412C126}" type="datetimeFigureOut">
               <a:rPr lang="en-US" dirty="0"/>
-              <a:t>20-Apr-19</a:t>
+              <a:t>4/20/19</a:t>
             </a:fld>
             <a:endParaRPr lang="en-US" dirty="0"/>
           </a:p>
@@ -6314,7 +6318,7 @@
           </a:lstStyle>
           <a:p>
             <a:r>
-              <a:rPr lang="en-US" smtClean="0"/>
+              <a:rPr lang="en-US"/>
               <a:t>Click to edit Master title style</a:t>
             </a:r>
             <a:endParaRPr lang="en-US" dirty="0"/>
@@ -6404,7 +6408,7 @@
           </a:lstStyle>
           <a:p>
             <a:r>
-              <a:rPr lang="en-US" smtClean="0"/>
+              <a:rPr lang="en-US"/>
               <a:t>Click icon to add picture</a:t>
             </a:r>
             <a:endParaRPr lang="en-US" dirty="0"/>
@@ -6470,7 +6474,7 @@
           <a:p>
             <a:pPr lvl="0"/>
             <a:r>
-              <a:rPr lang="en-US" smtClean="0"/>
+              <a:rPr lang="en-US"/>
               <a:t>Click to edit Master text styles</a:t>
             </a:r>
           </a:p>
@@ -6493,7 +6497,7 @@
           <a:p>
             <a:fld id="{48A87A34-81AB-432B-8DAE-1953F412C126}" type="datetimeFigureOut">
               <a:rPr lang="en-US" dirty="0"/>
-              <a:t>20-Apr-19</a:t>
+              <a:t>4/20/19</a:t>
             </a:fld>
             <a:endParaRPr lang="en-US" dirty="0"/>
           </a:p>
@@ -6639,7 +6643,7 @@
           <a:lstStyle/>
           <a:p>
             <a:r>
-              <a:rPr lang="en-US" smtClean="0"/>
+              <a:rPr lang="en-US"/>
               <a:t>Click to edit Master title style</a:t>
             </a:r>
             <a:endParaRPr lang="en-US" dirty="0"/>
@@ -6673,35 +6677,35 @@
           <a:p>
             <a:pPr lvl="0"/>
             <a:r>
-              <a:rPr lang="en-US" smtClean="0"/>
+              <a:rPr lang="en-US"/>
               <a:t>Click to edit Master text styles</a:t>
             </a:r>
           </a:p>
           <a:p>
             <a:pPr lvl="1"/>
             <a:r>
-              <a:rPr lang="en-US" smtClean="0"/>
+              <a:rPr lang="en-US"/>
               <a:t>Second level</a:t>
             </a:r>
           </a:p>
           <a:p>
             <a:pPr lvl="2"/>
             <a:r>
-              <a:rPr lang="en-US" smtClean="0"/>
+              <a:rPr lang="en-US"/>
               <a:t>Third level</a:t>
             </a:r>
           </a:p>
           <a:p>
             <a:pPr lvl="3"/>
             <a:r>
-              <a:rPr lang="en-US" smtClean="0"/>
+              <a:rPr lang="en-US"/>
               <a:t>Fourth level</a:t>
             </a:r>
           </a:p>
           <a:p>
             <a:pPr lvl="4"/>
             <a:r>
-              <a:rPr lang="en-US" smtClean="0"/>
+              <a:rPr lang="en-US"/>
               <a:t>Fifth level</a:t>
             </a:r>
             <a:endParaRPr lang="en-US" dirty="0"/>
@@ -6742,7 +6746,7 @@
             <a:fld id="{48A87A34-81AB-432B-8DAE-1953F412C126}" type="datetimeFigureOut">
               <a:rPr lang="en-US" dirty="0"/>
               <a:pPr/>
-              <a:t>20-Apr-19</a:t>
+              <a:t>4/20/19</a:t>
             </a:fld>
             <a:endParaRPr lang="en-US" dirty="0"/>
           </a:p>
@@ -7194,7 +7198,7 @@
         </p:nvSpPr>
         <p:spPr>
           <a:xfrm>
-            <a:off x="1593329" y="508960"/>
+            <a:off x="2304529" y="500493"/>
             <a:ext cx="8051001" cy="1984075"/>
           </a:xfrm>
         </p:spPr>
@@ -7206,7 +7210,7 @@
           <a:p>
             <a:pPr algn="ctr"/>
             <a:r>
-              <a:rPr lang="en-US" dirty="0" err="1" smtClean="0">
+              <a:rPr lang="en-US" dirty="0" err="1">
                 <a:solidFill>
                   <a:schemeClr val="accent5"/>
                 </a:solidFill>
@@ -7226,7 +7230,7 @@
               <a:t> </a:t>
             </a:r>
             <a:r>
-              <a:rPr lang="en-US" dirty="0" err="1" smtClean="0">
+              <a:rPr lang="en-US" dirty="0" err="1">
                 <a:solidFill>
                   <a:schemeClr val="accent5"/>
                 </a:solidFill>
@@ -7246,7 +7250,7 @@
               <a:t> </a:t>
             </a:r>
             <a:r>
-              <a:rPr lang="en-US" dirty="0" err="1" smtClean="0">
+              <a:rPr lang="en-US" dirty="0" err="1">
                 <a:solidFill>
                   <a:schemeClr val="accent5"/>
                 </a:solidFill>
@@ -7266,7 +7270,7 @@
               <a:t> </a:t>
             </a:r>
             <a:r>
-              <a:rPr lang="en-US" dirty="0" err="1" smtClean="0">
+              <a:rPr lang="en-US" dirty="0" err="1">
                 <a:solidFill>
                   <a:schemeClr val="accent5"/>
                 </a:solidFill>
@@ -7276,7 +7280,7 @@
               <a:t>ngủ</a:t>
             </a:r>
             <a:r>
-              <a:rPr lang="en-US" dirty="0" smtClean="0">
+              <a:rPr lang="en-US" dirty="0">
                 <a:solidFill>
                   <a:schemeClr val="accent5"/>
                 </a:solidFill>
@@ -7286,7 +7290,7 @@
               <a:t> </a:t>
             </a:r>
             <a:r>
-              <a:rPr lang="en-US" dirty="0" err="1" smtClean="0">
+              <a:rPr lang="en-US" dirty="0" err="1">
                 <a:solidFill>
                   <a:schemeClr val="accent5"/>
                 </a:solidFill>
@@ -7306,7 +7310,7 @@
               <a:t> </a:t>
             </a:r>
             <a:r>
-              <a:rPr lang="en-US" dirty="0" err="1" smtClean="0">
+              <a:rPr lang="en-US" dirty="0" err="1">
                 <a:solidFill>
                   <a:schemeClr val="accent5"/>
                 </a:solidFill>
@@ -7326,7 +7330,7 @@
               <a:t> </a:t>
             </a:r>
             <a:r>
-              <a:rPr lang="en-US" dirty="0" err="1" smtClean="0">
+              <a:rPr lang="en-US" dirty="0" err="1">
                 <a:solidFill>
                   <a:schemeClr val="accent5"/>
                 </a:solidFill>
@@ -7336,14 +7340,24 @@
               <a:t>thông</a:t>
             </a:r>
             <a:r>
-              <a:rPr lang="en-US" dirty="0" smtClean="0">
+              <a:rPr lang="en-US" dirty="0">
                 <a:solidFill>
                   <a:schemeClr val="accent5"/>
                 </a:solidFill>
                 <a:latin typeface="Times New Roman" panose="02020603050405020304" pitchFamily="18" charset="0"/>
                 <a:cs typeface="Times New Roman" panose="02020603050405020304" pitchFamily="18" charset="0"/>
               </a:rPr>
-              <a:t> </a:t>
+              <a:t> qua </a:t>
+            </a:r>
+            <a:r>
+              <a:rPr lang="en-US" dirty="0" err="1">
+                <a:solidFill>
+                  <a:schemeClr val="accent5"/>
+                </a:solidFill>
+                <a:latin typeface="Times New Roman" panose="02020603050405020304" pitchFamily="18" charset="0"/>
+                <a:cs typeface="Times New Roman" panose="02020603050405020304" pitchFamily="18" charset="0"/>
+              </a:rPr>
+              <a:t>thiết</a:t>
             </a:r>
             <a:r>
               <a:rPr lang="en-US" dirty="0">
@@ -7353,17 +7367,17 @@
                 <a:latin typeface="Times New Roman" panose="02020603050405020304" pitchFamily="18" charset="0"/>
                 <a:cs typeface="Times New Roman" panose="02020603050405020304" pitchFamily="18" charset="0"/>
               </a:rPr>
-              <a:t>qua </a:t>
-            </a:r>
-            <a:r>
-              <a:rPr lang="en-US" dirty="0" err="1" smtClean="0">
+              <a:t> </a:t>
+            </a:r>
+            <a:r>
+              <a:rPr lang="en-US" dirty="0" err="1">
                 <a:solidFill>
                   <a:schemeClr val="accent5"/>
                 </a:solidFill>
                 <a:latin typeface="Times New Roman" panose="02020603050405020304" pitchFamily="18" charset="0"/>
                 <a:cs typeface="Times New Roman" panose="02020603050405020304" pitchFamily="18" charset="0"/>
               </a:rPr>
-              <a:t>thiết</a:t>
+              <a:t>bị</a:t>
             </a:r>
             <a:r>
               <a:rPr lang="en-US" dirty="0">
@@ -7373,17 +7387,17 @@
                 <a:latin typeface="Times New Roman" panose="02020603050405020304" pitchFamily="18" charset="0"/>
                 <a:cs typeface="Times New Roman" panose="02020603050405020304" pitchFamily="18" charset="0"/>
               </a:rPr>
-              <a:t> </a:t>
-            </a:r>
-            <a:r>
-              <a:rPr lang="en-US" dirty="0" err="1" smtClean="0">
+              <a:t> di </a:t>
+            </a:r>
+            <a:r>
+              <a:rPr lang="en-US" dirty="0" err="1">
                 <a:solidFill>
                   <a:schemeClr val="accent5"/>
                 </a:solidFill>
                 <a:latin typeface="Times New Roman" panose="02020603050405020304" pitchFamily="18" charset="0"/>
                 <a:cs typeface="Times New Roman" panose="02020603050405020304" pitchFamily="18" charset="0"/>
               </a:rPr>
-              <a:t>bị</a:t>
+              <a:t>động</a:t>
             </a:r>
             <a:r>
               <a:rPr lang="en-US" dirty="0">
@@ -7393,55 +7407,28 @@
                 <a:latin typeface="Times New Roman" panose="02020603050405020304" pitchFamily="18" charset="0"/>
                 <a:cs typeface="Times New Roman" panose="02020603050405020304" pitchFamily="18" charset="0"/>
               </a:rPr>
-              <a:t> di </a:t>
-            </a:r>
-            <a:r>
-              <a:rPr lang="en-US" dirty="0" err="1" smtClean="0">
+              <a:t> (</a:t>
+            </a:r>
+            <a:r>
+              <a:rPr lang="en-US" dirty="0" err="1">
                 <a:solidFill>
                   <a:schemeClr val="accent5"/>
                 </a:solidFill>
                 <a:latin typeface="Times New Roman" panose="02020603050405020304" pitchFamily="18" charset="0"/>
                 <a:cs typeface="Times New Roman" panose="02020603050405020304" pitchFamily="18" charset="0"/>
               </a:rPr>
-              <a:t>động</a:t>
-            </a:r>
-            <a:r>
-              <a:rPr lang="en-US" dirty="0" smtClean="0">
+              <a:t>SmaRT</a:t>
+            </a:r>
+            <a:r>
+              <a:rPr lang="en-US" dirty="0">
                 <a:solidFill>
                   <a:schemeClr val="accent5"/>
                 </a:solidFill>
                 <a:latin typeface="Times New Roman" panose="02020603050405020304" pitchFamily="18" charset="0"/>
                 <a:cs typeface="Times New Roman" panose="02020603050405020304" pitchFamily="18" charset="0"/>
               </a:rPr>
-              <a:t> (</a:t>
-            </a:r>
-            <a:r>
-              <a:rPr lang="en-US" dirty="0" err="1" smtClean="0">
-                <a:solidFill>
-                  <a:schemeClr val="accent5"/>
-                </a:solidFill>
-                <a:latin typeface="Times New Roman" panose="02020603050405020304" pitchFamily="18" charset="0"/>
-                <a:cs typeface="Times New Roman" panose="02020603050405020304" pitchFamily="18" charset="0"/>
-              </a:rPr>
-              <a:t>Smababy</a:t>
-            </a:r>
-            <a:r>
-              <a:rPr lang="en-US" dirty="0" smtClean="0">
-                <a:solidFill>
-                  <a:schemeClr val="accent5"/>
-                </a:solidFill>
-                <a:latin typeface="Times New Roman" panose="02020603050405020304" pitchFamily="18" charset="0"/>
-                <a:cs typeface="Times New Roman" panose="02020603050405020304" pitchFamily="18" charset="0"/>
-              </a:rPr>
-              <a:t>)</a:t>
-            </a:r>
-            <a:endParaRPr lang="en-US" dirty="0">
-              <a:solidFill>
-                <a:schemeClr val="accent5"/>
-              </a:solidFill>
-              <a:latin typeface="Times New Roman" panose="02020603050405020304" pitchFamily="18" charset="0"/>
-              <a:cs typeface="Times New Roman" panose="02020603050405020304" pitchFamily="18" charset="0"/>
-            </a:endParaRPr>
+              <a:t> baby)</a:t>
+            </a:r>
           </a:p>
         </p:txBody>
       </p:sp>
@@ -7485,13 +7472,6 @@
   <p:clrMapOvr>
     <a:masterClrMapping/>
   </p:clrMapOvr>
-  <p:timing>
-    <p:tnLst>
-      <p:par>
-        <p:cTn id="1" dur="indefinite" restart="never" nodeType="tmRoot"/>
-      </p:par>
-    </p:tnLst>
-  </p:timing>
 </p:sld>
 </file>
 
@@ -7535,7 +7515,7 @@
           <a:lstStyle/>
           <a:p>
             <a:r>
-              <a:rPr lang="en-US" sz="3200" b="1" dirty="0" err="1" smtClean="0">
+              <a:rPr lang="en-US" sz="3200" b="1" dirty="0" err="1">
                 <a:latin typeface="Times New Roman" panose="02020603050405020304" pitchFamily="18" charset="0"/>
                 <a:cs typeface="Times New Roman" panose="02020603050405020304" pitchFamily="18" charset="0"/>
               </a:rPr>
@@ -7549,7 +7529,7 @@
               <a:t> </a:t>
             </a:r>
             <a:r>
-              <a:rPr lang="en-US" sz="3200" b="1" dirty="0" err="1" smtClean="0">
+              <a:rPr lang="en-US" sz="3200" b="1" dirty="0" err="1">
                 <a:latin typeface="Times New Roman" panose="02020603050405020304" pitchFamily="18" charset="0"/>
                 <a:cs typeface="Times New Roman" panose="02020603050405020304" pitchFamily="18" charset="0"/>
               </a:rPr>
@@ -7563,7 +7543,7 @@
               <a:t> </a:t>
             </a:r>
             <a:r>
-              <a:rPr lang="en-US" sz="3200" b="1" dirty="0" err="1" smtClean="0">
+              <a:rPr lang="en-US" sz="3200" b="1" dirty="0" err="1">
                 <a:latin typeface="Times New Roman" panose="02020603050405020304" pitchFamily="18" charset="0"/>
                 <a:cs typeface="Times New Roman" panose="02020603050405020304" pitchFamily="18" charset="0"/>
               </a:rPr>
@@ -7574,14 +7554,7 @@
                 <a:latin typeface="Times New Roman" panose="02020603050405020304" pitchFamily="18" charset="0"/>
                 <a:cs typeface="Times New Roman" panose="02020603050405020304" pitchFamily="18" charset="0"/>
               </a:rPr>
-              <a:t> </a:t>
-            </a:r>
-            <a:r>
-              <a:rPr lang="en-US" sz="3200" b="1" dirty="0" smtClean="0">
-                <a:latin typeface="Times New Roman" panose="02020603050405020304" pitchFamily="18" charset="0"/>
-                <a:cs typeface="Times New Roman" panose="02020603050405020304" pitchFamily="18" charset="0"/>
-              </a:rPr>
-              <a:t>đ</a:t>
+              <a:t> đ</a:t>
             </a:r>
             <a:r>
               <a:rPr lang="vi-VN" sz="3200" b="1" dirty="0">
@@ -7623,21 +7596,21 @@
               <a:buChar char="-"/>
             </a:pPr>
             <a:r>
-              <a:rPr lang="en-US" sz="2800" cap="none" dirty="0" err="1" smtClean="0">
+              <a:rPr lang="en-US" sz="2800" cap="none" dirty="0" err="1">
                 <a:latin typeface="Times New Roman" panose="02020603050405020304" pitchFamily="18" charset="0"/>
                 <a:cs typeface="Times New Roman" panose="02020603050405020304" pitchFamily="18" charset="0"/>
               </a:rPr>
               <a:t>Xây</a:t>
             </a:r>
             <a:r>
-              <a:rPr lang="en-US" sz="2800" cap="none" dirty="0" smtClean="0">
-                <a:latin typeface="Times New Roman" panose="02020603050405020304" pitchFamily="18" charset="0"/>
-                <a:cs typeface="Times New Roman" panose="02020603050405020304" pitchFamily="18" charset="0"/>
-              </a:rPr>
-              <a:t> </a:t>
-            </a:r>
-            <a:r>
-              <a:rPr lang="en-US" sz="2800" cap="none" dirty="0" err="1" smtClean="0">
+              <a:rPr lang="en-US" sz="2800" cap="none" dirty="0">
+                <a:latin typeface="Times New Roman" panose="02020603050405020304" pitchFamily="18" charset="0"/>
+                <a:cs typeface="Times New Roman" panose="02020603050405020304" pitchFamily="18" charset="0"/>
+              </a:rPr>
+              <a:t> </a:t>
+            </a:r>
+            <a:r>
+              <a:rPr lang="en-US" sz="2800" cap="none" dirty="0" err="1">
                 <a:latin typeface="Times New Roman" panose="02020603050405020304" pitchFamily="18" charset="0"/>
                 <a:cs typeface="Times New Roman" panose="02020603050405020304" pitchFamily="18" charset="0"/>
               </a:rPr>
@@ -7648,10 +7621,24 @@
                 <a:latin typeface="Times New Roman" panose="02020603050405020304" pitchFamily="18" charset="0"/>
                 <a:cs typeface="Times New Roman" panose="02020603050405020304" pitchFamily="18" charset="0"/>
               </a:rPr>
-              <a:t> m </a:t>
-            </a:r>
-            <a:r>
-              <a:rPr lang="en-US" sz="2800" cap="none" dirty="0" err="1" smtClean="0">
+              <a:t> </a:t>
+            </a:r>
+            <a:r>
+              <a:rPr lang="en-US" sz="2800" cap="none" dirty="0" err="1">
+                <a:latin typeface="Times New Roman" panose="02020603050405020304" pitchFamily="18" charset="0"/>
+                <a:cs typeface="Times New Roman" panose="02020603050405020304" pitchFamily="18" charset="0"/>
+              </a:rPr>
+              <a:t>một</a:t>
+            </a:r>
+            <a:r>
+              <a:rPr lang="en-US" sz="2800" cap="none" dirty="0">
+                <a:latin typeface="Times New Roman" panose="02020603050405020304" pitchFamily="18" charset="0"/>
+                <a:cs typeface="Times New Roman" panose="02020603050405020304" pitchFamily="18" charset="0"/>
+              </a:rPr>
+              <a:t> </a:t>
+            </a:r>
+            <a:r>
+              <a:rPr lang="en-US" sz="2800" cap="none" dirty="0" err="1">
                 <a:latin typeface="Times New Roman" panose="02020603050405020304" pitchFamily="18" charset="0"/>
                 <a:cs typeface="Times New Roman" panose="02020603050405020304" pitchFamily="18" charset="0"/>
               </a:rPr>
@@ -7665,7 +7652,7 @@
               <a:t> </a:t>
             </a:r>
             <a:r>
-              <a:rPr lang="en-US" sz="2800" cap="none" dirty="0" err="1" smtClean="0">
+              <a:rPr lang="en-US" sz="2800" cap="none" dirty="0" err="1">
                 <a:latin typeface="Times New Roman" panose="02020603050405020304" pitchFamily="18" charset="0"/>
                 <a:cs typeface="Times New Roman" panose="02020603050405020304" pitchFamily="18" charset="0"/>
               </a:rPr>
@@ -7679,7 +7666,7 @@
               <a:t> </a:t>
             </a:r>
             <a:r>
-              <a:rPr lang="en-US" sz="2800" cap="none" dirty="0" err="1" smtClean="0">
+              <a:rPr lang="en-US" sz="2800" cap="none" dirty="0" err="1">
                 <a:latin typeface="Times New Roman" panose="02020603050405020304" pitchFamily="18" charset="0"/>
                 <a:cs typeface="Times New Roman" panose="02020603050405020304" pitchFamily="18" charset="0"/>
               </a:rPr>
@@ -7693,7 +7680,7 @@
               <a:t> </a:t>
             </a:r>
             <a:r>
-              <a:rPr lang="en-US" sz="2800" cap="none" dirty="0" err="1" smtClean="0">
+              <a:rPr lang="en-US" sz="2800" cap="none" dirty="0" err="1">
                 <a:latin typeface="Times New Roman" panose="02020603050405020304" pitchFamily="18" charset="0"/>
                 <a:cs typeface="Times New Roman" panose="02020603050405020304" pitchFamily="18" charset="0"/>
               </a:rPr>
@@ -7707,7 +7694,7 @@
               <a:t> </a:t>
             </a:r>
             <a:r>
-              <a:rPr lang="en-US" sz="2800" cap="none" dirty="0" err="1" smtClean="0">
+              <a:rPr lang="en-US" sz="2800" cap="none" dirty="0" err="1">
                 <a:latin typeface="Times New Roman" panose="02020603050405020304" pitchFamily="18" charset="0"/>
                 <a:cs typeface="Times New Roman" panose="02020603050405020304" pitchFamily="18" charset="0"/>
               </a:rPr>
@@ -7721,7 +7708,7 @@
               <a:t> </a:t>
             </a:r>
             <a:r>
-              <a:rPr lang="en-US" sz="2800" cap="none" dirty="0" err="1" smtClean="0">
+              <a:rPr lang="en-US" sz="2800" cap="none" dirty="0" err="1">
                 <a:latin typeface="Times New Roman" panose="02020603050405020304" pitchFamily="18" charset="0"/>
                 <a:cs typeface="Times New Roman" panose="02020603050405020304" pitchFamily="18" charset="0"/>
               </a:rPr>
@@ -7735,7 +7722,7 @@
               <a:t> </a:t>
             </a:r>
             <a:r>
-              <a:rPr lang="en-US" sz="2800" cap="none" dirty="0" err="1" smtClean="0">
+              <a:rPr lang="en-US" sz="2800" cap="none" dirty="0" err="1">
                 <a:latin typeface="Times New Roman" panose="02020603050405020304" pitchFamily="18" charset="0"/>
                 <a:cs typeface="Times New Roman" panose="02020603050405020304" pitchFamily="18" charset="0"/>
               </a:rPr>
@@ -7749,7 +7736,7 @@
               <a:t> </a:t>
             </a:r>
             <a:r>
-              <a:rPr lang="en-US" sz="2800" cap="none" dirty="0" err="1" smtClean="0">
+              <a:rPr lang="en-US" sz="2800" cap="none" dirty="0" err="1">
                 <a:latin typeface="Times New Roman" panose="02020603050405020304" pitchFamily="18" charset="0"/>
                 <a:cs typeface="Times New Roman" panose="02020603050405020304" pitchFamily="18" charset="0"/>
               </a:rPr>
@@ -7763,7 +7750,7 @@
               <a:t> </a:t>
             </a:r>
             <a:r>
-              <a:rPr lang="en-US" sz="2800" cap="none" dirty="0" err="1" smtClean="0">
+              <a:rPr lang="en-US" sz="2800" cap="none" dirty="0" err="1">
                 <a:latin typeface="Times New Roman" panose="02020603050405020304" pitchFamily="18" charset="0"/>
                 <a:cs typeface="Times New Roman" panose="02020603050405020304" pitchFamily="18" charset="0"/>
               </a:rPr>
@@ -7777,7 +7764,7 @@
               <a:t> </a:t>
             </a:r>
             <a:r>
-              <a:rPr lang="en-US" sz="2800" cap="none" dirty="0" err="1" smtClean="0">
+              <a:rPr lang="en-US" sz="2800" cap="none" dirty="0" err="1">
                 <a:latin typeface="Times New Roman" panose="02020603050405020304" pitchFamily="18" charset="0"/>
                 <a:cs typeface="Times New Roman" panose="02020603050405020304" pitchFamily="18" charset="0"/>
               </a:rPr>
@@ -7791,7 +7778,7 @@
               <a:t> </a:t>
             </a:r>
             <a:r>
-              <a:rPr lang="en-US" sz="2800" cap="none" dirty="0" err="1" smtClean="0">
+              <a:rPr lang="en-US" sz="2800" cap="none" dirty="0" err="1">
                 <a:latin typeface="Times New Roman" panose="02020603050405020304" pitchFamily="18" charset="0"/>
                 <a:cs typeface="Times New Roman" panose="02020603050405020304" pitchFamily="18" charset="0"/>
               </a:rPr>
@@ -7805,7 +7792,7 @@
               <a:t> </a:t>
             </a:r>
             <a:r>
-              <a:rPr lang="en-US" sz="2800" cap="none" dirty="0" err="1" smtClean="0">
+              <a:rPr lang="en-US" sz="2800" cap="none" dirty="0" err="1">
                 <a:latin typeface="Times New Roman" panose="02020603050405020304" pitchFamily="18" charset="0"/>
                 <a:cs typeface="Times New Roman" panose="02020603050405020304" pitchFamily="18" charset="0"/>
               </a:rPr>
@@ -7819,21 +7806,21 @@
               <a:t> </a:t>
             </a:r>
             <a:r>
-              <a:rPr lang="en-US" sz="2800" cap="none" dirty="0" err="1" smtClean="0">
+              <a:rPr lang="en-US" sz="2800" cap="none" dirty="0" err="1">
                 <a:latin typeface="Times New Roman" panose="02020603050405020304" pitchFamily="18" charset="0"/>
                 <a:cs typeface="Times New Roman" panose="02020603050405020304" pitchFamily="18" charset="0"/>
               </a:rPr>
               <a:t>đặt</a:t>
             </a:r>
             <a:r>
-              <a:rPr lang="en-US" sz="2800" cap="none" dirty="0" smtClean="0">
-                <a:latin typeface="Times New Roman" panose="02020603050405020304" pitchFamily="18" charset="0"/>
-                <a:cs typeface="Times New Roman" panose="02020603050405020304" pitchFamily="18" charset="0"/>
-              </a:rPr>
-              <a:t> </a:t>
-            </a:r>
-            <a:r>
-              <a:rPr lang="en-US" sz="2800" cap="none" dirty="0" err="1" smtClean="0">
+              <a:rPr lang="en-US" sz="2800" cap="none" dirty="0">
+                <a:latin typeface="Times New Roman" panose="02020603050405020304" pitchFamily="18" charset="0"/>
+                <a:cs typeface="Times New Roman" panose="02020603050405020304" pitchFamily="18" charset="0"/>
+              </a:rPr>
+              <a:t> </a:t>
+            </a:r>
+            <a:r>
+              <a:rPr lang="en-US" sz="2800" cap="none" dirty="0" err="1">
                 <a:latin typeface="Times New Roman" panose="02020603050405020304" pitchFamily="18" charset="0"/>
                 <a:cs typeface="Times New Roman" panose="02020603050405020304" pitchFamily="18" charset="0"/>
               </a:rPr>
@@ -7847,7 +7834,7 @@
               <a:t>, </a:t>
             </a:r>
             <a:r>
-              <a:rPr lang="en-US" sz="2800" cap="none" dirty="0" err="1" smtClean="0">
+              <a:rPr lang="en-US" sz="2800" cap="none" dirty="0" err="1">
                 <a:latin typeface="Times New Roman" panose="02020603050405020304" pitchFamily="18" charset="0"/>
                 <a:cs typeface="Times New Roman" panose="02020603050405020304" pitchFamily="18" charset="0"/>
               </a:rPr>
@@ -7861,7 +7848,7 @@
               <a:t> </a:t>
             </a:r>
             <a:r>
-              <a:rPr lang="en-US" sz="2800" cap="none" dirty="0" err="1" smtClean="0">
+              <a:rPr lang="en-US" sz="2800" cap="none" dirty="0" err="1">
                 <a:latin typeface="Times New Roman" panose="02020603050405020304" pitchFamily="18" charset="0"/>
                 <a:cs typeface="Times New Roman" panose="02020603050405020304" pitchFamily="18" charset="0"/>
               </a:rPr>
@@ -7875,7 +7862,7 @@
               <a:t> </a:t>
             </a:r>
             <a:r>
-              <a:rPr lang="en-US" sz="2800" cap="none" dirty="0" err="1" smtClean="0">
+              <a:rPr lang="en-US" sz="2800" cap="none" dirty="0" err="1">
                 <a:latin typeface="Times New Roman" panose="02020603050405020304" pitchFamily="18" charset="0"/>
                 <a:cs typeface="Times New Roman" panose="02020603050405020304" pitchFamily="18" charset="0"/>
               </a:rPr>
@@ -7889,7 +7876,7 @@
               <a:t> </a:t>
             </a:r>
             <a:r>
-              <a:rPr lang="en-US" sz="2800" cap="none" dirty="0" err="1" smtClean="0">
+              <a:rPr lang="en-US" sz="2800" cap="none" dirty="0" err="1">
                 <a:latin typeface="Times New Roman" panose="02020603050405020304" pitchFamily="18" charset="0"/>
                 <a:cs typeface="Times New Roman" panose="02020603050405020304" pitchFamily="18" charset="0"/>
               </a:rPr>
@@ -7903,35 +7890,35 @@
               <a:t> </a:t>
             </a:r>
             <a:r>
-              <a:rPr lang="en-US" sz="2800" cap="none" dirty="0" err="1" smtClean="0">
+              <a:rPr lang="en-US" sz="2800" cap="none" dirty="0" err="1">
                 <a:latin typeface="Times New Roman" panose="02020603050405020304" pitchFamily="18" charset="0"/>
                 <a:cs typeface="Times New Roman" panose="02020603050405020304" pitchFamily="18" charset="0"/>
               </a:rPr>
               <a:t>dụng</a:t>
             </a:r>
             <a:r>
-              <a:rPr lang="en-US" sz="2800" cap="none" dirty="0" smtClean="0">
-                <a:latin typeface="Times New Roman" panose="02020603050405020304" pitchFamily="18" charset="0"/>
-                <a:cs typeface="Times New Roman" panose="02020603050405020304" pitchFamily="18" charset="0"/>
-              </a:rPr>
-              <a:t> </a:t>
-            </a:r>
-            <a:r>
-              <a:rPr lang="en-US" sz="2800" cap="none" dirty="0" err="1" smtClean="0">
+              <a:rPr lang="en-US" sz="2800" cap="none" dirty="0">
+                <a:latin typeface="Times New Roman" panose="02020603050405020304" pitchFamily="18" charset="0"/>
+                <a:cs typeface="Times New Roman" panose="02020603050405020304" pitchFamily="18" charset="0"/>
+              </a:rPr>
+              <a:t> </a:t>
+            </a:r>
+            <a:r>
+              <a:rPr lang="en-US" sz="2800" cap="none" dirty="0" err="1">
                 <a:latin typeface="Times New Roman" panose="02020603050405020304" pitchFamily="18" charset="0"/>
                 <a:cs typeface="Times New Roman" panose="02020603050405020304" pitchFamily="18" charset="0"/>
               </a:rPr>
               <a:t>cao</a:t>
             </a:r>
             <a:r>
-              <a:rPr lang="en-US" sz="2800" cap="none" dirty="0" smtClean="0">
-                <a:latin typeface="Times New Roman" panose="02020603050405020304" pitchFamily="18" charset="0"/>
-                <a:cs typeface="Times New Roman" panose="02020603050405020304" pitchFamily="18" charset="0"/>
-              </a:rPr>
-              <a:t> </a:t>
-            </a:r>
-            <a:r>
-              <a:rPr lang="en-US" sz="2800" cap="none" dirty="0" err="1" smtClean="0">
+              <a:rPr lang="en-US" sz="2800" cap="none" dirty="0">
+                <a:latin typeface="Times New Roman" panose="02020603050405020304" pitchFamily="18" charset="0"/>
+                <a:cs typeface="Times New Roman" panose="02020603050405020304" pitchFamily="18" charset="0"/>
+              </a:rPr>
+              <a:t> </a:t>
+            </a:r>
+            <a:r>
+              <a:rPr lang="en-US" sz="2800" cap="none" dirty="0" err="1">
                 <a:latin typeface="Times New Roman" panose="02020603050405020304" pitchFamily="18" charset="0"/>
                 <a:cs typeface="Times New Roman" panose="02020603050405020304" pitchFamily="18" charset="0"/>
               </a:rPr>
@@ -7945,7 +7932,7 @@
               <a:t> </a:t>
             </a:r>
             <a:r>
-              <a:rPr lang="en-US" sz="2800" cap="none" dirty="0" err="1" smtClean="0">
+              <a:rPr lang="en-US" sz="2800" cap="none" dirty="0" err="1">
                 <a:latin typeface="Times New Roman" panose="02020603050405020304" pitchFamily="18" charset="0"/>
                 <a:cs typeface="Times New Roman" panose="02020603050405020304" pitchFamily="18" charset="0"/>
               </a:rPr>
@@ -7959,7 +7946,7 @@
               <a:t> </a:t>
             </a:r>
             <a:r>
-              <a:rPr lang="en-US" sz="2800" cap="none" dirty="0" err="1" smtClean="0">
+              <a:rPr lang="en-US" sz="2800" cap="none" dirty="0" err="1">
                 <a:latin typeface="Times New Roman" panose="02020603050405020304" pitchFamily="18" charset="0"/>
                 <a:cs typeface="Times New Roman" panose="02020603050405020304" pitchFamily="18" charset="0"/>
               </a:rPr>
@@ -7973,7 +7960,7 @@
               <a:t> </a:t>
             </a:r>
             <a:r>
-              <a:rPr lang="en-US" sz="2800" cap="none" dirty="0" err="1" smtClean="0">
+              <a:rPr lang="en-US" sz="2800" cap="none" dirty="0" err="1">
                 <a:latin typeface="Times New Roman" panose="02020603050405020304" pitchFamily="18" charset="0"/>
                 <a:cs typeface="Times New Roman" panose="02020603050405020304" pitchFamily="18" charset="0"/>
               </a:rPr>
@@ -7987,7 +7974,7 @@
               <a:t> </a:t>
             </a:r>
             <a:r>
-              <a:rPr lang="en-US" sz="2800" cap="none" dirty="0" err="1" smtClean="0">
+              <a:rPr lang="en-US" sz="2800" cap="none" dirty="0" err="1">
                 <a:latin typeface="Times New Roman" panose="02020603050405020304" pitchFamily="18" charset="0"/>
                 <a:cs typeface="Times New Roman" panose="02020603050405020304" pitchFamily="18" charset="0"/>
               </a:rPr>
@@ -8001,7 +7988,7 @@
               <a:t> </a:t>
             </a:r>
             <a:r>
-              <a:rPr lang="en-US" sz="2800" cap="none" dirty="0" err="1" smtClean="0">
+              <a:rPr lang="en-US" sz="2800" cap="none" dirty="0" err="1">
                 <a:latin typeface="Times New Roman" panose="02020603050405020304" pitchFamily="18" charset="0"/>
                 <a:cs typeface="Times New Roman" panose="02020603050405020304" pitchFamily="18" charset="0"/>
               </a:rPr>
@@ -8015,7 +8002,7 @@
               <a:t> </a:t>
             </a:r>
             <a:r>
-              <a:rPr lang="en-US" sz="2800" cap="none" dirty="0" err="1" smtClean="0">
+              <a:rPr lang="en-US" sz="2800" cap="none" dirty="0" err="1">
                 <a:latin typeface="Times New Roman" panose="02020603050405020304" pitchFamily="18" charset="0"/>
                 <a:cs typeface="Times New Roman" panose="02020603050405020304" pitchFamily="18" charset="0"/>
               </a:rPr>
@@ -8029,7 +8016,7 @@
               <a:t> </a:t>
             </a:r>
             <a:r>
-              <a:rPr lang="en-US" sz="2800" cap="none" dirty="0" err="1" smtClean="0">
+              <a:rPr lang="en-US" sz="2800" cap="none" dirty="0" err="1">
                 <a:latin typeface="Times New Roman" panose="02020603050405020304" pitchFamily="18" charset="0"/>
                 <a:cs typeface="Times New Roman" panose="02020603050405020304" pitchFamily="18" charset="0"/>
               </a:rPr>
@@ -8043,7 +8030,7 @@
               <a:t> </a:t>
             </a:r>
             <a:r>
-              <a:rPr lang="en-US" sz="2800" cap="none" dirty="0" err="1" smtClean="0">
+              <a:rPr lang="en-US" sz="2800" cap="none" dirty="0" err="1">
                 <a:latin typeface="Times New Roman" panose="02020603050405020304" pitchFamily="18" charset="0"/>
                 <a:cs typeface="Times New Roman" panose="02020603050405020304" pitchFamily="18" charset="0"/>
               </a:rPr>
@@ -8057,7 +8044,7 @@
               <a:t> </a:t>
             </a:r>
             <a:r>
-              <a:rPr lang="en-US" sz="2800" cap="none" dirty="0" err="1" smtClean="0">
+              <a:rPr lang="en-US" sz="2800" cap="none" dirty="0" err="1">
                 <a:latin typeface="Times New Roman" panose="02020603050405020304" pitchFamily="18" charset="0"/>
                 <a:cs typeface="Times New Roman" panose="02020603050405020304" pitchFamily="18" charset="0"/>
               </a:rPr>
@@ -8071,21 +8058,21 @@
               <a:t> </a:t>
             </a:r>
             <a:r>
-              <a:rPr lang="en-US" sz="2800" cap="none" dirty="0" err="1" smtClean="0">
+              <a:rPr lang="en-US" sz="2800" cap="none" dirty="0" err="1">
                 <a:latin typeface="Times New Roman" panose="02020603050405020304" pitchFamily="18" charset="0"/>
                 <a:cs typeface="Times New Roman" panose="02020603050405020304" pitchFamily="18" charset="0"/>
               </a:rPr>
               <a:t>rộng</a:t>
             </a:r>
             <a:r>
-              <a:rPr lang="en-US" sz="2800" cap="none" dirty="0" smtClean="0">
-                <a:latin typeface="Times New Roman" panose="02020603050405020304" pitchFamily="18" charset="0"/>
-                <a:cs typeface="Times New Roman" panose="02020603050405020304" pitchFamily="18" charset="0"/>
-              </a:rPr>
-              <a:t> </a:t>
-            </a:r>
-            <a:r>
-              <a:rPr lang="en-US" sz="2800" cap="none" dirty="0" err="1" smtClean="0">
+              <a:rPr lang="en-US" sz="2800" cap="none" dirty="0">
+                <a:latin typeface="Times New Roman" panose="02020603050405020304" pitchFamily="18" charset="0"/>
+                <a:cs typeface="Times New Roman" panose="02020603050405020304" pitchFamily="18" charset="0"/>
+              </a:rPr>
+              <a:t> </a:t>
+            </a:r>
+            <a:r>
+              <a:rPr lang="en-US" sz="2800" cap="none" dirty="0" err="1">
                 <a:latin typeface="Times New Roman" panose="02020603050405020304" pitchFamily="18" charset="0"/>
                 <a:cs typeface="Times New Roman" panose="02020603050405020304" pitchFamily="18" charset="0"/>
               </a:rPr>
@@ -8099,7 +8086,7 @@
               <a:t> </a:t>
             </a:r>
             <a:r>
-              <a:rPr lang="en-US" sz="2800" cap="none" dirty="0" err="1" smtClean="0">
+              <a:rPr lang="en-US" sz="2800" cap="none" dirty="0" err="1">
                 <a:latin typeface="Times New Roman" panose="02020603050405020304" pitchFamily="18" charset="0"/>
                 <a:cs typeface="Times New Roman" panose="02020603050405020304" pitchFamily="18" charset="0"/>
               </a:rPr>
@@ -8113,14 +8100,14 @@
               <a:t> </a:t>
             </a:r>
             <a:r>
-              <a:rPr lang="en-US" sz="2800" cap="none" dirty="0" err="1" smtClean="0">
+              <a:rPr lang="en-US" sz="2800" cap="none" dirty="0" err="1">
                 <a:latin typeface="Times New Roman" panose="02020603050405020304" pitchFamily="18" charset="0"/>
                 <a:cs typeface="Times New Roman" panose="02020603050405020304" pitchFamily="18" charset="0"/>
               </a:rPr>
               <a:t>cầu</a:t>
             </a:r>
             <a:r>
-              <a:rPr lang="en-US" sz="2800" cap="none" dirty="0" smtClean="0">
+              <a:rPr lang="en-US" sz="2800" cap="none" dirty="0">
                 <a:latin typeface="Times New Roman" panose="02020603050405020304" pitchFamily="18" charset="0"/>
                 <a:cs typeface="Times New Roman" panose="02020603050405020304" pitchFamily="18" charset="0"/>
               </a:rPr>
@@ -8133,7 +8120,7 @@
               <a:buChar char="-"/>
             </a:pPr>
             <a:r>
-              <a:rPr lang="en-US" sz="2800" cap="none" dirty="0" err="1" smtClean="0">
+              <a:rPr lang="en-US" sz="2800" cap="none" dirty="0" err="1">
                 <a:latin typeface="Times New Roman" panose="02020603050405020304" pitchFamily="18" charset="0"/>
                 <a:cs typeface="Times New Roman" panose="02020603050405020304" pitchFamily="18" charset="0"/>
               </a:rPr>
@@ -8147,7 +8134,7 @@
               <a:t> </a:t>
             </a:r>
             <a:r>
-              <a:rPr lang="en-US" sz="2800" cap="none" dirty="0" err="1" smtClean="0">
+              <a:rPr lang="en-US" sz="2800" cap="none" dirty="0" err="1">
                 <a:latin typeface="Times New Roman" panose="02020603050405020304" pitchFamily="18" charset="0"/>
                 <a:cs typeface="Times New Roman" panose="02020603050405020304" pitchFamily="18" charset="0"/>
               </a:rPr>
@@ -8161,7 +8148,7 @@
               <a:t> </a:t>
             </a:r>
             <a:r>
-              <a:rPr lang="en-US" sz="2800" cap="none" dirty="0" err="1" smtClean="0">
+              <a:rPr lang="en-US" sz="2800" cap="none" dirty="0" err="1">
                 <a:latin typeface="Times New Roman" panose="02020603050405020304" pitchFamily="18" charset="0"/>
                 <a:cs typeface="Times New Roman" panose="02020603050405020304" pitchFamily="18" charset="0"/>
               </a:rPr>
@@ -8175,7 +8162,7 @@
               <a:t> </a:t>
             </a:r>
             <a:r>
-              <a:rPr lang="en-US" sz="2800" cap="none" dirty="0" err="1" smtClean="0">
+              <a:rPr lang="en-US" sz="2800" cap="none" dirty="0" err="1">
                 <a:latin typeface="Times New Roman" panose="02020603050405020304" pitchFamily="18" charset="0"/>
                 <a:cs typeface="Times New Roman" panose="02020603050405020304" pitchFamily="18" charset="0"/>
               </a:rPr>
@@ -8189,7 +8176,7 @@
               <a:t> </a:t>
             </a:r>
             <a:r>
-              <a:rPr lang="en-US" sz="2800" cap="none" dirty="0" err="1" smtClean="0">
+              <a:rPr lang="en-US" sz="2800" cap="none" dirty="0" err="1">
                 <a:latin typeface="Times New Roman" panose="02020603050405020304" pitchFamily="18" charset="0"/>
                 <a:cs typeface="Times New Roman" panose="02020603050405020304" pitchFamily="18" charset="0"/>
               </a:rPr>
@@ -8200,14 +8187,7 @@
                 <a:latin typeface="Times New Roman" panose="02020603050405020304" pitchFamily="18" charset="0"/>
                 <a:cs typeface="Times New Roman" panose="02020603050405020304" pitchFamily="18" charset="0"/>
               </a:rPr>
-              <a:t> </a:t>
-            </a:r>
-            <a:r>
-              <a:rPr lang="en-US" sz="2800" cap="none" dirty="0" smtClean="0">
-                <a:latin typeface="Times New Roman" panose="02020603050405020304" pitchFamily="18" charset="0"/>
-                <a:cs typeface="Times New Roman" panose="02020603050405020304" pitchFamily="18" charset="0"/>
-              </a:rPr>
-              <a:t>webserver .</a:t>
+              <a:t> webserver .</a:t>
             </a:r>
           </a:p>
           <a:p>
@@ -8216,14 +8196,14 @@
               <a:buChar char="-"/>
             </a:pPr>
             <a:r>
-              <a:rPr lang="en-US" sz="2800" cap="none" dirty="0" smtClean="0">
+              <a:rPr lang="en-US" sz="2800" cap="none" dirty="0">
                 <a:latin typeface="Times New Roman" panose="02020603050405020304" pitchFamily="18" charset="0"/>
                 <a:cs typeface="Times New Roman" panose="02020603050405020304" pitchFamily="18" charset="0"/>
               </a:rPr>
               <a:t>C</a:t>
             </a:r>
             <a:r>
-              <a:rPr lang="vi-VN" sz="2800" cap="none" dirty="0" smtClean="0">
+              <a:rPr lang="vi-VN" sz="2800" cap="none" dirty="0">
                 <a:latin typeface="Times New Roman" panose="02020603050405020304" pitchFamily="18" charset="0"/>
                 <a:cs typeface="Times New Roman" panose="02020603050405020304" pitchFamily="18" charset="0"/>
               </a:rPr>
@@ -8237,7 +8217,7 @@
               <a:t> </a:t>
             </a:r>
             <a:r>
-              <a:rPr lang="en-US" sz="2800" cap="none" dirty="0" err="1" smtClean="0">
+              <a:rPr lang="en-US" sz="2800" cap="none" dirty="0" err="1">
                 <a:latin typeface="Times New Roman" panose="02020603050405020304" pitchFamily="18" charset="0"/>
                 <a:cs typeface="Times New Roman" panose="02020603050405020304" pitchFamily="18" charset="0"/>
               </a:rPr>
@@ -8251,7 +8231,7 @@
               <a:t> </a:t>
             </a:r>
             <a:r>
-              <a:rPr lang="en-US" sz="2800" cap="none" dirty="0" err="1" smtClean="0">
+              <a:rPr lang="en-US" sz="2800" cap="none" dirty="0" err="1">
                 <a:latin typeface="Times New Roman" panose="02020603050405020304" pitchFamily="18" charset="0"/>
                 <a:cs typeface="Times New Roman" panose="02020603050405020304" pitchFamily="18" charset="0"/>
               </a:rPr>
@@ -8265,7 +8245,7 @@
               <a:t> </a:t>
             </a:r>
             <a:r>
-              <a:rPr lang="en-US" sz="2800" cap="none" dirty="0" err="1" smtClean="0">
+              <a:rPr lang="en-US" sz="2800" cap="none" dirty="0" err="1">
                 <a:latin typeface="Times New Roman" panose="02020603050405020304" pitchFamily="18" charset="0"/>
                 <a:cs typeface="Times New Roman" panose="02020603050405020304" pitchFamily="18" charset="0"/>
               </a:rPr>
@@ -8279,7 +8259,7 @@
               <a:t> </a:t>
             </a:r>
             <a:r>
-              <a:rPr lang="en-US" sz="2800" cap="none" dirty="0" err="1" smtClean="0">
+              <a:rPr lang="en-US" sz="2800" cap="none" dirty="0" err="1">
                 <a:latin typeface="Times New Roman" panose="02020603050405020304" pitchFamily="18" charset="0"/>
                 <a:cs typeface="Times New Roman" panose="02020603050405020304" pitchFamily="18" charset="0"/>
               </a:rPr>
@@ -8293,7 +8273,7 @@
               <a:t> </a:t>
             </a:r>
             <a:r>
-              <a:rPr lang="en-US" sz="2800" cap="none" dirty="0" err="1" smtClean="0">
+              <a:rPr lang="en-US" sz="2800" cap="none" dirty="0" err="1">
                 <a:latin typeface="Times New Roman" panose="02020603050405020304" pitchFamily="18" charset="0"/>
                 <a:cs typeface="Times New Roman" panose="02020603050405020304" pitchFamily="18" charset="0"/>
               </a:rPr>
@@ -8307,7 +8287,7 @@
               <a:t> </a:t>
             </a:r>
             <a:r>
-              <a:rPr lang="en-US" sz="2800" cap="none" dirty="0" err="1" smtClean="0">
+              <a:rPr lang="en-US" sz="2800" cap="none" dirty="0" err="1">
                 <a:latin typeface="Times New Roman" panose="02020603050405020304" pitchFamily="18" charset="0"/>
                 <a:cs typeface="Times New Roman" panose="02020603050405020304" pitchFamily="18" charset="0"/>
               </a:rPr>
@@ -8321,56 +8301,49 @@
               <a:t> </a:t>
             </a:r>
             <a:r>
-              <a:rPr lang="en-US" sz="2800" cap="none" dirty="0" err="1" smtClean="0">
+              <a:rPr lang="en-US" sz="2800" cap="none" dirty="0" err="1">
                 <a:latin typeface="Times New Roman" panose="02020603050405020304" pitchFamily="18" charset="0"/>
                 <a:cs typeface="Times New Roman" panose="02020603050405020304" pitchFamily="18" charset="0"/>
               </a:rPr>
               <a:t>năng</a:t>
             </a:r>
             <a:r>
-              <a:rPr lang="en-US" sz="2800" cap="none" dirty="0" smtClean="0">
-                <a:latin typeface="Times New Roman" panose="02020603050405020304" pitchFamily="18" charset="0"/>
-                <a:cs typeface="Times New Roman" panose="02020603050405020304" pitchFamily="18" charset="0"/>
-              </a:rPr>
-              <a:t> </a:t>
-            </a:r>
-            <a:r>
-              <a:rPr lang="en-US" sz="2800" cap="none" dirty="0" err="1" smtClean="0">
+              <a:rPr lang="en-US" sz="2800" cap="none" dirty="0">
+                <a:latin typeface="Times New Roman" panose="02020603050405020304" pitchFamily="18" charset="0"/>
+                <a:cs typeface="Times New Roman" panose="02020603050405020304" pitchFamily="18" charset="0"/>
+              </a:rPr>
+              <a:t> </a:t>
+            </a:r>
+            <a:r>
+              <a:rPr lang="en-US" sz="2800" cap="none" dirty="0" err="1">
                 <a:latin typeface="Times New Roman" panose="02020603050405020304" pitchFamily="18" charset="0"/>
                 <a:cs typeface="Times New Roman" panose="02020603050405020304" pitchFamily="18" charset="0"/>
               </a:rPr>
               <a:t>cho</a:t>
             </a:r>
             <a:r>
-              <a:rPr lang="en-US" sz="2800" cap="none" dirty="0" smtClean="0">
-                <a:latin typeface="Times New Roman" panose="02020603050405020304" pitchFamily="18" charset="0"/>
-                <a:cs typeface="Times New Roman" panose="02020603050405020304" pitchFamily="18" charset="0"/>
-              </a:rPr>
-              <a:t> </a:t>
-            </a:r>
-            <a:r>
               <a:rPr lang="en-US" sz="2800" cap="none" dirty="0">
                 <a:latin typeface="Times New Roman" panose="02020603050405020304" pitchFamily="18" charset="0"/>
                 <a:cs typeface="Times New Roman" panose="02020603050405020304" pitchFamily="18" charset="0"/>
               </a:rPr>
-              <a:t>android </a:t>
-            </a:r>
-            <a:r>
-              <a:rPr lang="en-US" sz="2800" cap="none" dirty="0" err="1" smtClean="0">
+              <a:t> android </a:t>
+            </a:r>
+            <a:r>
+              <a:rPr lang="en-US" sz="2800" cap="none" dirty="0" err="1">
                 <a:latin typeface="Times New Roman" panose="02020603050405020304" pitchFamily="18" charset="0"/>
                 <a:cs typeface="Times New Roman" panose="02020603050405020304" pitchFamily="18" charset="0"/>
               </a:rPr>
               <a:t>cho</a:t>
             </a:r>
             <a:r>
-              <a:rPr lang="en-US" sz="2800" cap="none" dirty="0" smtClean="0">
-                <a:latin typeface="Times New Roman" panose="02020603050405020304" pitchFamily="18" charset="0"/>
-                <a:cs typeface="Times New Roman" panose="02020603050405020304" pitchFamily="18" charset="0"/>
-              </a:rPr>
-              <a:t> </a:t>
-            </a:r>
-            <a:r>
-              <a:rPr lang="en-US" sz="2800" cap="none" dirty="0" err="1" smtClean="0">
+              <a:rPr lang="en-US" sz="2800" cap="none" dirty="0">
+                <a:latin typeface="Times New Roman" panose="02020603050405020304" pitchFamily="18" charset="0"/>
+                <a:cs typeface="Times New Roman" panose="02020603050405020304" pitchFamily="18" charset="0"/>
+              </a:rPr>
+              <a:t> </a:t>
+            </a:r>
+            <a:r>
+              <a:rPr lang="en-US" sz="2800" cap="none" dirty="0" err="1">
                 <a:latin typeface="Times New Roman" panose="02020603050405020304" pitchFamily="18" charset="0"/>
                 <a:cs typeface="Times New Roman" panose="02020603050405020304" pitchFamily="18" charset="0"/>
               </a:rPr>
@@ -8384,7 +8357,7 @@
               <a:t> </a:t>
             </a:r>
             <a:r>
-              <a:rPr lang="en-US" sz="2800" cap="none" dirty="0" err="1" smtClean="0">
+              <a:rPr lang="en-US" sz="2800" cap="none" dirty="0" err="1">
                 <a:latin typeface="Times New Roman" panose="02020603050405020304" pitchFamily="18" charset="0"/>
                 <a:cs typeface="Times New Roman" panose="02020603050405020304" pitchFamily="18" charset="0"/>
               </a:rPr>
@@ -8398,21 +8371,21 @@
               <a:t> </a:t>
             </a:r>
             <a:r>
-              <a:rPr lang="en-US" sz="2800" cap="none" dirty="0" err="1" smtClean="0">
+              <a:rPr lang="en-US" sz="2800" cap="none" dirty="0" err="1">
                 <a:latin typeface="Times New Roman" panose="02020603050405020304" pitchFamily="18" charset="0"/>
                 <a:cs typeface="Times New Roman" panose="02020603050405020304" pitchFamily="18" charset="0"/>
               </a:rPr>
               <a:t>vụ</a:t>
             </a:r>
             <a:r>
-              <a:rPr lang="en-US" sz="2800" cap="none" dirty="0" smtClean="0">
-                <a:latin typeface="Times New Roman" panose="02020603050405020304" pitchFamily="18" charset="0"/>
-                <a:cs typeface="Times New Roman" panose="02020603050405020304" pitchFamily="18" charset="0"/>
-              </a:rPr>
-              <a:t> </a:t>
-            </a:r>
-            <a:r>
-              <a:rPr lang="en-US" sz="2800" cap="none" dirty="0" err="1" smtClean="0">
+              <a:rPr lang="en-US" sz="2800" cap="none" dirty="0">
+                <a:latin typeface="Times New Roman" panose="02020603050405020304" pitchFamily="18" charset="0"/>
+                <a:cs typeface="Times New Roman" panose="02020603050405020304" pitchFamily="18" charset="0"/>
+              </a:rPr>
+              <a:t> </a:t>
+            </a:r>
+            <a:r>
+              <a:rPr lang="en-US" sz="2800" cap="none" dirty="0" err="1">
                 <a:latin typeface="Times New Roman" panose="02020603050405020304" pitchFamily="18" charset="0"/>
                 <a:cs typeface="Times New Roman" panose="02020603050405020304" pitchFamily="18" charset="0"/>
               </a:rPr>
@@ -8426,7 +8399,7 @@
               <a:t> </a:t>
             </a:r>
             <a:r>
-              <a:rPr lang="en-US" sz="2800" cap="none" dirty="0" err="1" smtClean="0">
+              <a:rPr lang="en-US" sz="2800" cap="none" dirty="0" err="1">
                 <a:latin typeface="Times New Roman" panose="02020603050405020304" pitchFamily="18" charset="0"/>
                 <a:cs typeface="Times New Roman" panose="02020603050405020304" pitchFamily="18" charset="0"/>
               </a:rPr>
@@ -8440,7 +8413,7 @@
               <a:t> </a:t>
             </a:r>
             <a:r>
-              <a:rPr lang="en-US" sz="2800" cap="none" dirty="0" err="1" smtClean="0">
+              <a:rPr lang="en-US" sz="2800" cap="none" dirty="0" err="1">
                 <a:latin typeface="Times New Roman" panose="02020603050405020304" pitchFamily="18" charset="0"/>
                 <a:cs typeface="Times New Roman" panose="02020603050405020304" pitchFamily="18" charset="0"/>
               </a:rPr>
@@ -8454,21 +8427,21 @@
               <a:t> </a:t>
             </a:r>
             <a:r>
-              <a:rPr lang="en-US" sz="2800" cap="none" dirty="0" err="1" smtClean="0">
+              <a:rPr lang="en-US" sz="2800" cap="none" dirty="0" err="1">
                 <a:latin typeface="Times New Roman" panose="02020603050405020304" pitchFamily="18" charset="0"/>
                 <a:cs typeface="Times New Roman" panose="02020603050405020304" pitchFamily="18" charset="0"/>
               </a:rPr>
               <a:t>trạng</a:t>
             </a:r>
             <a:r>
-              <a:rPr lang="en-US" sz="2800" cap="none" dirty="0" smtClean="0">
-                <a:latin typeface="Times New Roman" panose="02020603050405020304" pitchFamily="18" charset="0"/>
-                <a:cs typeface="Times New Roman" panose="02020603050405020304" pitchFamily="18" charset="0"/>
-              </a:rPr>
-              <a:t> </a:t>
-            </a:r>
-            <a:r>
-              <a:rPr lang="en-US" sz="2800" cap="none" dirty="0" err="1" smtClean="0">
+              <a:rPr lang="en-US" sz="2800" cap="none" dirty="0">
+                <a:latin typeface="Times New Roman" panose="02020603050405020304" pitchFamily="18" charset="0"/>
+                <a:cs typeface="Times New Roman" panose="02020603050405020304" pitchFamily="18" charset="0"/>
+              </a:rPr>
+              <a:t> </a:t>
+            </a:r>
+            <a:r>
+              <a:rPr lang="en-US" sz="2800" cap="none" dirty="0" err="1">
                 <a:latin typeface="Times New Roman" panose="02020603050405020304" pitchFamily="18" charset="0"/>
                 <a:cs typeface="Times New Roman" panose="02020603050405020304" pitchFamily="18" charset="0"/>
               </a:rPr>
@@ -8482,23 +8455,19 @@
               <a:t> </a:t>
             </a:r>
             <a:r>
-              <a:rPr lang="en-US" sz="2800" cap="none" dirty="0" err="1" smtClean="0">
+              <a:rPr lang="en-US" sz="2800" cap="none" dirty="0" err="1">
                 <a:latin typeface="Times New Roman" panose="02020603050405020304" pitchFamily="18" charset="0"/>
                 <a:cs typeface="Times New Roman" panose="02020603050405020304" pitchFamily="18" charset="0"/>
               </a:rPr>
               <a:t>biến</a:t>
             </a:r>
             <a:r>
-              <a:rPr lang="en-US" sz="2800" cap="none" dirty="0" smtClean="0">
-                <a:latin typeface="Times New Roman" panose="02020603050405020304" pitchFamily="18" charset="0"/>
-                <a:cs typeface="Times New Roman" panose="02020603050405020304" pitchFamily="18" charset="0"/>
-              </a:rPr>
-              <a:t> </a:t>
-            </a:r>
-            <a:endParaRPr lang="en-US" sz="2800" cap="none" dirty="0">
-              <a:latin typeface="Times New Roman" panose="02020603050405020304" pitchFamily="18" charset="0"/>
-              <a:cs typeface="Times New Roman" panose="02020603050405020304" pitchFamily="18" charset="0"/>
-            </a:endParaRPr>
+              <a:rPr lang="en-US" sz="2800" cap="none" dirty="0">
+                <a:latin typeface="Times New Roman" panose="02020603050405020304" pitchFamily="18" charset="0"/>
+                <a:cs typeface="Times New Roman" panose="02020603050405020304" pitchFamily="18" charset="0"/>
+              </a:rPr>
+              <a:t> </a:t>
+            </a:r>
           </a:p>
         </p:txBody>
       </p:sp>
@@ -8512,13 +8481,6 @@
   <p:clrMapOvr>
     <a:masterClrMapping/>
   </p:clrMapOvr>
-  <p:timing>
-    <p:tnLst>
-      <p:par>
-        <p:cTn id="1" dur="indefinite" restart="never" nodeType="tmRoot"/>
-      </p:par>
-    </p:tnLst>
-  </p:timing>
 </p:sld>
 </file>
 
@@ -8560,7 +8522,7 @@
           <a:lstStyle/>
           <a:p>
             <a:r>
-              <a:rPr lang="en-US" b="1" dirty="0" err="1" smtClean="0">
+              <a:rPr lang="en-US" b="1" dirty="0" err="1">
                 <a:latin typeface="Times New Roman" panose="02020603050405020304" pitchFamily="18" charset="0"/>
                 <a:cs typeface="Times New Roman" panose="02020603050405020304" pitchFamily="18" charset="0"/>
               </a:rPr>
@@ -8609,7 +8571,7 @@
               <a:buChar char="-"/>
             </a:pPr>
             <a:r>
-              <a:rPr lang="en-US" sz="3200" cap="none" dirty="0" err="1" smtClean="0">
+              <a:rPr lang="en-US" sz="3200" cap="none" dirty="0" err="1">
                 <a:latin typeface="Times New Roman" panose="02020603050405020304" pitchFamily="18" charset="0"/>
                 <a:cs typeface="Times New Roman" panose="02020603050405020304" pitchFamily="18" charset="0"/>
               </a:rPr>
@@ -8623,7 +8585,7 @@
               <a:t> </a:t>
             </a:r>
             <a:r>
-              <a:rPr lang="en-US" sz="3200" cap="none" dirty="0" err="1" smtClean="0">
+              <a:rPr lang="en-US" sz="3200" cap="none" dirty="0" err="1">
                 <a:latin typeface="Times New Roman" panose="02020603050405020304" pitchFamily="18" charset="0"/>
                 <a:cs typeface="Times New Roman" panose="02020603050405020304" pitchFamily="18" charset="0"/>
               </a:rPr>
@@ -8637,7 +8599,7 @@
               <a:t> </a:t>
             </a:r>
             <a:r>
-              <a:rPr lang="en-US" sz="3200" cap="none" dirty="0" err="1" smtClean="0">
+              <a:rPr lang="en-US" sz="3200" cap="none" dirty="0" err="1">
                 <a:latin typeface="Times New Roman" panose="02020603050405020304" pitchFamily="18" charset="0"/>
                 <a:cs typeface="Times New Roman" panose="02020603050405020304" pitchFamily="18" charset="0"/>
               </a:rPr>
@@ -8651,7 +8613,7 @@
               <a:t> </a:t>
             </a:r>
             <a:r>
-              <a:rPr lang="en-US" sz="3200" cap="none" dirty="0" err="1" smtClean="0">
+              <a:rPr lang="en-US" sz="3200" cap="none" dirty="0" err="1">
                 <a:latin typeface="Times New Roman" panose="02020603050405020304" pitchFamily="18" charset="0"/>
                 <a:cs typeface="Times New Roman" panose="02020603050405020304" pitchFamily="18" charset="0"/>
               </a:rPr>
@@ -8665,7 +8627,7 @@
               <a:t> </a:t>
             </a:r>
             <a:r>
-              <a:rPr lang="en-US" sz="3200" cap="none" dirty="0" err="1" smtClean="0">
+              <a:rPr lang="en-US" sz="3200" cap="none" dirty="0" err="1">
                 <a:latin typeface="Times New Roman" panose="02020603050405020304" pitchFamily="18" charset="0"/>
                 <a:cs typeface="Times New Roman" panose="02020603050405020304" pitchFamily="18" charset="0"/>
               </a:rPr>
@@ -8679,7 +8641,7 @@
               <a:t> </a:t>
             </a:r>
             <a:r>
-              <a:rPr lang="en-US" sz="3200" cap="none" dirty="0" err="1" smtClean="0">
+              <a:rPr lang="en-US" sz="3200" cap="none" dirty="0" err="1">
                 <a:latin typeface="Times New Roman" panose="02020603050405020304" pitchFamily="18" charset="0"/>
                 <a:cs typeface="Times New Roman" panose="02020603050405020304" pitchFamily="18" charset="0"/>
               </a:rPr>
@@ -8693,7 +8655,7 @@
               <a:t> </a:t>
             </a:r>
             <a:r>
-              <a:rPr lang="en-US" sz="3200" cap="none" dirty="0" err="1" smtClean="0">
+              <a:rPr lang="en-US" sz="3200" cap="none" dirty="0" err="1">
                 <a:latin typeface="Times New Roman" panose="02020603050405020304" pitchFamily="18" charset="0"/>
                 <a:cs typeface="Times New Roman" panose="02020603050405020304" pitchFamily="18" charset="0"/>
               </a:rPr>
@@ -8707,7 +8669,7 @@
               <a:t> </a:t>
             </a:r>
             <a:r>
-              <a:rPr lang="en-US" sz="3200" cap="none" dirty="0" err="1" smtClean="0">
+              <a:rPr lang="en-US" sz="3200" cap="none" dirty="0" err="1">
                 <a:latin typeface="Times New Roman" panose="02020603050405020304" pitchFamily="18" charset="0"/>
                 <a:cs typeface="Times New Roman" panose="02020603050405020304" pitchFamily="18" charset="0"/>
               </a:rPr>
@@ -8721,7 +8683,7 @@
               <a:t>, camera </a:t>
             </a:r>
             <a:r>
-              <a:rPr lang="en-US" sz="3200" cap="none" dirty="0" err="1" smtClean="0">
+              <a:rPr lang="en-US" sz="3200" cap="none" dirty="0" err="1">
                 <a:latin typeface="Times New Roman" panose="02020603050405020304" pitchFamily="18" charset="0"/>
                 <a:cs typeface="Times New Roman" panose="02020603050405020304" pitchFamily="18" charset="0"/>
               </a:rPr>
@@ -8735,7 +8697,7 @@
               <a:t> </a:t>
             </a:r>
             <a:r>
-              <a:rPr lang="en-US" sz="3200" cap="none" dirty="0" err="1" smtClean="0">
+              <a:rPr lang="en-US" sz="3200" cap="none" dirty="0" err="1">
                 <a:latin typeface="Times New Roman" panose="02020603050405020304" pitchFamily="18" charset="0"/>
                 <a:cs typeface="Times New Roman" panose="02020603050405020304" pitchFamily="18" charset="0"/>
               </a:rPr>
@@ -8749,7 +8711,7 @@
               <a:t> </a:t>
             </a:r>
             <a:r>
-              <a:rPr lang="en-US" sz="3200" cap="none" dirty="0" err="1" smtClean="0">
+              <a:rPr lang="en-US" sz="3200" cap="none" dirty="0" err="1">
                 <a:latin typeface="Times New Roman" panose="02020603050405020304" pitchFamily="18" charset="0"/>
                 <a:cs typeface="Times New Roman" panose="02020603050405020304" pitchFamily="18" charset="0"/>
               </a:rPr>
@@ -8763,7 +8725,7 @@
               <a:t> </a:t>
             </a:r>
             <a:r>
-              <a:rPr lang="en-US" sz="3200" cap="none" dirty="0" err="1" smtClean="0">
+              <a:rPr lang="en-US" sz="3200" cap="none" dirty="0" err="1">
                 <a:latin typeface="Times New Roman" panose="02020603050405020304" pitchFamily="18" charset="0"/>
                 <a:cs typeface="Times New Roman" panose="02020603050405020304" pitchFamily="18" charset="0"/>
               </a:rPr>
@@ -8777,28 +8739,28 @@
               <a:t> </a:t>
             </a:r>
             <a:r>
-              <a:rPr lang="en-US" sz="3200" cap="none" dirty="0" err="1" smtClean="0">
+              <a:rPr lang="en-US" sz="3200" cap="none" dirty="0" err="1">
                 <a:latin typeface="Times New Roman" panose="02020603050405020304" pitchFamily="18" charset="0"/>
                 <a:cs typeface="Times New Roman" panose="02020603050405020304" pitchFamily="18" charset="0"/>
               </a:rPr>
               <a:t>động</a:t>
             </a:r>
             <a:r>
-              <a:rPr lang="en-US" sz="3200" cap="none" dirty="0" smtClean="0">
-                <a:latin typeface="Times New Roman" panose="02020603050405020304" pitchFamily="18" charset="0"/>
-                <a:cs typeface="Times New Roman" panose="02020603050405020304" pitchFamily="18" charset="0"/>
-              </a:rPr>
-              <a:t> </a:t>
-            </a:r>
-            <a:r>
-              <a:rPr lang="en-US" sz="3200" cap="none" dirty="0" err="1" smtClean="0">
+              <a:rPr lang="en-US" sz="3200" cap="none" dirty="0">
+                <a:latin typeface="Times New Roman" panose="02020603050405020304" pitchFamily="18" charset="0"/>
+                <a:cs typeface="Times New Roman" panose="02020603050405020304" pitchFamily="18" charset="0"/>
+              </a:rPr>
+              <a:t> </a:t>
+            </a:r>
+            <a:r>
+              <a:rPr lang="en-US" sz="3200" cap="none" dirty="0" err="1">
                 <a:latin typeface="Times New Roman" panose="02020603050405020304" pitchFamily="18" charset="0"/>
                 <a:cs typeface="Times New Roman" panose="02020603050405020304" pitchFamily="18" charset="0"/>
               </a:rPr>
               <a:t>ch</a:t>
             </a:r>
             <a:r>
-              <a:rPr lang="vi-VN" sz="3200" cap="none" dirty="0" smtClean="0">
+              <a:rPr lang="vi-VN" sz="3200" cap="none" dirty="0">
                 <a:latin typeface="Times New Roman" panose="02020603050405020304" pitchFamily="18" charset="0"/>
                 <a:cs typeface="Times New Roman" panose="02020603050405020304" pitchFamily="18" charset="0"/>
               </a:rPr>
@@ -8825,10 +8787,6 @@
               </a:rPr>
               <a:t>.</a:t>
             </a:r>
-            <a:endParaRPr lang="en-US" sz="3200" cap="none" dirty="0" smtClean="0">
-              <a:latin typeface="Times New Roman" panose="02020603050405020304" pitchFamily="18" charset="0"/>
-              <a:cs typeface="Times New Roman" panose="02020603050405020304" pitchFamily="18" charset="0"/>
-            </a:endParaRPr>
           </a:p>
           <a:p>
             <a:pPr>
@@ -8836,7 +8794,7 @@
               <a:buChar char="-"/>
             </a:pPr>
             <a:r>
-              <a:rPr lang="en-US" sz="3200" cap="none" dirty="0" err="1" smtClean="0">
+              <a:rPr lang="en-US" sz="3200" cap="none" dirty="0" err="1">
                 <a:latin typeface="Times New Roman" panose="02020603050405020304" pitchFamily="18" charset="0"/>
                 <a:cs typeface="Times New Roman" panose="02020603050405020304" pitchFamily="18" charset="0"/>
               </a:rPr>
@@ -8850,7 +8808,7 @@
               <a:t> </a:t>
             </a:r>
             <a:r>
-              <a:rPr lang="en-US" sz="3200" cap="none" dirty="0" err="1" smtClean="0">
+              <a:rPr lang="en-US" sz="3200" cap="none" dirty="0" err="1">
                 <a:latin typeface="Times New Roman" panose="02020603050405020304" pitchFamily="18" charset="0"/>
                 <a:cs typeface="Times New Roman" panose="02020603050405020304" pitchFamily="18" charset="0"/>
               </a:rPr>
@@ -8864,7 +8822,7 @@
               <a:t> </a:t>
             </a:r>
             <a:r>
-              <a:rPr lang="en-US" sz="3200" cap="none" dirty="0" err="1" smtClean="0">
+              <a:rPr lang="en-US" sz="3200" cap="none" dirty="0" err="1">
                 <a:latin typeface="Times New Roman" panose="02020603050405020304" pitchFamily="18" charset="0"/>
                 <a:cs typeface="Times New Roman" panose="02020603050405020304" pitchFamily="18" charset="0"/>
               </a:rPr>
@@ -8878,7 +8836,7 @@
               <a:t> </a:t>
             </a:r>
             <a:r>
-              <a:rPr lang="en-US" sz="3200" cap="none" dirty="0" err="1" smtClean="0">
+              <a:rPr lang="en-US" sz="3200" cap="none" dirty="0" err="1">
                 <a:latin typeface="Times New Roman" panose="02020603050405020304" pitchFamily="18" charset="0"/>
                 <a:cs typeface="Times New Roman" panose="02020603050405020304" pitchFamily="18" charset="0"/>
               </a:rPr>
@@ -8892,7 +8850,7 @@
               <a:t> </a:t>
             </a:r>
             <a:r>
-              <a:rPr lang="en-US" sz="3200" cap="none" dirty="0" err="1" smtClean="0">
+              <a:rPr lang="en-US" sz="3200" cap="none" dirty="0" err="1">
                 <a:latin typeface="Times New Roman" panose="02020603050405020304" pitchFamily="18" charset="0"/>
                 <a:cs typeface="Times New Roman" panose="02020603050405020304" pitchFamily="18" charset="0"/>
               </a:rPr>
@@ -8906,7 +8864,7 @@
               <a:t> </a:t>
             </a:r>
             <a:r>
-              <a:rPr lang="en-US" sz="3200" cap="none" dirty="0" err="1" smtClean="0">
+              <a:rPr lang="en-US" sz="3200" cap="none" dirty="0" err="1">
                 <a:latin typeface="Times New Roman" panose="02020603050405020304" pitchFamily="18" charset="0"/>
                 <a:cs typeface="Times New Roman" panose="02020603050405020304" pitchFamily="18" charset="0"/>
               </a:rPr>
@@ -8920,7 +8878,7 @@
               <a:t> </a:t>
             </a:r>
             <a:r>
-              <a:rPr lang="en-US" sz="3200" cap="none" dirty="0" err="1" smtClean="0">
+              <a:rPr lang="en-US" sz="3200" cap="none" dirty="0" err="1">
                 <a:latin typeface="Times New Roman" panose="02020603050405020304" pitchFamily="18" charset="0"/>
                 <a:cs typeface="Times New Roman" panose="02020603050405020304" pitchFamily="18" charset="0"/>
               </a:rPr>
@@ -8934,7 +8892,7 @@
               <a:t> </a:t>
             </a:r>
             <a:r>
-              <a:rPr lang="en-US" sz="3200" cap="none" dirty="0" err="1" smtClean="0">
+              <a:rPr lang="en-US" sz="3200" cap="none" dirty="0" err="1">
                 <a:latin typeface="Times New Roman" panose="02020603050405020304" pitchFamily="18" charset="0"/>
                 <a:cs typeface="Times New Roman" panose="02020603050405020304" pitchFamily="18" charset="0"/>
               </a:rPr>
@@ -8948,14 +8906,14 @@
               <a:t> </a:t>
             </a:r>
             <a:r>
-              <a:rPr lang="en-US" sz="3200" cap="none" dirty="0" err="1" smtClean="0">
+              <a:rPr lang="en-US" sz="3200" cap="none" dirty="0" err="1">
                 <a:latin typeface="Times New Roman" panose="02020603050405020304" pitchFamily="18" charset="0"/>
                 <a:cs typeface="Times New Roman" panose="02020603050405020304" pitchFamily="18" charset="0"/>
               </a:rPr>
               <a:t>chế</a:t>
             </a:r>
             <a:r>
-              <a:rPr lang="en-US" sz="3200" cap="none" dirty="0" smtClean="0">
+              <a:rPr lang="en-US" sz="3200" cap="none" dirty="0">
                 <a:latin typeface="Times New Roman" panose="02020603050405020304" pitchFamily="18" charset="0"/>
                 <a:cs typeface="Times New Roman" panose="02020603050405020304" pitchFamily="18" charset="0"/>
               </a:rPr>
@@ -8968,7 +8926,7 @@
               <a:buChar char="-"/>
             </a:pPr>
             <a:r>
-              <a:rPr lang="en-US" sz="3200" cap="none" dirty="0" err="1" smtClean="0">
+              <a:rPr lang="en-US" sz="3200" cap="none" dirty="0" err="1">
                 <a:latin typeface="Times New Roman" panose="02020603050405020304" pitchFamily="18" charset="0"/>
                 <a:cs typeface="Times New Roman" panose="02020603050405020304" pitchFamily="18" charset="0"/>
               </a:rPr>
@@ -8982,7 +8940,7 @@
               <a:t> </a:t>
             </a:r>
             <a:r>
-              <a:rPr lang="en-US" sz="3200" cap="none" dirty="0" err="1" smtClean="0">
+              <a:rPr lang="en-US" sz="3200" cap="none" dirty="0" err="1">
                 <a:latin typeface="Times New Roman" panose="02020603050405020304" pitchFamily="18" charset="0"/>
                 <a:cs typeface="Times New Roman" panose="02020603050405020304" pitchFamily="18" charset="0"/>
               </a:rPr>
@@ -8996,7 +8954,7 @@
               <a:t> </a:t>
             </a:r>
             <a:r>
-              <a:rPr lang="en-US" sz="3200" cap="none" dirty="0" err="1" smtClean="0">
+              <a:rPr lang="en-US" sz="3200" cap="none" dirty="0" err="1">
                 <a:latin typeface="Times New Roman" panose="02020603050405020304" pitchFamily="18" charset="0"/>
                 <a:cs typeface="Times New Roman" panose="02020603050405020304" pitchFamily="18" charset="0"/>
               </a:rPr>
@@ -9010,7 +8968,7 @@
               <a:t> </a:t>
             </a:r>
             <a:r>
-              <a:rPr lang="en-US" sz="3200" cap="none" dirty="0" err="1" smtClean="0">
+              <a:rPr lang="en-US" sz="3200" cap="none" dirty="0" err="1">
                 <a:latin typeface="Times New Roman" panose="02020603050405020304" pitchFamily="18" charset="0"/>
                 <a:cs typeface="Times New Roman" panose="02020603050405020304" pitchFamily="18" charset="0"/>
               </a:rPr>
@@ -9024,7 +8982,7 @@
               <a:t> </a:t>
             </a:r>
             <a:r>
-              <a:rPr lang="en-US" sz="3200" cap="none" dirty="0" err="1" smtClean="0">
+              <a:rPr lang="en-US" sz="3200" cap="none" dirty="0" err="1">
                 <a:latin typeface="Times New Roman" panose="02020603050405020304" pitchFamily="18" charset="0"/>
                 <a:cs typeface="Times New Roman" panose="02020603050405020304" pitchFamily="18" charset="0"/>
               </a:rPr>
@@ -9038,7 +8996,7 @@
               <a:t> </a:t>
             </a:r>
             <a:r>
-              <a:rPr lang="en-US" sz="3200" cap="none" dirty="0" err="1" smtClean="0">
+              <a:rPr lang="en-US" sz="3200" cap="none" dirty="0" err="1">
                 <a:latin typeface="Times New Roman" panose="02020603050405020304" pitchFamily="18" charset="0"/>
                 <a:cs typeface="Times New Roman" panose="02020603050405020304" pitchFamily="18" charset="0"/>
               </a:rPr>
@@ -9052,7 +9010,7 @@
               <a:t> </a:t>
             </a:r>
             <a:r>
-              <a:rPr lang="en-US" sz="3200" cap="none" dirty="0" err="1" smtClean="0">
+              <a:rPr lang="en-US" sz="3200" cap="none" dirty="0" err="1">
                 <a:latin typeface="Times New Roman" panose="02020603050405020304" pitchFamily="18" charset="0"/>
                 <a:cs typeface="Times New Roman" panose="02020603050405020304" pitchFamily="18" charset="0"/>
               </a:rPr>
@@ -9066,67 +9024,67 @@
               <a:t> </a:t>
             </a:r>
             <a:r>
-              <a:rPr lang="en-US" sz="3200" cap="none" dirty="0" err="1" smtClean="0">
+              <a:rPr lang="en-US" sz="3200" cap="none" dirty="0" err="1">
                 <a:latin typeface="Times New Roman" panose="02020603050405020304" pitchFamily="18" charset="0"/>
                 <a:cs typeface="Times New Roman" panose="02020603050405020304" pitchFamily="18" charset="0"/>
               </a:rPr>
               <a:t>với</a:t>
             </a:r>
             <a:r>
-              <a:rPr lang="en-US" sz="3200" cap="none" dirty="0" smtClean="0">
+              <a:rPr lang="en-US" sz="3200" cap="none" dirty="0">
+                <a:latin typeface="Times New Roman" panose="02020603050405020304" pitchFamily="18" charset="0"/>
+                <a:cs typeface="Times New Roman" panose="02020603050405020304" pitchFamily="18" charset="0"/>
+              </a:rPr>
+              <a:t> 1 node </a:t>
+            </a:r>
+            <a:r>
+              <a:rPr lang="en-US" sz="3200" cap="none" dirty="0" err="1">
+                <a:latin typeface="Times New Roman" panose="02020603050405020304" pitchFamily="18" charset="0"/>
+                <a:cs typeface="Times New Roman" panose="02020603050405020304" pitchFamily="18" charset="0"/>
+              </a:rPr>
+              <a:t>và</a:t>
+            </a:r>
+            <a:r>
+              <a:rPr lang="en-US" sz="3200" cap="none" dirty="0">
                 <a:latin typeface="Times New Roman" panose="02020603050405020304" pitchFamily="18" charset="0"/>
                 <a:cs typeface="Times New Roman" panose="02020603050405020304" pitchFamily="18" charset="0"/>
               </a:rPr>
               <a:t> 1 </a:t>
             </a:r>
             <a:r>
+              <a:rPr lang="en-US" sz="3200" cap="none" dirty="0" err="1">
+                <a:latin typeface="Times New Roman" panose="02020603050405020304" pitchFamily="18" charset="0"/>
+                <a:cs typeface="Times New Roman" panose="02020603050405020304" pitchFamily="18" charset="0"/>
+              </a:rPr>
+              <a:t>bộ</a:t>
+            </a:r>
+            <a:r>
               <a:rPr lang="en-US" sz="3200" cap="none" dirty="0">
                 <a:latin typeface="Times New Roman" panose="02020603050405020304" pitchFamily="18" charset="0"/>
                 <a:cs typeface="Times New Roman" panose="02020603050405020304" pitchFamily="18" charset="0"/>
               </a:rPr>
-              <a:t>node </a:t>
-            </a:r>
-            <a:r>
-              <a:rPr lang="en-US" sz="3200" cap="none" dirty="0" err="1" smtClean="0">
-                <a:latin typeface="Times New Roman" panose="02020603050405020304" pitchFamily="18" charset="0"/>
-                <a:cs typeface="Times New Roman" panose="02020603050405020304" pitchFamily="18" charset="0"/>
-              </a:rPr>
-              <a:t>và</a:t>
-            </a:r>
-            <a:r>
-              <a:rPr lang="en-US" sz="3200" cap="none" dirty="0" smtClean="0">
-                <a:latin typeface="Times New Roman" panose="02020603050405020304" pitchFamily="18" charset="0"/>
-                <a:cs typeface="Times New Roman" panose="02020603050405020304" pitchFamily="18" charset="0"/>
-              </a:rPr>
-              <a:t> </a:t>
+              <a:t> </a:t>
+            </a:r>
+            <a:r>
+              <a:rPr lang="en-US" sz="3200" cap="none" dirty="0" err="1">
+                <a:latin typeface="Times New Roman" panose="02020603050405020304" pitchFamily="18" charset="0"/>
+                <a:cs typeface="Times New Roman" panose="02020603050405020304" pitchFamily="18" charset="0"/>
+              </a:rPr>
+              <a:t>thu</a:t>
             </a:r>
             <a:r>
               <a:rPr lang="en-US" sz="3200" cap="none" dirty="0">
                 <a:latin typeface="Times New Roman" panose="02020603050405020304" pitchFamily="18" charset="0"/>
                 <a:cs typeface="Times New Roman" panose="02020603050405020304" pitchFamily="18" charset="0"/>
               </a:rPr>
-              <a:t>1 </a:t>
-            </a:r>
-            <a:r>
-              <a:rPr lang="en-US" sz="3200" cap="none" dirty="0" err="1" smtClean="0">
-                <a:latin typeface="Times New Roman" panose="02020603050405020304" pitchFamily="18" charset="0"/>
-                <a:cs typeface="Times New Roman" panose="02020603050405020304" pitchFamily="18" charset="0"/>
-              </a:rPr>
-              <a:t>bộ</a:t>
-            </a:r>
-            <a:r>
-              <a:rPr lang="en-US" sz="3200" cap="none" dirty="0" smtClean="0">
-                <a:latin typeface="Times New Roman" panose="02020603050405020304" pitchFamily="18" charset="0"/>
-                <a:cs typeface="Times New Roman" panose="02020603050405020304" pitchFamily="18" charset="0"/>
-              </a:rPr>
-              <a:t> </a:t>
-            </a:r>
-            <a:r>
-              <a:rPr lang="en-US" sz="3200" cap="none" dirty="0" err="1" smtClean="0">
-                <a:latin typeface="Times New Roman" panose="02020603050405020304" pitchFamily="18" charset="0"/>
-                <a:cs typeface="Times New Roman" panose="02020603050405020304" pitchFamily="18" charset="0"/>
-              </a:rPr>
-              <a:t>thu</a:t>
+              <a:t> </a:t>
+            </a:r>
+            <a:r>
+              <a:rPr lang="en-US" sz="3200" cap="none" dirty="0" err="1">
+                <a:latin typeface="Times New Roman" panose="02020603050405020304" pitchFamily="18" charset="0"/>
+                <a:cs typeface="Times New Roman" panose="02020603050405020304" pitchFamily="18" charset="0"/>
+              </a:rPr>
+              <a:t>nhận</a:t>
             </a:r>
             <a:r>
               <a:rPr lang="en-US" sz="3200" cap="none" dirty="0">
@@ -9136,11 +9094,11 @@
               <a:t> </a:t>
             </a:r>
             <a:r>
-              <a:rPr lang="en-US" sz="3200" cap="none" dirty="0" err="1" smtClean="0">
-                <a:latin typeface="Times New Roman" panose="02020603050405020304" pitchFamily="18" charset="0"/>
-                <a:cs typeface="Times New Roman" panose="02020603050405020304" pitchFamily="18" charset="0"/>
-              </a:rPr>
-              <a:t>nhận</a:t>
+              <a:rPr lang="en-US" sz="3200" cap="none" dirty="0" err="1">
+                <a:latin typeface="Times New Roman" panose="02020603050405020304" pitchFamily="18" charset="0"/>
+                <a:cs typeface="Times New Roman" panose="02020603050405020304" pitchFamily="18" charset="0"/>
+              </a:rPr>
+              <a:t>dữ</a:t>
             </a:r>
             <a:r>
               <a:rPr lang="en-US" sz="3200" cap="none" dirty="0">
@@ -9150,28 +9108,14 @@
               <a:t> </a:t>
             </a:r>
             <a:r>
-              <a:rPr lang="en-US" sz="3200" cap="none" dirty="0" err="1" smtClean="0">
-                <a:latin typeface="Times New Roman" panose="02020603050405020304" pitchFamily="18" charset="0"/>
-                <a:cs typeface="Times New Roman" panose="02020603050405020304" pitchFamily="18" charset="0"/>
-              </a:rPr>
-              <a:t>dữ</a:t>
+              <a:rPr lang="en-US" sz="3200" cap="none" dirty="0" err="1">
+                <a:latin typeface="Times New Roman" panose="02020603050405020304" pitchFamily="18" charset="0"/>
+                <a:cs typeface="Times New Roman" panose="02020603050405020304" pitchFamily="18" charset="0"/>
+              </a:rPr>
+              <a:t>liệu</a:t>
             </a:r>
             <a:r>
               <a:rPr lang="en-US" sz="3200" cap="none" dirty="0">
-                <a:latin typeface="Times New Roman" panose="02020603050405020304" pitchFamily="18" charset="0"/>
-                <a:cs typeface="Times New Roman" panose="02020603050405020304" pitchFamily="18" charset="0"/>
-              </a:rPr>
-              <a:t> </a:t>
-            </a:r>
-            <a:r>
-              <a:rPr lang="en-US" sz="3200" cap="none" dirty="0" err="1" smtClean="0">
-                <a:latin typeface="Times New Roman" panose="02020603050405020304" pitchFamily="18" charset="0"/>
-                <a:cs typeface="Times New Roman" panose="02020603050405020304" pitchFamily="18" charset="0"/>
-              </a:rPr>
-              <a:t>liệu</a:t>
-            </a:r>
-            <a:r>
-              <a:rPr lang="en-US" sz="3200" cap="none" dirty="0" smtClean="0">
                 <a:latin typeface="Times New Roman" panose="02020603050405020304" pitchFamily="18" charset="0"/>
                 <a:cs typeface="Times New Roman" panose="02020603050405020304" pitchFamily="18" charset="0"/>
               </a:rPr>
@@ -9190,13 +9134,6 @@
   <p:clrMapOvr>
     <a:masterClrMapping/>
   </p:clrMapOvr>
-  <p:timing>
-    <p:tnLst>
-      <p:par>
-        <p:cTn id="1" dur="indefinite" restart="never" nodeType="tmRoot"/>
-      </p:par>
-    </p:tnLst>
-  </p:timing>
 </p:sld>
 </file>
 
@@ -9238,14 +9175,14 @@
           <a:lstStyle/>
           <a:p>
             <a:r>
-              <a:rPr lang="en-US" b="1" dirty="0" smtClean="0">
+              <a:rPr lang="en-US" b="1" dirty="0">
                 <a:latin typeface="Times New Roman" panose="02020603050405020304" pitchFamily="18" charset="0"/>
                 <a:cs typeface="Times New Roman" panose="02020603050405020304" pitchFamily="18" charset="0"/>
               </a:rPr>
               <a:t>H</a:t>
             </a:r>
             <a:r>
-              <a:rPr lang="vi-VN" b="1" dirty="0" smtClean="0">
+              <a:rPr lang="vi-VN" b="1" dirty="0">
                 <a:latin typeface="Times New Roman" panose="02020603050405020304" pitchFamily="18" charset="0"/>
                 <a:cs typeface="Times New Roman" panose="02020603050405020304" pitchFamily="18" charset="0"/>
               </a:rPr>
@@ -9259,7 +9196,7 @@
               <a:t> </a:t>
             </a:r>
             <a:r>
-              <a:rPr lang="en-US" b="1" dirty="0" err="1" smtClean="0">
+              <a:rPr lang="en-US" b="1" dirty="0" err="1">
                 <a:latin typeface="Times New Roman" panose="02020603050405020304" pitchFamily="18" charset="0"/>
                 <a:cs typeface="Times New Roman" panose="02020603050405020304" pitchFamily="18" charset="0"/>
               </a:rPr>
@@ -9317,7 +9254,7 @@
               <a:t>- </a:t>
             </a:r>
             <a:r>
-              <a:rPr lang="en-US" cap="none" dirty="0" err="1" smtClean="0">
+              <a:rPr lang="en-US" cap="none" dirty="0" err="1">
                 <a:latin typeface="Times New Roman" panose="02020603050405020304" pitchFamily="18" charset="0"/>
                 <a:cs typeface="Times New Roman" panose="02020603050405020304" pitchFamily="18" charset="0"/>
               </a:rPr>
@@ -9331,21 +9268,21 @@
               <a:t> </a:t>
             </a:r>
             <a:r>
-              <a:rPr lang="en-US" cap="none" dirty="0" err="1" smtClean="0">
+              <a:rPr lang="en-US" cap="none" dirty="0" err="1">
                 <a:latin typeface="Times New Roman" panose="02020603050405020304" pitchFamily="18" charset="0"/>
                 <a:cs typeface="Times New Roman" panose="02020603050405020304" pitchFamily="18" charset="0"/>
               </a:rPr>
               <a:t>rộng</a:t>
             </a:r>
             <a:r>
-              <a:rPr lang="en-US" cap="none" dirty="0" smtClean="0">
-                <a:latin typeface="Times New Roman" panose="02020603050405020304" pitchFamily="18" charset="0"/>
-                <a:cs typeface="Times New Roman" panose="02020603050405020304" pitchFamily="18" charset="0"/>
-              </a:rPr>
-              <a:t> </a:t>
-            </a:r>
-            <a:r>
-              <a:rPr lang="en-US" cap="none" dirty="0" err="1" smtClean="0">
+              <a:rPr lang="en-US" cap="none" dirty="0">
+                <a:latin typeface="Times New Roman" panose="02020603050405020304" pitchFamily="18" charset="0"/>
+                <a:cs typeface="Times New Roman" panose="02020603050405020304" pitchFamily="18" charset="0"/>
+              </a:rPr>
+              <a:t> </a:t>
+            </a:r>
+            <a:r>
+              <a:rPr lang="en-US" cap="none" dirty="0" err="1">
                 <a:latin typeface="Times New Roman" panose="02020603050405020304" pitchFamily="18" charset="0"/>
                 <a:cs typeface="Times New Roman" panose="02020603050405020304" pitchFamily="18" charset="0"/>
               </a:rPr>
@@ -9359,7 +9296,7 @@
               <a:t> </a:t>
             </a:r>
             <a:r>
-              <a:rPr lang="en-US" cap="none" dirty="0" err="1" smtClean="0">
+              <a:rPr lang="en-US" cap="none" dirty="0" err="1">
                 <a:latin typeface="Times New Roman" panose="02020603050405020304" pitchFamily="18" charset="0"/>
                 <a:cs typeface="Times New Roman" panose="02020603050405020304" pitchFamily="18" charset="0"/>
               </a:rPr>
@@ -9373,7 +9310,7 @@
               <a:t> </a:t>
             </a:r>
             <a:r>
-              <a:rPr lang="en-US" cap="none" dirty="0" err="1" smtClean="0">
+              <a:rPr lang="en-US" cap="none" dirty="0" err="1">
                 <a:latin typeface="Times New Roman" panose="02020603050405020304" pitchFamily="18" charset="0"/>
                 <a:cs typeface="Times New Roman" panose="02020603050405020304" pitchFamily="18" charset="0"/>
               </a:rPr>
@@ -9387,7 +9324,7 @@
               <a:t> </a:t>
             </a:r>
             <a:r>
-              <a:rPr lang="en-US" cap="none" dirty="0" err="1" smtClean="0">
+              <a:rPr lang="en-US" cap="none" dirty="0" err="1">
                 <a:latin typeface="Times New Roman" panose="02020603050405020304" pitchFamily="18" charset="0"/>
                 <a:cs typeface="Times New Roman" panose="02020603050405020304" pitchFamily="18" charset="0"/>
               </a:rPr>
@@ -9401,7 +9338,7 @@
               <a:t> </a:t>
             </a:r>
             <a:r>
-              <a:rPr lang="en-US" cap="none" dirty="0" err="1" smtClean="0">
+              <a:rPr lang="en-US" cap="none" dirty="0" err="1">
                 <a:latin typeface="Times New Roman" panose="02020603050405020304" pitchFamily="18" charset="0"/>
                 <a:cs typeface="Times New Roman" panose="02020603050405020304" pitchFamily="18" charset="0"/>
               </a:rPr>
@@ -9415,7 +9352,7 @@
               <a:t> </a:t>
             </a:r>
             <a:r>
-              <a:rPr lang="en-US" cap="none" dirty="0" err="1" smtClean="0">
+              <a:rPr lang="en-US" cap="none" dirty="0" err="1">
                 <a:latin typeface="Times New Roman" panose="02020603050405020304" pitchFamily="18" charset="0"/>
                 <a:cs typeface="Times New Roman" panose="02020603050405020304" pitchFamily="18" charset="0"/>
               </a:rPr>
@@ -9429,14 +9366,14 @@
               <a:t> </a:t>
             </a:r>
             <a:r>
-              <a:rPr lang="en-US" cap="none" dirty="0" err="1" smtClean="0">
+              <a:rPr lang="en-US" cap="none" dirty="0" err="1">
                 <a:latin typeface="Times New Roman" panose="02020603050405020304" pitchFamily="18" charset="0"/>
                 <a:cs typeface="Times New Roman" panose="02020603050405020304" pitchFamily="18" charset="0"/>
               </a:rPr>
               <a:t>dây</a:t>
             </a:r>
             <a:r>
-              <a:rPr lang="en-US" cap="none" dirty="0" smtClean="0">
+              <a:rPr lang="en-US" cap="none" dirty="0">
                 <a:latin typeface="Times New Roman" panose="02020603050405020304" pitchFamily="18" charset="0"/>
                 <a:cs typeface="Times New Roman" panose="02020603050405020304" pitchFamily="18" charset="0"/>
               </a:rPr>
@@ -9449,21 +9386,21 @@
               <a:buChar char="-"/>
             </a:pPr>
             <a:r>
-              <a:rPr lang="en-US" cap="none" dirty="0" err="1" smtClean="0">
+              <a:rPr lang="en-US" cap="none" dirty="0" err="1">
                 <a:latin typeface="Times New Roman" panose="02020603050405020304" pitchFamily="18" charset="0"/>
                 <a:cs typeface="Times New Roman" panose="02020603050405020304" pitchFamily="18" charset="0"/>
               </a:rPr>
               <a:t>Xây</a:t>
             </a:r>
             <a:r>
-              <a:rPr lang="en-US" cap="none" dirty="0" smtClean="0">
-                <a:latin typeface="Times New Roman" panose="02020603050405020304" pitchFamily="18" charset="0"/>
-                <a:cs typeface="Times New Roman" panose="02020603050405020304" pitchFamily="18" charset="0"/>
-              </a:rPr>
-              <a:t> </a:t>
-            </a:r>
-            <a:r>
-              <a:rPr lang="en-US" cap="none" dirty="0" err="1" smtClean="0">
+              <a:rPr lang="en-US" cap="none" dirty="0">
+                <a:latin typeface="Times New Roman" panose="02020603050405020304" pitchFamily="18" charset="0"/>
+                <a:cs typeface="Times New Roman" panose="02020603050405020304" pitchFamily="18" charset="0"/>
+              </a:rPr>
+              <a:t> </a:t>
+            </a:r>
+            <a:r>
+              <a:rPr lang="en-US" cap="none" dirty="0" err="1">
                 <a:latin typeface="Times New Roman" panose="02020603050405020304" pitchFamily="18" charset="0"/>
                 <a:cs typeface="Times New Roman" panose="02020603050405020304" pitchFamily="18" charset="0"/>
               </a:rPr>
@@ -9477,7 +9414,7 @@
               <a:t> </a:t>
             </a:r>
             <a:r>
-              <a:rPr lang="en-US" cap="none" dirty="0" err="1" smtClean="0">
+              <a:rPr lang="en-US" cap="none" dirty="0" err="1">
                 <a:latin typeface="Times New Roman" panose="02020603050405020304" pitchFamily="18" charset="0"/>
                 <a:cs typeface="Times New Roman" panose="02020603050405020304" pitchFamily="18" charset="0"/>
               </a:rPr>
@@ -9491,28 +9428,28 @@
               <a:t> </a:t>
             </a:r>
             <a:r>
-              <a:rPr lang="en-US" cap="none" dirty="0" err="1" smtClean="0">
+              <a:rPr lang="en-US" cap="none" dirty="0" err="1">
                 <a:latin typeface="Times New Roman" panose="02020603050405020304" pitchFamily="18" charset="0"/>
                 <a:cs typeface="Times New Roman" panose="02020603050405020304" pitchFamily="18" charset="0"/>
               </a:rPr>
               <a:t>các</a:t>
             </a:r>
             <a:r>
-              <a:rPr lang="en-US" cap="none" dirty="0" smtClean="0">
-                <a:latin typeface="Times New Roman" panose="02020603050405020304" pitchFamily="18" charset="0"/>
-                <a:cs typeface="Times New Roman" panose="02020603050405020304" pitchFamily="18" charset="0"/>
-              </a:rPr>
-              <a:t> </a:t>
-            </a:r>
-            <a:r>
-              <a:rPr lang="en-US" cap="none" dirty="0" err="1" smtClean="0">
+              <a:rPr lang="en-US" cap="none" dirty="0">
+                <a:latin typeface="Times New Roman" panose="02020603050405020304" pitchFamily="18" charset="0"/>
+                <a:cs typeface="Times New Roman" panose="02020603050405020304" pitchFamily="18" charset="0"/>
+              </a:rPr>
+              <a:t> </a:t>
+            </a:r>
+            <a:r>
+              <a:rPr lang="en-US" cap="none" dirty="0" err="1">
                 <a:latin typeface="Times New Roman" panose="02020603050405020304" pitchFamily="18" charset="0"/>
                 <a:cs typeface="Times New Roman" panose="02020603050405020304" pitchFamily="18" charset="0"/>
               </a:rPr>
               <a:t>ph</a:t>
             </a:r>
             <a:r>
-              <a:rPr lang="vi-VN" cap="none" dirty="0" smtClean="0">
+              <a:rPr lang="vi-VN" cap="none" dirty="0">
                 <a:latin typeface="Times New Roman" panose="02020603050405020304" pitchFamily="18" charset="0"/>
                 <a:cs typeface="Times New Roman" panose="02020603050405020304" pitchFamily="18" charset="0"/>
               </a:rPr>
@@ -9526,7 +9463,7 @@
               <a:t>ng </a:t>
             </a:r>
             <a:r>
-              <a:rPr lang="en-US" cap="none" dirty="0" err="1" smtClean="0">
+              <a:rPr lang="en-US" cap="none" dirty="0" err="1">
                 <a:latin typeface="Times New Roman" panose="02020603050405020304" pitchFamily="18" charset="0"/>
                 <a:cs typeface="Times New Roman" panose="02020603050405020304" pitchFamily="18" charset="0"/>
               </a:rPr>
@@ -9540,7 +9477,7 @@
               <a:t> </a:t>
             </a:r>
             <a:r>
-              <a:rPr lang="en-US" cap="none" dirty="0" err="1" smtClean="0">
+              <a:rPr lang="en-US" cap="none" dirty="0" err="1">
                 <a:latin typeface="Times New Roman" panose="02020603050405020304" pitchFamily="18" charset="0"/>
                 <a:cs typeface="Times New Roman" panose="02020603050405020304" pitchFamily="18" charset="0"/>
               </a:rPr>
@@ -9554,7 +9491,7 @@
               <a:t> </a:t>
             </a:r>
             <a:r>
-              <a:rPr lang="en-US" cap="none" dirty="0" err="1" smtClean="0">
+              <a:rPr lang="en-US" cap="none" dirty="0" err="1">
                 <a:latin typeface="Times New Roman" panose="02020603050405020304" pitchFamily="18" charset="0"/>
                 <a:cs typeface="Times New Roman" panose="02020603050405020304" pitchFamily="18" charset="0"/>
               </a:rPr>
@@ -9568,21 +9505,21 @@
               <a:t> </a:t>
             </a:r>
             <a:r>
-              <a:rPr lang="en-US" cap="none" dirty="0" err="1" smtClean="0">
+              <a:rPr lang="en-US" cap="none" dirty="0" err="1">
                 <a:latin typeface="Times New Roman" panose="02020603050405020304" pitchFamily="18" charset="0"/>
                 <a:cs typeface="Times New Roman" panose="02020603050405020304" pitchFamily="18" charset="0"/>
               </a:rPr>
               <a:t>thông</a:t>
             </a:r>
             <a:r>
-              <a:rPr lang="en-US" cap="none" dirty="0" smtClean="0">
+              <a:rPr lang="en-US" cap="none" dirty="0">
                 <a:latin typeface="Times New Roman" panose="02020603050405020304" pitchFamily="18" charset="0"/>
                 <a:cs typeface="Times New Roman" panose="02020603050405020304" pitchFamily="18" charset="0"/>
               </a:rPr>
               <a:t> tin </a:t>
             </a:r>
             <a:r>
-              <a:rPr lang="en-US" cap="none" dirty="0" err="1" smtClean="0">
+              <a:rPr lang="en-US" cap="none" dirty="0" err="1">
                 <a:latin typeface="Times New Roman" panose="02020603050405020304" pitchFamily="18" charset="0"/>
                 <a:cs typeface="Times New Roman" panose="02020603050405020304" pitchFamily="18" charset="0"/>
               </a:rPr>
@@ -9596,7 +9533,7 @@
               <a:t> </a:t>
             </a:r>
             <a:r>
-              <a:rPr lang="en-US" cap="none" dirty="0" err="1" smtClean="0">
+              <a:rPr lang="en-US" cap="none" dirty="0" err="1">
                 <a:latin typeface="Times New Roman" panose="02020603050405020304" pitchFamily="18" charset="0"/>
                 <a:cs typeface="Times New Roman" panose="02020603050405020304" pitchFamily="18" charset="0"/>
               </a:rPr>
@@ -9610,14 +9547,14 @@
               <a:t> </a:t>
             </a:r>
             <a:r>
-              <a:rPr lang="en-US" cap="none" dirty="0" err="1" smtClean="0">
+              <a:rPr lang="en-US" cap="none" dirty="0" err="1">
                 <a:latin typeface="Times New Roman" panose="02020603050405020304" pitchFamily="18" charset="0"/>
                 <a:cs typeface="Times New Roman" panose="02020603050405020304" pitchFamily="18" charset="0"/>
               </a:rPr>
               <a:t>thống</a:t>
             </a:r>
             <a:r>
-              <a:rPr lang="en-US" cap="none" dirty="0" smtClean="0">
+              <a:rPr lang="en-US" cap="none" dirty="0">
                 <a:latin typeface="Times New Roman" panose="02020603050405020304" pitchFamily="18" charset="0"/>
                 <a:cs typeface="Times New Roman" panose="02020603050405020304" pitchFamily="18" charset="0"/>
               </a:rPr>
@@ -9630,7 +9567,7 @@
               <a:buChar char="-"/>
             </a:pPr>
             <a:r>
-              <a:rPr lang="en-US" cap="none" dirty="0" err="1" smtClean="0">
+              <a:rPr lang="en-US" cap="none" dirty="0" err="1">
                 <a:latin typeface="Times New Roman" panose="02020603050405020304" pitchFamily="18" charset="0"/>
                 <a:cs typeface="Times New Roman" panose="02020603050405020304" pitchFamily="18" charset="0"/>
               </a:rPr>
@@ -9644,21 +9581,21 @@
               <a:t> </a:t>
             </a:r>
             <a:r>
-              <a:rPr lang="en-US" cap="none" dirty="0" err="1" smtClean="0">
+              <a:rPr lang="en-US" cap="none" dirty="0" err="1">
                 <a:latin typeface="Times New Roman" panose="02020603050405020304" pitchFamily="18" charset="0"/>
                 <a:cs typeface="Times New Roman" panose="02020603050405020304" pitchFamily="18" charset="0"/>
               </a:rPr>
               <a:t>rộng</a:t>
             </a:r>
             <a:r>
-              <a:rPr lang="en-US" cap="none" dirty="0" smtClean="0">
-                <a:latin typeface="Times New Roman" panose="02020603050405020304" pitchFamily="18" charset="0"/>
-                <a:cs typeface="Times New Roman" panose="02020603050405020304" pitchFamily="18" charset="0"/>
-              </a:rPr>
-              <a:t> </a:t>
-            </a:r>
-            <a:r>
-              <a:rPr lang="en-US" cap="none" dirty="0" err="1" smtClean="0">
+              <a:rPr lang="en-US" cap="none" dirty="0">
+                <a:latin typeface="Times New Roman" panose="02020603050405020304" pitchFamily="18" charset="0"/>
+                <a:cs typeface="Times New Roman" panose="02020603050405020304" pitchFamily="18" charset="0"/>
+              </a:rPr>
+              <a:t> </a:t>
+            </a:r>
+            <a:r>
+              <a:rPr lang="en-US" cap="none" dirty="0" err="1">
                 <a:latin typeface="Times New Roman" panose="02020603050405020304" pitchFamily="18" charset="0"/>
                 <a:cs typeface="Times New Roman" panose="02020603050405020304" pitchFamily="18" charset="0"/>
               </a:rPr>
@@ -9672,7 +9609,7 @@
               <a:t> </a:t>
             </a:r>
             <a:r>
-              <a:rPr lang="en-US" cap="none" dirty="0" err="1" smtClean="0">
+              <a:rPr lang="en-US" cap="none" dirty="0" err="1">
                 <a:latin typeface="Times New Roman" panose="02020603050405020304" pitchFamily="18" charset="0"/>
                 <a:cs typeface="Times New Roman" panose="02020603050405020304" pitchFamily="18" charset="0"/>
               </a:rPr>
@@ -9686,7 +9623,7 @@
               <a:t> </a:t>
             </a:r>
             <a:r>
-              <a:rPr lang="en-US" cap="none" dirty="0" err="1" smtClean="0">
+              <a:rPr lang="en-US" cap="none" dirty="0" err="1">
                 <a:latin typeface="Times New Roman" panose="02020603050405020304" pitchFamily="18" charset="0"/>
                 <a:cs typeface="Times New Roman" panose="02020603050405020304" pitchFamily="18" charset="0"/>
               </a:rPr>
@@ -9700,7 +9637,7 @@
               <a:t> </a:t>
             </a:r>
             <a:r>
-              <a:rPr lang="en-US" cap="none" dirty="0" err="1" smtClean="0">
+              <a:rPr lang="en-US" cap="none" dirty="0" err="1">
                 <a:latin typeface="Times New Roman" panose="02020603050405020304" pitchFamily="18" charset="0"/>
                 <a:cs typeface="Times New Roman" panose="02020603050405020304" pitchFamily="18" charset="0"/>
               </a:rPr>
@@ -9714,7 +9651,7 @@
               <a:t> </a:t>
             </a:r>
             <a:r>
-              <a:rPr lang="en-US" cap="none" dirty="0" err="1" smtClean="0">
+              <a:rPr lang="en-US" cap="none" dirty="0" err="1">
                 <a:latin typeface="Times New Roman" panose="02020603050405020304" pitchFamily="18" charset="0"/>
                 <a:cs typeface="Times New Roman" panose="02020603050405020304" pitchFamily="18" charset="0"/>
               </a:rPr>
@@ -9728,7 +9665,7 @@
               <a:t> </a:t>
             </a:r>
             <a:r>
-              <a:rPr lang="en-US" cap="none" dirty="0" err="1" smtClean="0">
+              <a:rPr lang="en-US" cap="none" dirty="0" err="1">
                 <a:latin typeface="Times New Roman" panose="02020603050405020304" pitchFamily="18" charset="0"/>
                 <a:cs typeface="Times New Roman" panose="02020603050405020304" pitchFamily="18" charset="0"/>
               </a:rPr>
@@ -9742,23 +9679,19 @@
               <a:t> </a:t>
             </a:r>
             <a:r>
-              <a:rPr lang="en-US" cap="none" dirty="0" err="1" smtClean="0">
+              <a:rPr lang="en-US" cap="none" dirty="0" err="1">
                 <a:latin typeface="Times New Roman" panose="02020603050405020304" pitchFamily="18" charset="0"/>
                 <a:cs typeface="Times New Roman" panose="02020603050405020304" pitchFamily="18" charset="0"/>
               </a:rPr>
               <a:t>bị</a:t>
             </a:r>
             <a:r>
-              <a:rPr lang="en-US" cap="none" dirty="0" smtClean="0">
+              <a:rPr lang="en-US" cap="none" dirty="0">
                 <a:latin typeface="Times New Roman" panose="02020603050405020304" pitchFamily="18" charset="0"/>
                 <a:cs typeface="Times New Roman" panose="02020603050405020304" pitchFamily="18" charset="0"/>
               </a:rPr>
               <a:t>.</a:t>
             </a:r>
-            <a:endParaRPr lang="en-US" cap="none" dirty="0">
-              <a:latin typeface="Times New Roman" panose="02020603050405020304" pitchFamily="18" charset="0"/>
-              <a:cs typeface="Times New Roman" panose="02020603050405020304" pitchFamily="18" charset="0"/>
-            </a:endParaRPr>
           </a:p>
         </p:txBody>
       </p:sp>
@@ -9772,13 +9705,6 @@
   <p:clrMapOvr>
     <a:masterClrMapping/>
   </p:clrMapOvr>
-  <p:timing>
-    <p:tnLst>
-      <p:par>
-        <p:cTn id="1" dur="indefinite" restart="never" nodeType="tmRoot"/>
-      </p:par>
-    </p:tnLst>
-  </p:timing>
 </p:sld>
 </file>
 
@@ -9839,17 +9765,10 @@
                 <a:latin typeface="Times New Roman" panose="02020603050405020304" pitchFamily="18" charset="0"/>
                 <a:cs typeface="Times New Roman" panose="02020603050405020304" pitchFamily="18" charset="0"/>
               </a:rPr>
-              <a:t>GIẢNG </a:t>
-            </a:r>
-            <a:r>
-              <a:rPr lang="en-US" sz="2800" b="1" dirty="0" smtClean="0">
-                <a:latin typeface="Times New Roman" panose="02020603050405020304" pitchFamily="18" charset="0"/>
-                <a:cs typeface="Times New Roman" panose="02020603050405020304" pitchFamily="18" charset="0"/>
-              </a:rPr>
-              <a:t>VIÊN H</a:t>
-            </a:r>
-            <a:r>
-              <a:rPr lang="vi-VN" sz="2800" b="1" dirty="0" smtClean="0">
+              <a:t>GIẢNG VIÊN H</a:t>
+            </a:r>
+            <a:r>
+              <a:rPr lang="vi-VN" sz="2800" b="1" dirty="0">
                 <a:latin typeface="Times New Roman" panose="02020603050405020304" pitchFamily="18" charset="0"/>
                 <a:cs typeface="Times New Roman" panose="02020603050405020304" pitchFamily="18" charset="0"/>
               </a:rPr>
@@ -9860,14 +9779,7 @@
                 <a:latin typeface="Times New Roman" panose="02020603050405020304" pitchFamily="18" charset="0"/>
                 <a:cs typeface="Times New Roman" panose="02020603050405020304" pitchFamily="18" charset="0"/>
               </a:rPr>
-              <a:t> </a:t>
-            </a:r>
-            <a:r>
-              <a:rPr lang="en-US" sz="2800" b="1" dirty="0" smtClean="0">
-                <a:latin typeface="Times New Roman" panose="02020603050405020304" pitchFamily="18" charset="0"/>
-                <a:cs typeface="Times New Roman" panose="02020603050405020304" pitchFamily="18" charset="0"/>
-              </a:rPr>
-              <a:t>DẪN </a:t>
+              <a:t> DẪN </a:t>
             </a:r>
           </a:p>
           <a:p>
@@ -9875,21 +9787,14 @@
               <a:buNone/>
             </a:pPr>
             <a:r>
-              <a:rPr lang="en-US" sz="2400" dirty="0" smtClean="0">
-                <a:latin typeface="Times New Roman" panose="02020603050405020304" pitchFamily="18" charset="0"/>
-                <a:cs typeface="Times New Roman" panose="02020603050405020304" pitchFamily="18" charset="0"/>
-              </a:rPr>
-              <a:t>TS</a:t>
-            </a:r>
-            <a:r>
               <a:rPr lang="en-US" sz="2400" dirty="0">
                 <a:latin typeface="Times New Roman" panose="02020603050405020304" pitchFamily="18" charset="0"/>
                 <a:cs typeface="Times New Roman" panose="02020603050405020304" pitchFamily="18" charset="0"/>
               </a:rPr>
-              <a:t>. </a:t>
-            </a:r>
-            <a:r>
-              <a:rPr lang="en-US" sz="2400" dirty="0" err="1" smtClean="0">
+              <a:t>TS. </a:t>
+            </a:r>
+            <a:r>
+              <a:rPr lang="en-US" sz="2400" dirty="0" err="1">
                 <a:latin typeface="Times New Roman" panose="02020603050405020304" pitchFamily="18" charset="0"/>
                 <a:cs typeface="Times New Roman" panose="02020603050405020304" pitchFamily="18" charset="0"/>
               </a:rPr>
@@ -9903,27 +9808,27 @@
               <a:t> </a:t>
             </a:r>
             <a:r>
-              <a:rPr lang="en-US" sz="2400" dirty="0" err="1" smtClean="0">
+              <a:rPr lang="en-US" sz="2400" dirty="0" err="1">
                 <a:latin typeface="Times New Roman" panose="02020603050405020304" pitchFamily="18" charset="0"/>
                 <a:cs typeface="Times New Roman" panose="02020603050405020304" pitchFamily="18" charset="0"/>
               </a:rPr>
               <a:t>Thị</a:t>
             </a:r>
             <a:r>
-              <a:rPr lang="en-US" sz="2400" dirty="0" smtClean="0">
+              <a:rPr lang="en-US" sz="2400" dirty="0">
                 <a:latin typeface="Times New Roman" panose="02020603050405020304" pitchFamily="18" charset="0"/>
                 <a:cs typeface="Times New Roman" panose="02020603050405020304" pitchFamily="18" charset="0"/>
               </a:rPr>
               <a:t> Minh </a:t>
             </a:r>
             <a:r>
-              <a:rPr lang="en-US" sz="2400" dirty="0" err="1" smtClean="0">
+              <a:rPr lang="en-US" sz="2400" dirty="0" err="1">
                 <a:latin typeface="Times New Roman" panose="02020603050405020304" pitchFamily="18" charset="0"/>
                 <a:cs typeface="Times New Roman" panose="02020603050405020304" pitchFamily="18" charset="0"/>
               </a:rPr>
               <a:t>Khoa</a:t>
             </a:r>
-            <a:endParaRPr lang="en-US" sz="2400" dirty="0" smtClean="0">
+            <a:endParaRPr lang="en-US" sz="2400" dirty="0">
               <a:latin typeface="Times New Roman" panose="02020603050405020304" pitchFamily="18" charset="0"/>
               <a:cs typeface="Times New Roman" panose="02020603050405020304" pitchFamily="18" charset="0"/>
             </a:endParaRPr>
@@ -9950,7 +9855,7 @@
             <a:pPr marL="0" indent="0" algn="ctr">
               <a:buNone/>
             </a:pPr>
-            <a:endParaRPr lang="en-US" sz="2000" dirty="0" smtClean="0">
+            <a:endParaRPr lang="en-US" sz="2000" dirty="0">
               <a:latin typeface="Times New Roman" panose="02020603050405020304" pitchFamily="18" charset="0"/>
               <a:cs typeface="Times New Roman" panose="02020603050405020304" pitchFamily="18" charset="0"/>
             </a:endParaRPr>
@@ -9964,14 +9869,7 @@
                 <a:latin typeface="Times New Roman" panose="02020603050405020304" pitchFamily="18" charset="0"/>
                 <a:cs typeface="Times New Roman" panose="02020603050405020304" pitchFamily="18" charset="0"/>
               </a:rPr>
-              <a:t>NHÓM THỰC </a:t>
-            </a:r>
-            <a:r>
-              <a:rPr lang="en-US" sz="2800" b="1" dirty="0" smtClean="0">
-                <a:latin typeface="Times New Roman" panose="02020603050405020304" pitchFamily="18" charset="0"/>
-                <a:cs typeface="Times New Roman" panose="02020603050405020304" pitchFamily="18" charset="0"/>
-              </a:rPr>
-              <a:t>HIỆN</a:t>
+              <a:t>NHÓM THỰC HIỆN</a:t>
             </a:r>
           </a:p>
           <a:p>
@@ -9979,7 +9877,7 @@
               <a:buNone/>
             </a:pPr>
             <a:r>
-              <a:rPr lang="en-US" sz="2400" dirty="0" err="1" smtClean="0">
+              <a:rPr lang="en-US" sz="2400" dirty="0" err="1">
                 <a:latin typeface="Times New Roman" panose="02020603050405020304" pitchFamily="18" charset="0"/>
                 <a:cs typeface="Times New Roman" panose="02020603050405020304" pitchFamily="18" charset="0"/>
               </a:rPr>
@@ -9993,7 +9891,7 @@
               <a:t> </a:t>
             </a:r>
             <a:r>
-              <a:rPr lang="en-US" sz="2400" dirty="0" err="1" smtClean="0">
+              <a:rPr lang="en-US" sz="2400" dirty="0" err="1">
                 <a:latin typeface="Times New Roman" panose="02020603050405020304" pitchFamily="18" charset="0"/>
                 <a:cs typeface="Times New Roman" panose="02020603050405020304" pitchFamily="18" charset="0"/>
               </a:rPr>
@@ -10007,14 +9905,14 @@
               <a:t> </a:t>
             </a:r>
             <a:r>
-              <a:rPr lang="en-US" sz="2400" dirty="0" err="1" smtClean="0">
+              <a:rPr lang="en-US" sz="2400" dirty="0" err="1">
                 <a:latin typeface="Times New Roman" panose="02020603050405020304" pitchFamily="18" charset="0"/>
                 <a:cs typeface="Times New Roman" panose="02020603050405020304" pitchFamily="18" charset="0"/>
               </a:rPr>
               <a:t>Nhân</a:t>
             </a:r>
             <a:r>
-              <a:rPr lang="en-US" sz="2400" dirty="0" smtClean="0">
+              <a:rPr lang="en-US" sz="2400" dirty="0">
                 <a:latin typeface="Times New Roman" panose="02020603050405020304" pitchFamily="18" charset="0"/>
                 <a:cs typeface="Times New Roman" panose="02020603050405020304" pitchFamily="18" charset="0"/>
               </a:rPr>
@@ -10026,7 +9924,7 @@
               <a:buNone/>
             </a:pPr>
             <a:r>
-              <a:rPr lang="en-US" sz="2400" dirty="0" err="1" smtClean="0">
+              <a:rPr lang="en-US" sz="2400" dirty="0" err="1">
                 <a:latin typeface="Times New Roman" panose="02020603050405020304" pitchFamily="18" charset="0"/>
                 <a:cs typeface="Times New Roman" panose="02020603050405020304" pitchFamily="18" charset="0"/>
               </a:rPr>
@@ -10040,7 +9938,7 @@
               <a:t> </a:t>
             </a:r>
             <a:r>
-              <a:rPr lang="en-US" sz="2400" dirty="0" err="1" smtClean="0">
+              <a:rPr lang="en-US" sz="2400" dirty="0" err="1">
                 <a:latin typeface="Times New Roman" panose="02020603050405020304" pitchFamily="18" charset="0"/>
                 <a:cs typeface="Times New Roman" panose="02020603050405020304" pitchFamily="18" charset="0"/>
               </a:rPr>
@@ -10054,7 +9952,7 @@
               <a:t> </a:t>
             </a:r>
             <a:r>
-              <a:rPr lang="en-US" sz="2400" dirty="0" err="1" smtClean="0">
+              <a:rPr lang="en-US" sz="2400" dirty="0" err="1">
                 <a:latin typeface="Times New Roman" panose="02020603050405020304" pitchFamily="18" charset="0"/>
                 <a:cs typeface="Times New Roman" panose="02020603050405020304" pitchFamily="18" charset="0"/>
               </a:rPr>
@@ -10068,14 +9966,14 @@
               <a:t> </a:t>
             </a:r>
             <a:r>
-              <a:rPr lang="en-US" sz="2400" dirty="0" err="1" smtClean="0">
+              <a:rPr lang="en-US" sz="2400" dirty="0" err="1">
                 <a:latin typeface="Times New Roman" panose="02020603050405020304" pitchFamily="18" charset="0"/>
                 <a:cs typeface="Times New Roman" panose="02020603050405020304" pitchFamily="18" charset="0"/>
               </a:rPr>
               <a:t>Trọng</a:t>
             </a:r>
             <a:r>
-              <a:rPr lang="en-US" sz="2400" dirty="0" smtClean="0">
+              <a:rPr lang="en-US" sz="2400" dirty="0">
                 <a:latin typeface="Times New Roman" panose="02020603050405020304" pitchFamily="18" charset="0"/>
                 <a:cs typeface="Times New Roman" panose="02020603050405020304" pitchFamily="18" charset="0"/>
               </a:rPr>
@@ -10094,13 +9992,6 @@
   <p:clrMapOvr>
     <a:masterClrMapping/>
   </p:clrMapOvr>
-  <p:timing>
-    <p:tnLst>
-      <p:par>
-        <p:cTn id="1" dur="indefinite" restart="never" nodeType="tmRoot"/>
-      </p:par>
-    </p:tnLst>
-  </p:timing>
 </p:sld>
 </file>
 
@@ -10145,7 +10036,7 @@
           <a:p>
             <a:pPr algn="ctr"/>
             <a:r>
-              <a:rPr lang="en-US" b="1" dirty="0" smtClean="0">
+              <a:rPr lang="en-US" b="1" dirty="0">
                 <a:solidFill>
                   <a:schemeClr val="tx1"/>
                 </a:solidFill>
@@ -10154,18 +10045,8 @@
               </a:rPr>
               <a:t>TỔNG QUAN</a:t>
             </a:r>
-            <a:r>
-              <a:rPr lang="en-US" dirty="0" smtClean="0">
-                <a:solidFill>
-                  <a:schemeClr val="tx1"/>
-                </a:solidFill>
-                <a:latin typeface="Times New Roman" panose="02020603050405020304" pitchFamily="18" charset="0"/>
-                <a:cs typeface="Times New Roman" panose="02020603050405020304" pitchFamily="18" charset="0"/>
-              </a:rPr>
-              <a:t/>
-            </a:r>
             <a:br>
-              <a:rPr lang="en-US" dirty="0" smtClean="0">
+              <a:rPr lang="en-US" dirty="0">
                 <a:solidFill>
                   <a:schemeClr val="tx1"/>
                 </a:solidFill>
@@ -10215,7 +10096,7 @@
               <a:buNone/>
             </a:pPr>
             <a:r>
-              <a:rPr lang="en-US" sz="3200" dirty="0" err="1" smtClean="0">
+              <a:rPr lang="en-US" sz="3200" dirty="0" err="1">
                 <a:solidFill>
                   <a:schemeClr val="tx1"/>
                 </a:solidFill>
@@ -10225,16 +10106,6 @@
               <a:t>Nội</a:t>
             </a:r>
             <a:r>
-              <a:rPr lang="en-US" sz="3200" dirty="0" smtClean="0">
-                <a:solidFill>
-                  <a:schemeClr val="tx1"/>
-                </a:solidFill>
-                <a:latin typeface="Times New Roman" panose="02020603050405020304" pitchFamily="18" charset="0"/>
-                <a:cs typeface="Times New Roman" panose="02020603050405020304" pitchFamily="18" charset="0"/>
-              </a:rPr>
-              <a:t> </a:t>
-            </a:r>
-            <a:r>
               <a:rPr lang="en-US" sz="3200" dirty="0">
                 <a:solidFill>
                   <a:schemeClr val="tx1"/>
@@ -10242,10 +10113,10 @@
                 <a:latin typeface="Times New Roman" panose="02020603050405020304" pitchFamily="18" charset="0"/>
                 <a:cs typeface="Times New Roman" panose="02020603050405020304" pitchFamily="18" charset="0"/>
               </a:rPr>
-              <a:t>dung </a:t>
-            </a:r>
-            <a:r>
-              <a:rPr lang="en-US" sz="3200" dirty="0" err="1" smtClean="0">
+              <a:t> dung </a:t>
+            </a:r>
+            <a:r>
+              <a:rPr lang="en-US" sz="3200" dirty="0" err="1">
                 <a:solidFill>
                   <a:schemeClr val="tx1"/>
                 </a:solidFill>
@@ -10265,7 +10136,7 @@
               <a:t> </a:t>
             </a:r>
             <a:r>
-              <a:rPr lang="en-US" sz="3200" dirty="0" err="1" smtClean="0">
+              <a:rPr lang="en-US" sz="3200" dirty="0" err="1">
                 <a:solidFill>
                   <a:schemeClr val="tx1"/>
                 </a:solidFill>
@@ -10275,7 +10146,7 @@
               <a:t>bày</a:t>
             </a:r>
             <a:r>
-              <a:rPr lang="en-US" sz="3200" dirty="0" smtClean="0">
+              <a:rPr lang="en-US" sz="3200" dirty="0">
                 <a:solidFill>
                   <a:schemeClr val="tx1"/>
                 </a:solidFill>
@@ -10291,7 +10162,7 @@
               <a:buChar char="-"/>
             </a:pPr>
             <a:r>
-              <a:rPr lang="en-US" sz="2800" dirty="0" err="1" smtClean="0">
+              <a:rPr lang="en-US" sz="2800" dirty="0" err="1">
                 <a:solidFill>
                   <a:schemeClr val="tx1"/>
                 </a:solidFill>
@@ -10301,17 +10172,17 @@
               <a:t>Phát</a:t>
             </a:r>
             <a:r>
-              <a:rPr lang="en-US" sz="2800" dirty="0" smtClean="0">
-                <a:solidFill>
-                  <a:schemeClr val="tx1"/>
-                </a:solidFill>
-                <a:latin typeface="Times New Roman" panose="02020603050405020304" pitchFamily="18" charset="0"/>
-                <a:cs typeface="Times New Roman" panose="02020603050405020304" pitchFamily="18" charset="0"/>
-              </a:rPr>
-              <a:t> </a:t>
-            </a:r>
-            <a:r>
-              <a:rPr lang="en-US" sz="2800" dirty="0" err="1" smtClean="0">
+              <a:rPr lang="en-US" sz="2800" dirty="0">
+                <a:solidFill>
+                  <a:schemeClr val="tx1"/>
+                </a:solidFill>
+                <a:latin typeface="Times New Roman" panose="02020603050405020304" pitchFamily="18" charset="0"/>
+                <a:cs typeface="Times New Roman" panose="02020603050405020304" pitchFamily="18" charset="0"/>
+              </a:rPr>
+              <a:t> </a:t>
+            </a:r>
+            <a:r>
+              <a:rPr lang="en-US" sz="2800" dirty="0" err="1">
                 <a:solidFill>
                   <a:schemeClr val="tx1"/>
                 </a:solidFill>
@@ -10331,7 +10202,7 @@
               <a:t> </a:t>
             </a:r>
             <a:r>
-              <a:rPr lang="en-US" sz="2800" dirty="0" err="1" smtClean="0">
+              <a:rPr lang="en-US" sz="2800" dirty="0" err="1">
                 <a:solidFill>
                   <a:schemeClr val="tx1"/>
                 </a:solidFill>
@@ -10351,7 +10222,7 @@
               <a:t> </a:t>
             </a:r>
             <a:r>
-              <a:rPr lang="en-US" sz="2800" dirty="0" err="1" smtClean="0">
+              <a:rPr lang="en-US" sz="2800" dirty="0" err="1">
                 <a:solidFill>
                   <a:schemeClr val="tx1"/>
                 </a:solidFill>
@@ -10371,7 +10242,7 @@
               <a:t> </a:t>
             </a:r>
             <a:r>
-              <a:rPr lang="en-US" sz="2800" dirty="0" err="1" smtClean="0">
+              <a:rPr lang="en-US" sz="2800" dirty="0" err="1">
                 <a:solidFill>
                   <a:schemeClr val="tx1"/>
                 </a:solidFill>
@@ -10391,7 +10262,7 @@
               <a:t> </a:t>
             </a:r>
             <a:r>
-              <a:rPr lang="en-US" sz="2800" dirty="0" err="1" smtClean="0">
+              <a:rPr lang="en-US" sz="2800" dirty="0" err="1">
                 <a:solidFill>
                   <a:schemeClr val="tx1"/>
                 </a:solidFill>
@@ -10411,7 +10282,7 @@
               <a:t> </a:t>
             </a:r>
             <a:r>
-              <a:rPr lang="en-US" sz="2800" dirty="0" err="1" smtClean="0">
+              <a:rPr lang="en-US" sz="2800" dirty="0" err="1">
                 <a:solidFill>
                   <a:schemeClr val="tx1"/>
                 </a:solidFill>
@@ -10431,7 +10302,7 @@
               <a:t> </a:t>
             </a:r>
             <a:r>
-              <a:rPr lang="en-US" sz="2800" dirty="0" err="1" smtClean="0">
+              <a:rPr lang="en-US" sz="2800" dirty="0" err="1">
                 <a:solidFill>
                   <a:schemeClr val="tx1"/>
                 </a:solidFill>
@@ -10451,7 +10322,7 @@
               <a:t> </a:t>
             </a:r>
             <a:r>
-              <a:rPr lang="en-US" sz="2800" dirty="0" err="1" smtClean="0">
+              <a:rPr lang="en-US" sz="2800" dirty="0" err="1">
                 <a:solidFill>
                   <a:schemeClr val="tx1"/>
                 </a:solidFill>
@@ -10460,7 +10331,7 @@
               </a:rPr>
               <a:t>văn</a:t>
             </a:r>
-            <a:endParaRPr lang="en-US" sz="2800" dirty="0" smtClean="0">
+            <a:endParaRPr lang="en-US" sz="2800" dirty="0">
               <a:solidFill>
                 <a:schemeClr val="tx1"/>
               </a:solidFill>
@@ -10474,7 +10345,7 @@
               <a:buChar char="-"/>
             </a:pPr>
             <a:r>
-              <a:rPr lang="en-US" sz="2800" dirty="0" err="1" smtClean="0">
+              <a:rPr lang="en-US" sz="2800" dirty="0" err="1">
                 <a:solidFill>
                   <a:schemeClr val="tx1"/>
                 </a:solidFill>
@@ -10484,16 +10355,6 @@
               <a:t>Phạm</a:t>
             </a:r>
             <a:r>
-              <a:rPr lang="en-US" sz="2800" dirty="0" smtClean="0">
-                <a:solidFill>
-                  <a:schemeClr val="tx1"/>
-                </a:solidFill>
-                <a:latin typeface="Times New Roman" panose="02020603050405020304" pitchFamily="18" charset="0"/>
-                <a:cs typeface="Times New Roman" panose="02020603050405020304" pitchFamily="18" charset="0"/>
-              </a:rPr>
-              <a:t> </a:t>
-            </a:r>
-            <a:r>
               <a:rPr lang="en-US" sz="2800" dirty="0">
                 <a:solidFill>
                   <a:schemeClr val="tx1"/>
@@ -10501,10 +10362,10 @@
                 <a:latin typeface="Times New Roman" panose="02020603050405020304" pitchFamily="18" charset="0"/>
                 <a:cs typeface="Times New Roman" panose="02020603050405020304" pitchFamily="18" charset="0"/>
               </a:rPr>
-              <a:t>vi </a:t>
-            </a:r>
-            <a:r>
-              <a:rPr lang="en-US" sz="2800" dirty="0" err="1" smtClean="0">
+              <a:t> vi </a:t>
+            </a:r>
+            <a:r>
+              <a:rPr lang="en-US" sz="2800" dirty="0" err="1">
                 <a:solidFill>
                   <a:schemeClr val="tx1"/>
                 </a:solidFill>
@@ -10524,7 +10385,7 @@
               <a:t> </a:t>
             </a:r>
             <a:r>
-              <a:rPr lang="en-US" sz="2800" dirty="0" err="1" smtClean="0">
+              <a:rPr lang="en-US" sz="2800" dirty="0" err="1">
                 <a:solidFill>
                   <a:schemeClr val="tx1"/>
                 </a:solidFill>
@@ -10544,7 +10405,7 @@
               <a:t> </a:t>
             </a:r>
             <a:r>
-              <a:rPr lang="en-US" sz="2800" dirty="0" err="1" smtClean="0">
+              <a:rPr lang="en-US" sz="2800" dirty="0" err="1">
                 <a:solidFill>
                   <a:schemeClr val="tx1"/>
                 </a:solidFill>
@@ -10564,7 +10425,7 @@
               <a:t> </a:t>
             </a:r>
             <a:r>
-              <a:rPr lang="en-US" sz="2800" dirty="0" err="1" smtClean="0">
+              <a:rPr lang="en-US" sz="2800" dirty="0" err="1">
                 <a:solidFill>
                   <a:schemeClr val="tx1"/>
                 </a:solidFill>
@@ -10584,7 +10445,7 @@
               <a:t> </a:t>
             </a:r>
             <a:r>
-              <a:rPr lang="en-US" sz="2800" dirty="0" err="1" smtClean="0">
+              <a:rPr lang="en-US" sz="2800" dirty="0" err="1">
                 <a:solidFill>
                   <a:schemeClr val="tx1"/>
                 </a:solidFill>
@@ -10604,7 +10465,7 @@
               <a:t> </a:t>
             </a:r>
             <a:r>
-              <a:rPr lang="en-US" sz="2800" dirty="0" err="1" smtClean="0">
+              <a:rPr lang="en-US" sz="2800" dirty="0" err="1">
                 <a:solidFill>
                   <a:schemeClr val="tx1"/>
                 </a:solidFill>
@@ -10613,7 +10474,7 @@
               </a:rPr>
               <a:t>tài</a:t>
             </a:r>
-            <a:endParaRPr lang="en-US" sz="2800" dirty="0" smtClean="0">
+            <a:endParaRPr lang="en-US" sz="2800" dirty="0">
               <a:solidFill>
                 <a:schemeClr val="tx1"/>
               </a:solidFill>
@@ -10627,7 +10488,7 @@
               <a:buChar char="-"/>
             </a:pPr>
             <a:r>
-              <a:rPr lang="en-US" sz="2800" dirty="0" err="1" smtClean="0">
+              <a:rPr lang="en-US" sz="2800" dirty="0" err="1">
                 <a:solidFill>
                   <a:schemeClr val="tx1"/>
                 </a:solidFill>
@@ -10637,7 +10498,7 @@
               <a:t>Ph</a:t>
             </a:r>
             <a:r>
-              <a:rPr lang="vi-VN" sz="2800" dirty="0" smtClean="0">
+              <a:rPr lang="vi-VN" sz="2800" dirty="0">
                 <a:solidFill>
                   <a:schemeClr val="tx1"/>
                 </a:solidFill>
@@ -10657,7 +10518,7 @@
               <a:t>ng </a:t>
             </a:r>
             <a:r>
-              <a:rPr lang="en-US" sz="2800" dirty="0" err="1" smtClean="0">
+              <a:rPr lang="en-US" sz="2800" dirty="0" err="1">
                 <a:solidFill>
                   <a:schemeClr val="tx1"/>
                 </a:solidFill>
@@ -10677,7 +10538,7 @@
               <a:t> </a:t>
             </a:r>
             <a:r>
-              <a:rPr lang="en-US" sz="2800" dirty="0" err="1" smtClean="0">
+              <a:rPr lang="en-US" sz="2800" dirty="0" err="1">
                 <a:solidFill>
                   <a:schemeClr val="tx1"/>
                 </a:solidFill>
@@ -10697,7 +10558,7 @@
               <a:t> </a:t>
             </a:r>
             <a:r>
-              <a:rPr lang="en-US" sz="2800" dirty="0" err="1" smtClean="0">
+              <a:rPr lang="en-US" sz="2800" dirty="0" err="1">
                 <a:solidFill>
                   <a:schemeClr val="tx1"/>
                 </a:solidFill>
@@ -10717,7 +10578,7 @@
               <a:t> </a:t>
             </a:r>
             <a:r>
-              <a:rPr lang="en-US" sz="2800" dirty="0" err="1" smtClean="0">
+              <a:rPr lang="en-US" sz="2800" dirty="0" err="1">
                 <a:solidFill>
                   <a:schemeClr val="tx1"/>
                 </a:solidFill>
@@ -10726,7 +10587,7 @@
               </a:rPr>
               <a:t>tài</a:t>
             </a:r>
-            <a:endParaRPr lang="en-US" sz="2800" dirty="0" smtClean="0">
+            <a:endParaRPr lang="en-US" sz="2800" dirty="0">
               <a:solidFill>
                 <a:schemeClr val="tx1"/>
               </a:solidFill>
@@ -10740,7 +10601,7 @@
               <a:buChar char="-"/>
             </a:pPr>
             <a:r>
-              <a:rPr lang="en-US" sz="2800" dirty="0" err="1" smtClean="0">
+              <a:rPr lang="en-US" sz="2800" dirty="0" err="1">
                 <a:solidFill>
                   <a:schemeClr val="tx1"/>
                 </a:solidFill>
@@ -10760,7 +10621,7 @@
               <a:t> </a:t>
             </a:r>
             <a:r>
-              <a:rPr lang="en-US" sz="2800" dirty="0" err="1" smtClean="0">
+              <a:rPr lang="en-US" sz="2800" dirty="0" err="1">
                 <a:solidFill>
                   <a:schemeClr val="tx1"/>
                 </a:solidFill>
@@ -10780,7 +10641,7 @@
               <a:t> </a:t>
             </a:r>
             <a:r>
-              <a:rPr lang="en-US" sz="2800" dirty="0" err="1" smtClean="0">
+              <a:rPr lang="en-US" sz="2800" dirty="0" err="1">
                 <a:solidFill>
                   <a:schemeClr val="tx1"/>
                 </a:solidFill>
@@ -10800,7 +10661,7 @@
               <a:t> </a:t>
             </a:r>
             <a:r>
-              <a:rPr lang="en-US" sz="2800" dirty="0" err="1" smtClean="0">
+              <a:rPr lang="en-US" sz="2800" dirty="0" err="1">
                 <a:solidFill>
                   <a:schemeClr val="tx1"/>
                 </a:solidFill>
@@ -10820,7 +10681,7 @@
               <a:t> </a:t>
             </a:r>
             <a:r>
-              <a:rPr lang="en-US" sz="2800" dirty="0" err="1" smtClean="0">
+              <a:rPr lang="en-US" sz="2800" dirty="0" err="1">
                 <a:solidFill>
                   <a:schemeClr val="tx1"/>
                 </a:solidFill>
@@ -10840,7 +10701,7 @@
               <a:t> </a:t>
             </a:r>
             <a:r>
-              <a:rPr lang="en-US" sz="2800" dirty="0" err="1" smtClean="0">
+              <a:rPr lang="en-US" sz="2800" dirty="0" err="1">
                 <a:solidFill>
                   <a:schemeClr val="tx1"/>
                 </a:solidFill>
@@ -10860,7 +10721,7 @@
               <a:t> </a:t>
             </a:r>
             <a:r>
-              <a:rPr lang="en-US" sz="2800" dirty="0" err="1" smtClean="0">
+              <a:rPr lang="en-US" sz="2800" dirty="0" err="1">
                 <a:solidFill>
                   <a:schemeClr val="tx1"/>
                 </a:solidFill>
@@ -10870,7 +10731,7 @@
               <a:t>dây</a:t>
             </a:r>
             <a:r>
-              <a:rPr lang="en-US" sz="2800" dirty="0" smtClean="0">
+              <a:rPr lang="en-US" sz="2800" dirty="0">
                 <a:solidFill>
                   <a:schemeClr val="tx1"/>
                 </a:solidFill>
@@ -10886,7 +10747,7 @@
               <a:buChar char="-"/>
             </a:pPr>
             <a:r>
-              <a:rPr lang="en-US" sz="2800" dirty="0" err="1" smtClean="0">
+              <a:rPr lang="en-US" sz="2800" dirty="0" err="1">
                 <a:solidFill>
                   <a:schemeClr val="tx1"/>
                 </a:solidFill>
@@ -10906,7 +10767,7 @@
               <a:t> </a:t>
             </a:r>
             <a:r>
-              <a:rPr lang="en-US" sz="2800" dirty="0" err="1" smtClean="0">
+              <a:rPr lang="en-US" sz="2800" dirty="0" err="1">
                 <a:solidFill>
                   <a:schemeClr val="tx1"/>
                 </a:solidFill>
@@ -10926,7 +10787,7 @@
               <a:t> </a:t>
             </a:r>
             <a:r>
-              <a:rPr lang="en-US" sz="2800" dirty="0" err="1" smtClean="0">
+              <a:rPr lang="en-US" sz="2800" dirty="0" err="1">
                 <a:solidFill>
                   <a:schemeClr val="tx1"/>
                 </a:solidFill>
@@ -10946,7 +10807,7 @@
               <a:t> </a:t>
             </a:r>
             <a:r>
-              <a:rPr lang="en-US" sz="2800" dirty="0" err="1" smtClean="0">
+              <a:rPr lang="en-US" sz="2800" dirty="0" err="1">
                 <a:solidFill>
                   <a:schemeClr val="tx1"/>
                 </a:solidFill>
@@ -10963,17 +10824,7 @@
                 <a:latin typeface="Times New Roman" panose="02020603050405020304" pitchFamily="18" charset="0"/>
                 <a:cs typeface="Times New Roman" panose="02020603050405020304" pitchFamily="18" charset="0"/>
               </a:rPr>
-              <a:t> </a:t>
-            </a:r>
-            <a:r>
-              <a:rPr lang="en-US" sz="2800" dirty="0" smtClean="0">
-                <a:solidFill>
-                  <a:schemeClr val="tx1"/>
-                </a:solidFill>
-                <a:latin typeface="Times New Roman" panose="02020603050405020304" pitchFamily="18" charset="0"/>
-                <a:cs typeface="Times New Roman" panose="02020603050405020304" pitchFamily="18" charset="0"/>
-              </a:rPr>
-              <a:t>web server</a:t>
+              <a:t> web server</a:t>
             </a:r>
           </a:p>
           <a:p>
@@ -10982,7 +10833,7 @@
               <a:buChar char="-"/>
             </a:pPr>
             <a:r>
-              <a:rPr lang="en-US" sz="2800" dirty="0" err="1" smtClean="0">
+              <a:rPr lang="en-US" sz="2800" dirty="0" err="1">
                 <a:solidFill>
                   <a:schemeClr val="tx1"/>
                 </a:solidFill>
@@ -11002,7 +10853,7 @@
               <a:t> </a:t>
             </a:r>
             <a:r>
-              <a:rPr lang="en-US" sz="2800" dirty="0" err="1" smtClean="0">
+              <a:rPr lang="en-US" sz="2800" dirty="0" err="1">
                 <a:solidFill>
                   <a:schemeClr val="tx1"/>
                 </a:solidFill>
@@ -11022,7 +10873,7 @@
               <a:t> </a:t>
             </a:r>
             <a:r>
-              <a:rPr lang="en-US" sz="2800" dirty="0" err="1" smtClean="0">
+              <a:rPr lang="en-US" sz="2800" dirty="0" err="1">
                 <a:solidFill>
                   <a:schemeClr val="tx1"/>
                 </a:solidFill>
@@ -11042,7 +10893,7 @@
               <a:t> </a:t>
             </a:r>
             <a:r>
-              <a:rPr lang="en-US" sz="2800" dirty="0" err="1" smtClean="0">
+              <a:rPr lang="en-US" sz="2800" dirty="0" err="1">
                 <a:solidFill>
                   <a:schemeClr val="tx1"/>
                 </a:solidFill>
@@ -11052,16 +10903,6 @@
               <a:t>dụng</a:t>
             </a:r>
             <a:r>
-              <a:rPr lang="en-US" sz="2800" dirty="0" smtClean="0">
-                <a:solidFill>
-                  <a:schemeClr val="tx1"/>
-                </a:solidFill>
-                <a:latin typeface="Times New Roman" panose="02020603050405020304" pitchFamily="18" charset="0"/>
-                <a:cs typeface="Times New Roman" panose="02020603050405020304" pitchFamily="18" charset="0"/>
-              </a:rPr>
-              <a:t> </a:t>
-            </a:r>
-            <a:r>
               <a:rPr lang="en-US" sz="2800" dirty="0">
                 <a:solidFill>
                   <a:schemeClr val="tx1"/>
@@ -11069,10 +10910,10 @@
                 <a:latin typeface="Times New Roman" panose="02020603050405020304" pitchFamily="18" charset="0"/>
                 <a:cs typeface="Times New Roman" panose="02020603050405020304" pitchFamily="18" charset="0"/>
               </a:rPr>
-              <a:t>android </a:t>
-            </a:r>
-            <a:r>
-              <a:rPr lang="en-US" sz="2800" dirty="0" err="1" smtClean="0">
+              <a:t> android </a:t>
+            </a:r>
+            <a:r>
+              <a:rPr lang="en-US" sz="2800" dirty="0" err="1">
                 <a:solidFill>
                   <a:schemeClr val="tx1"/>
                 </a:solidFill>
@@ -11092,7 +10933,7 @@
               <a:t> </a:t>
             </a:r>
             <a:r>
-              <a:rPr lang="en-US" sz="2800" dirty="0" err="1" smtClean="0">
+              <a:rPr lang="en-US" sz="2800" dirty="0" err="1">
                 <a:solidFill>
                   <a:schemeClr val="tx1"/>
                 </a:solidFill>
@@ -11101,7 +10942,7 @@
               </a:rPr>
               <a:t>lý</a:t>
             </a:r>
-            <a:endParaRPr lang="en-US" sz="2800" dirty="0" smtClean="0">
+            <a:endParaRPr lang="en-US" sz="2800" dirty="0">
               <a:solidFill>
                 <a:schemeClr val="tx1"/>
               </a:solidFill>
@@ -11125,7 +10966,7 @@
               <a:t>Demo </a:t>
             </a:r>
             <a:r>
-              <a:rPr lang="en-US" sz="2800" dirty="0" err="1" smtClean="0">
+              <a:rPr lang="en-US" sz="2800" dirty="0" err="1">
                 <a:solidFill>
                   <a:schemeClr val="tx1"/>
                 </a:solidFill>
@@ -11145,7 +10986,7 @@
               <a:t> </a:t>
             </a:r>
             <a:r>
-              <a:rPr lang="en-US" sz="2800" dirty="0" err="1" smtClean="0">
+              <a:rPr lang="en-US" sz="2800" dirty="0" err="1">
                 <a:solidFill>
                   <a:schemeClr val="tx1"/>
                 </a:solidFill>
@@ -11154,7 +10995,7 @@
               </a:rPr>
               <a:t>phẩm</a:t>
             </a:r>
-            <a:endParaRPr lang="en-US" sz="2800" dirty="0" smtClean="0">
+            <a:endParaRPr lang="en-US" sz="2800" dirty="0">
               <a:solidFill>
                 <a:schemeClr val="tx1"/>
               </a:solidFill>
@@ -11168,7 +11009,7 @@
               <a:buChar char="-"/>
             </a:pPr>
             <a:r>
-              <a:rPr lang="en-US" sz="2800" dirty="0" err="1" smtClean="0">
+              <a:rPr lang="en-US" sz="2800" dirty="0" err="1">
                 <a:solidFill>
                   <a:schemeClr val="tx1"/>
                 </a:solidFill>
@@ -11197,7 +11038,7 @@
               </a:rPr>
               <a:t>luận</a:t>
             </a:r>
-            <a:endParaRPr lang="en-US" sz="2800" dirty="0" smtClean="0">
+            <a:endParaRPr lang="en-US" sz="2800" dirty="0">
               <a:solidFill>
                 <a:schemeClr val="tx1"/>
               </a:solidFill>
@@ -11217,14 +11058,6 @@
   <p:clrMapOvr>
     <a:masterClrMapping/>
   </p:clrMapOvr>
-  <mc:AlternateContent xmlns:mc="http://schemas.openxmlformats.org/markup-compatibility/2006">
-    <mc:Choice xmlns:p14="http://schemas.microsoft.com/office/powerpoint/2010/main" Requires="p14">
-      <p:transition p14:dur="0"/>
-    </mc:Choice>
-    <mc:Fallback>
-      <p:transition/>
-    </mc:Fallback>
-  </mc:AlternateContent>
   <p:timing>
     <p:tnLst>
       <p:par>
@@ -11358,7 +11191,7 @@
           <a:p>
             <a:pPr algn="ctr"/>
             <a:r>
-              <a:rPr lang="en-US" b="1" dirty="0" smtClean="0">
+              <a:rPr lang="en-US" b="1" dirty="0">
                 <a:solidFill>
                   <a:schemeClr val="tx1"/>
                 </a:solidFill>
@@ -11367,13 +11200,6 @@
               </a:rPr>
               <a:t>PHÁT BIỂU VẤN ĐỀ VÀ MỤC TIÊU CỦA LUÂN VĂN</a:t>
             </a:r>
-            <a:endParaRPr lang="en-US" b="1" dirty="0">
-              <a:solidFill>
-                <a:schemeClr val="tx1"/>
-              </a:solidFill>
-              <a:latin typeface="Times New Roman" panose="02020603050405020304" pitchFamily="18" charset="0"/>
-              <a:cs typeface="Times New Roman" panose="02020603050405020304" pitchFamily="18" charset="0"/>
-            </a:endParaRPr>
           </a:p>
         </p:txBody>
       </p:sp>
@@ -11403,7 +11229,7 @@
           <a:lstStyle/>
           <a:p>
             <a:r>
-              <a:rPr lang="en-US" sz="2000" dirty="0" err="1" smtClean="0">
+              <a:rPr lang="en-US" sz="2000" dirty="0" err="1">
                 <a:solidFill>
                   <a:schemeClr val="tx1"/>
                 </a:solidFill>
@@ -11423,7 +11249,7 @@
               <a:t> </a:t>
             </a:r>
             <a:r>
-              <a:rPr lang="en-US" sz="2000" dirty="0" err="1" smtClean="0">
+              <a:rPr lang="en-US" sz="2000" dirty="0" err="1">
                 <a:solidFill>
                   <a:schemeClr val="tx1"/>
                 </a:solidFill>
@@ -11443,7 +11269,7 @@
               <a:t> </a:t>
             </a:r>
             <a:r>
-              <a:rPr lang="en-US" sz="2000" dirty="0" err="1" smtClean="0">
+              <a:rPr lang="en-US" sz="2000" dirty="0" err="1">
                 <a:solidFill>
                   <a:schemeClr val="tx1"/>
                 </a:solidFill>
@@ -11463,7 +11289,7 @@
               <a:t> </a:t>
             </a:r>
             <a:r>
-              <a:rPr lang="en-US" sz="2000" dirty="0" err="1" smtClean="0">
+              <a:rPr lang="en-US" sz="2000" dirty="0" err="1">
                 <a:solidFill>
                   <a:schemeClr val="tx1"/>
                 </a:solidFill>
@@ -11483,7 +11309,7 @@
               <a:t> </a:t>
             </a:r>
             <a:r>
-              <a:rPr lang="en-US" sz="2000" dirty="0" err="1" smtClean="0">
+              <a:rPr lang="en-US" sz="2000" dirty="0" err="1">
                 <a:solidFill>
                   <a:schemeClr val="tx1"/>
                 </a:solidFill>
@@ -11503,7 +11329,7 @@
               <a:t> </a:t>
             </a:r>
             <a:r>
-              <a:rPr lang="en-US" sz="2000" dirty="0" err="1" smtClean="0">
+              <a:rPr lang="en-US" sz="2000" dirty="0" err="1">
                 <a:solidFill>
                   <a:schemeClr val="tx1"/>
                 </a:solidFill>
@@ -11523,7 +11349,7 @@
               <a:t> </a:t>
             </a:r>
             <a:r>
-              <a:rPr lang="en-US" sz="2000" dirty="0" err="1" smtClean="0">
+              <a:rPr lang="en-US" sz="2000" dirty="0" err="1">
                 <a:solidFill>
                   <a:schemeClr val="tx1"/>
                 </a:solidFill>
@@ -11533,16 +11359,6 @@
               <a:t>thống</a:t>
             </a:r>
             <a:r>
-              <a:rPr lang="en-US" sz="2000" dirty="0" smtClean="0">
-                <a:solidFill>
-                  <a:schemeClr val="tx1"/>
-                </a:solidFill>
-                <a:latin typeface="Times New Roman" panose="02020603050405020304" pitchFamily="18" charset="0"/>
-                <a:cs typeface="Times New Roman" panose="02020603050405020304" pitchFamily="18" charset="0"/>
-              </a:rPr>
-              <a:t> </a:t>
-            </a:r>
-            <a:r>
               <a:rPr lang="en-US" sz="2000" dirty="0">
                 <a:solidFill>
                   <a:schemeClr val="tx1"/>
@@ -11550,10 +11366,10 @@
                 <a:latin typeface="Times New Roman" panose="02020603050405020304" pitchFamily="18" charset="0"/>
                 <a:cs typeface="Times New Roman" panose="02020603050405020304" pitchFamily="18" charset="0"/>
               </a:rPr>
-              <a:t>IOT </a:t>
-            </a:r>
-            <a:r>
-              <a:rPr lang="en-US" sz="2000" dirty="0" err="1" smtClean="0">
+              <a:t> IOT </a:t>
+            </a:r>
+            <a:r>
+              <a:rPr lang="en-US" sz="2000" dirty="0" err="1">
                 <a:solidFill>
                   <a:schemeClr val="tx1"/>
                 </a:solidFill>
@@ -11573,7 +11389,7 @@
               <a:t> </a:t>
             </a:r>
             <a:r>
-              <a:rPr lang="en-US" sz="2000" dirty="0" err="1" smtClean="0">
+              <a:rPr lang="en-US" sz="2000" dirty="0" err="1">
                 <a:solidFill>
                   <a:schemeClr val="tx1"/>
                 </a:solidFill>
@@ -11593,7 +11409,7 @@
               <a:t> </a:t>
             </a:r>
             <a:r>
-              <a:rPr lang="en-US" sz="2000" dirty="0" err="1" smtClean="0">
+              <a:rPr lang="en-US" sz="2000" dirty="0" err="1">
                 <a:solidFill>
                   <a:schemeClr val="tx1"/>
                 </a:solidFill>
@@ -11613,7 +11429,7 @@
               <a:t> </a:t>
             </a:r>
             <a:r>
-              <a:rPr lang="en-US" sz="2000" dirty="0" err="1" smtClean="0">
+              <a:rPr lang="en-US" sz="2000" dirty="0" err="1">
                 <a:solidFill>
                   <a:schemeClr val="tx1"/>
                 </a:solidFill>
@@ -11633,7 +11449,7 @@
               <a:t> </a:t>
             </a:r>
             <a:r>
-              <a:rPr lang="en-US" sz="2000" dirty="0" err="1" smtClean="0">
+              <a:rPr lang="en-US" sz="2000" dirty="0" err="1">
                 <a:solidFill>
                   <a:schemeClr val="tx1"/>
                 </a:solidFill>
@@ -11653,7 +11469,7 @@
               <a:t> </a:t>
             </a:r>
             <a:r>
-              <a:rPr lang="en-US" sz="2000" dirty="0" err="1" smtClean="0">
+              <a:rPr lang="en-US" sz="2000" dirty="0" err="1">
                 <a:solidFill>
                   <a:schemeClr val="tx1"/>
                 </a:solidFill>
@@ -11673,7 +11489,7 @@
               <a:t> </a:t>
             </a:r>
             <a:r>
-              <a:rPr lang="en-US" sz="2000" dirty="0" err="1" smtClean="0">
+              <a:rPr lang="en-US" sz="2000" dirty="0" err="1">
                 <a:solidFill>
                   <a:schemeClr val="tx1"/>
                 </a:solidFill>
@@ -11768,7 +11584,7 @@
           <a:p>
             <a:pPr algn="ctr"/>
             <a:r>
-              <a:rPr lang="en-US" sz="2400" dirty="0" smtClean="0">
+              <a:rPr lang="en-US" sz="2400" dirty="0">
                 <a:solidFill>
                   <a:schemeClr val="tx1"/>
                 </a:solidFill>
@@ -11777,13 +11593,6 @@
               </a:rPr>
               <a:t>Raspberry Pi 3	</a:t>
             </a:r>
-            <a:endParaRPr lang="en-US" sz="2400" dirty="0">
-              <a:solidFill>
-                <a:schemeClr val="tx1"/>
-              </a:solidFill>
-              <a:latin typeface="Times New Roman" panose="02020603050405020304" pitchFamily="18" charset="0"/>
-              <a:cs typeface="Times New Roman" panose="02020603050405020304" pitchFamily="18" charset="0"/>
-            </a:endParaRPr>
           </a:p>
         </p:txBody>
       </p:sp>
@@ -11797,13 +11606,6 @@
   <p:clrMapOvr>
     <a:masterClrMapping/>
   </p:clrMapOvr>
-  <p:timing>
-    <p:tnLst>
-      <p:par>
-        <p:cTn id="1" dur="indefinite" restart="never" nodeType="tmRoot"/>
-      </p:par>
-    </p:tnLst>
-  </p:timing>
 </p:sld>
 </file>
 
@@ -12011,7 +11813,7 @@
           <a:p>
             <a:pPr algn="ctr"/>
             <a:r>
-              <a:rPr lang="en-US" dirty="0" err="1" smtClean="0">
+              <a:rPr lang="en-US" dirty="0" err="1">
                 <a:latin typeface="Times New Roman" panose="02020603050405020304" pitchFamily="18" charset="0"/>
                 <a:cs typeface="Times New Roman" panose="02020603050405020304" pitchFamily="18" charset="0"/>
               </a:rPr>
@@ -12025,7 +11827,7 @@
               <a:t> </a:t>
             </a:r>
             <a:r>
-              <a:rPr lang="en-US" dirty="0" err="1" smtClean="0">
+              <a:rPr lang="en-US" dirty="0" err="1">
                 <a:latin typeface="Times New Roman" panose="02020603050405020304" pitchFamily="18" charset="0"/>
                 <a:cs typeface="Times New Roman" panose="02020603050405020304" pitchFamily="18" charset="0"/>
               </a:rPr>
@@ -12039,21 +11841,21 @@
               <a:t> </a:t>
             </a:r>
             <a:r>
-              <a:rPr lang="en-US" dirty="0" err="1" smtClean="0">
+              <a:rPr lang="en-US" dirty="0" err="1">
                 <a:latin typeface="Times New Roman" panose="02020603050405020304" pitchFamily="18" charset="0"/>
                 <a:cs typeface="Times New Roman" panose="02020603050405020304" pitchFamily="18" charset="0"/>
               </a:rPr>
               <a:t>âm</a:t>
             </a:r>
             <a:r>
-              <a:rPr lang="en-US" dirty="0" smtClean="0">
-                <a:latin typeface="Times New Roman" panose="02020603050405020304" pitchFamily="18" charset="0"/>
-                <a:cs typeface="Times New Roman" panose="02020603050405020304" pitchFamily="18" charset="0"/>
-              </a:rPr>
-              <a:t> </a:t>
-            </a:r>
-            <a:r>
-              <a:rPr lang="en-US" dirty="0" err="1" smtClean="0">
+              <a:rPr lang="en-US" dirty="0">
+                <a:latin typeface="Times New Roman" panose="02020603050405020304" pitchFamily="18" charset="0"/>
+                <a:cs typeface="Times New Roman" panose="02020603050405020304" pitchFamily="18" charset="0"/>
+              </a:rPr>
+              <a:t> </a:t>
+            </a:r>
+            <a:r>
+              <a:rPr lang="en-US" dirty="0" err="1">
                 <a:latin typeface="Times New Roman" panose="02020603050405020304" pitchFamily="18" charset="0"/>
                 <a:cs typeface="Times New Roman" panose="02020603050405020304" pitchFamily="18" charset="0"/>
               </a:rPr>
@@ -12104,16 +11906,12 @@
           <a:p>
             <a:pPr algn="ctr"/>
             <a:r>
-              <a:rPr lang="en-US" dirty="0" smtClean="0">
+              <a:rPr lang="en-US" dirty="0">
                 <a:latin typeface="Times New Roman" panose="02020603050405020304" pitchFamily="18" charset="0"/>
                 <a:cs typeface="Times New Roman" panose="02020603050405020304" pitchFamily="18" charset="0"/>
               </a:rPr>
               <a:t>Servo SG09</a:t>
             </a:r>
-            <a:endParaRPr lang="en-US" dirty="0">
-              <a:latin typeface="Times New Roman" panose="02020603050405020304" pitchFamily="18" charset="0"/>
-              <a:cs typeface="Times New Roman" panose="02020603050405020304" pitchFamily="18" charset="0"/>
-            </a:endParaRPr>
           </a:p>
         </p:txBody>
       </p:sp>
@@ -12162,14 +11960,14 @@
               <a:t>Camera </a:t>
             </a:r>
             <a:r>
-              <a:rPr lang="en-US" dirty="0" err="1" smtClean="0">
+              <a:rPr lang="en-US" dirty="0" err="1">
                 <a:latin typeface="Times New Roman" panose="02020603050405020304" pitchFamily="18" charset="0"/>
                 <a:cs typeface="Times New Roman" panose="02020603050405020304" pitchFamily="18" charset="0"/>
               </a:rPr>
               <a:t>ras</a:t>
             </a:r>
             <a:r>
-              <a:rPr lang="en-US" dirty="0" smtClean="0">
+              <a:rPr lang="en-US" dirty="0">
                 <a:latin typeface="Times New Roman" panose="02020603050405020304" pitchFamily="18" charset="0"/>
                 <a:cs typeface="Times New Roman" panose="02020603050405020304" pitchFamily="18" charset="0"/>
               </a:rPr>
@@ -12216,7 +12014,7 @@
           <a:p>
             <a:pPr algn="ctr"/>
             <a:r>
-              <a:rPr lang="en-US" dirty="0" err="1" smtClean="0">
+              <a:rPr lang="en-US" dirty="0" err="1">
                 <a:latin typeface="Times New Roman" panose="02020603050405020304" pitchFamily="18" charset="0"/>
                 <a:cs typeface="Times New Roman" panose="02020603050405020304" pitchFamily="18" charset="0"/>
               </a:rPr>
@@ -12230,7 +12028,7 @@
               <a:t> </a:t>
             </a:r>
             <a:r>
-              <a:rPr lang="en-US" dirty="0" err="1" smtClean="0">
+              <a:rPr lang="en-US" dirty="0" err="1">
                 <a:latin typeface="Times New Roman" panose="02020603050405020304" pitchFamily="18" charset="0"/>
                 <a:cs typeface="Times New Roman" panose="02020603050405020304" pitchFamily="18" charset="0"/>
               </a:rPr>
@@ -12244,7 +12042,7 @@
               <a:t> </a:t>
             </a:r>
             <a:r>
-              <a:rPr lang="en-US" dirty="0" err="1" smtClean="0">
+              <a:rPr lang="en-US" dirty="0" err="1">
                 <a:latin typeface="Times New Roman" panose="02020603050405020304" pitchFamily="18" charset="0"/>
                 <a:cs typeface="Times New Roman" panose="02020603050405020304" pitchFamily="18" charset="0"/>
               </a:rPr>
@@ -12309,16 +12107,12 @@
           <a:p>
             <a:pPr algn="ctr"/>
             <a:r>
-              <a:rPr lang="en-US" dirty="0" smtClean="0">
+              <a:rPr lang="en-US" dirty="0">
                 <a:latin typeface="Times New Roman" panose="02020603050405020304" pitchFamily="18" charset="0"/>
                 <a:cs typeface="Times New Roman" panose="02020603050405020304" pitchFamily="18" charset="0"/>
               </a:rPr>
               <a:t>Loa</a:t>
             </a:r>
-            <a:endParaRPr lang="en-US" dirty="0">
-              <a:latin typeface="Times New Roman" panose="02020603050405020304" pitchFamily="18" charset="0"/>
-              <a:cs typeface="Times New Roman" panose="02020603050405020304" pitchFamily="18" charset="0"/>
-            </a:endParaRPr>
           </a:p>
         </p:txBody>
       </p:sp>
@@ -12332,13 +12126,6 @@
   <p:clrMapOvr>
     <a:masterClrMapping/>
   </p:clrMapOvr>
-  <p:timing>
-    <p:tnLst>
-      <p:par>
-        <p:cTn id="1" dur="indefinite" restart="never" nodeType="tmRoot"/>
-      </p:par>
-    </p:tnLst>
-  </p:timing>
 </p:sld>
 </file>
 
@@ -12384,7 +12171,7 @@
             <a:pPr marL="0" indent="0">
               <a:buNone/>
             </a:pPr>
-            <a:endParaRPr lang="en-US" sz="3200" cap="none" dirty="0" smtClean="0">
+            <a:endParaRPr lang="en-US" sz="3200" cap="none" dirty="0">
               <a:latin typeface="Times New Roman" panose="02020603050405020304" pitchFamily="18" charset="0"/>
               <a:cs typeface="Times New Roman" panose="02020603050405020304" pitchFamily="18" charset="0"/>
             </a:endParaRPr>
@@ -12394,28 +12181,28 @@
               <a:buNone/>
             </a:pPr>
             <a:r>
-              <a:rPr lang="en-US" sz="3200" cap="none" dirty="0" smtClean="0">
+              <a:rPr lang="en-US" sz="3200" cap="none" dirty="0">
                 <a:latin typeface="Times New Roman" panose="02020603050405020304" pitchFamily="18" charset="0"/>
                 <a:cs typeface="Times New Roman" panose="02020603050405020304" pitchFamily="18" charset="0"/>
               </a:rPr>
               <a:t>- </a:t>
             </a:r>
             <a:r>
-              <a:rPr lang="en-US" sz="3200" cap="none" dirty="0" err="1" smtClean="0">
+              <a:rPr lang="en-US" sz="3200" cap="none" dirty="0" err="1">
                 <a:latin typeface="Times New Roman" panose="02020603050405020304" pitchFamily="18" charset="0"/>
                 <a:cs typeface="Times New Roman" panose="02020603050405020304" pitchFamily="18" charset="0"/>
               </a:rPr>
               <a:t>Nhóm</a:t>
             </a:r>
             <a:r>
-              <a:rPr lang="en-US" sz="3200" cap="none" dirty="0" smtClean="0">
-                <a:latin typeface="Times New Roman" panose="02020603050405020304" pitchFamily="18" charset="0"/>
-                <a:cs typeface="Times New Roman" panose="02020603050405020304" pitchFamily="18" charset="0"/>
-              </a:rPr>
-              <a:t> </a:t>
-            </a:r>
-            <a:r>
-              <a:rPr lang="en-US" sz="3200" cap="none" dirty="0" err="1" smtClean="0">
+              <a:rPr lang="en-US" sz="3200" cap="none" dirty="0">
+                <a:latin typeface="Times New Roman" panose="02020603050405020304" pitchFamily="18" charset="0"/>
+                <a:cs typeface="Times New Roman" panose="02020603050405020304" pitchFamily="18" charset="0"/>
+              </a:rPr>
+              <a:t> </a:t>
+            </a:r>
+            <a:r>
+              <a:rPr lang="en-US" sz="3200" cap="none" dirty="0" err="1">
                 <a:latin typeface="Times New Roman" panose="02020603050405020304" pitchFamily="18" charset="0"/>
                 <a:cs typeface="Times New Roman" panose="02020603050405020304" pitchFamily="18" charset="0"/>
               </a:rPr>
@@ -12429,7 +12216,7 @@
               <a:t> </a:t>
             </a:r>
             <a:r>
-              <a:rPr lang="en-US" sz="3200" cap="none" dirty="0" err="1" smtClean="0">
+              <a:rPr lang="en-US" sz="3200" cap="none" dirty="0" err="1">
                 <a:latin typeface="Times New Roman" panose="02020603050405020304" pitchFamily="18" charset="0"/>
                 <a:cs typeface="Times New Roman" panose="02020603050405020304" pitchFamily="18" charset="0"/>
               </a:rPr>
@@ -12443,7 +12230,7 @@
               <a:t> </a:t>
             </a:r>
             <a:r>
-              <a:rPr lang="en-US" sz="3200" cap="none" dirty="0" err="1" smtClean="0">
+              <a:rPr lang="en-US" sz="3200" cap="none" dirty="0" err="1">
                 <a:latin typeface="Times New Roman" panose="02020603050405020304" pitchFamily="18" charset="0"/>
                 <a:cs typeface="Times New Roman" panose="02020603050405020304" pitchFamily="18" charset="0"/>
               </a:rPr>
@@ -12457,7 +12244,7 @@
               <a:t> </a:t>
             </a:r>
             <a:r>
-              <a:rPr lang="en-US" sz="3200" cap="none" dirty="0" err="1" smtClean="0">
+              <a:rPr lang="en-US" sz="3200" cap="none" dirty="0" err="1">
                 <a:latin typeface="Times New Roman" panose="02020603050405020304" pitchFamily="18" charset="0"/>
                 <a:cs typeface="Times New Roman" panose="02020603050405020304" pitchFamily="18" charset="0"/>
               </a:rPr>
@@ -12471,7 +12258,7 @@
               <a:t> </a:t>
             </a:r>
             <a:r>
-              <a:rPr lang="en-US" sz="3200" cap="none" dirty="0" err="1" smtClean="0">
+              <a:rPr lang="en-US" sz="3200" cap="none" dirty="0" err="1">
                 <a:latin typeface="Times New Roman" panose="02020603050405020304" pitchFamily="18" charset="0"/>
                 <a:cs typeface="Times New Roman" panose="02020603050405020304" pitchFamily="18" charset="0"/>
               </a:rPr>
@@ -12485,35 +12272,21 @@
               <a:t> </a:t>
             </a:r>
             <a:r>
-              <a:rPr lang="en-US" sz="3200" cap="none" dirty="0" err="1" smtClean="0">
+              <a:rPr lang="en-US" sz="3200" cap="none" dirty="0" err="1">
                 <a:latin typeface="Times New Roman" panose="02020603050405020304" pitchFamily="18" charset="0"/>
                 <a:cs typeface="Times New Roman" panose="02020603050405020304" pitchFamily="18" charset="0"/>
               </a:rPr>
               <a:t>thống</a:t>
             </a:r>
             <a:r>
-              <a:rPr lang="en-US" sz="3200" cap="none" dirty="0" smtClean="0">
-                <a:latin typeface="Times New Roman" panose="02020603050405020304" pitchFamily="18" charset="0"/>
-                <a:cs typeface="Times New Roman" panose="02020603050405020304" pitchFamily="18" charset="0"/>
-              </a:rPr>
-              <a:t> IOTs </a:t>
-            </a:r>
-            <a:r>
-              <a:rPr lang="en-US" sz="3200" cap="none" dirty="0" err="1" smtClean="0">
-                <a:latin typeface="Times New Roman" panose="02020603050405020304" pitchFamily="18" charset="0"/>
-                <a:cs typeface="Times New Roman" panose="02020603050405020304" pitchFamily="18" charset="0"/>
-              </a:rPr>
-              <a:t>bao</a:t>
-            </a:r>
-            <a:r>
               <a:rPr lang="en-US" sz="3200" cap="none" dirty="0">
                 <a:latin typeface="Times New Roman" panose="02020603050405020304" pitchFamily="18" charset="0"/>
                 <a:cs typeface="Times New Roman" panose="02020603050405020304" pitchFamily="18" charset="0"/>
               </a:rPr>
-              <a:t> </a:t>
-            </a:r>
-            <a:r>
-              <a:rPr lang="en-US" sz="3200" cap="none" dirty="0" err="1" smtClean="0">
+              <a:t> IOTs bao </a:t>
+            </a:r>
+            <a:r>
+              <a:rPr lang="en-US" sz="3200" cap="none" dirty="0" err="1">
                 <a:latin typeface="Times New Roman" panose="02020603050405020304" pitchFamily="18" charset="0"/>
                 <a:cs typeface="Times New Roman" panose="02020603050405020304" pitchFamily="18" charset="0"/>
               </a:rPr>
@@ -12527,7 +12300,7 @@
               <a:t> </a:t>
             </a:r>
             <a:r>
-              <a:rPr lang="en-US" sz="3200" cap="none" dirty="0" err="1" smtClean="0">
+              <a:rPr lang="en-US" sz="3200" cap="none" dirty="0" err="1">
                 <a:latin typeface="Times New Roman" panose="02020603050405020304" pitchFamily="18" charset="0"/>
                 <a:cs typeface="Times New Roman" panose="02020603050405020304" pitchFamily="18" charset="0"/>
               </a:rPr>
@@ -12541,11 +12314,11 @@
               <a:t> </a:t>
             </a:r>
             <a:r>
-              <a:rPr lang="en-US" sz="3200" cap="none" dirty="0" err="1" smtClean="0">
-                <a:latin typeface="Times New Roman" panose="02020603050405020304" pitchFamily="18" charset="0"/>
-                <a:cs typeface="Times New Roman" panose="02020603050405020304" pitchFamily="18" charset="0"/>
-              </a:rPr>
-              <a:t>thi</a:t>
+              <a:rPr lang="en-US" sz="3200" cap="none" dirty="0" err="1">
+                <a:latin typeface="Times New Roman" panose="02020603050405020304" pitchFamily="18" charset="0"/>
+                <a:cs typeface="Times New Roman" panose="02020603050405020304" pitchFamily="18" charset="0"/>
+              </a:rPr>
+              <a:t>thiết</a:t>
             </a:r>
             <a:r>
               <a:rPr lang="en-US" sz="3200" cap="none" dirty="0">
@@ -12555,7 +12328,7 @@
               <a:t> </a:t>
             </a:r>
             <a:r>
-              <a:rPr lang="en-US" sz="3200" cap="none" dirty="0" err="1" smtClean="0">
+              <a:rPr lang="en-US" sz="3200" cap="none" dirty="0" err="1">
                 <a:latin typeface="Times New Roman" panose="02020603050405020304" pitchFamily="18" charset="0"/>
                 <a:cs typeface="Times New Roman" panose="02020603050405020304" pitchFamily="18" charset="0"/>
               </a:rPr>
@@ -12569,7 +12342,7 @@
               <a:t> </a:t>
             </a:r>
             <a:r>
-              <a:rPr lang="en-US" sz="3200" cap="none" dirty="0" err="1" smtClean="0">
+              <a:rPr lang="en-US" sz="3200" cap="none" dirty="0" err="1">
                 <a:latin typeface="Times New Roman" panose="02020603050405020304" pitchFamily="18" charset="0"/>
                 <a:cs typeface="Times New Roman" panose="02020603050405020304" pitchFamily="18" charset="0"/>
               </a:rPr>
@@ -12583,7 +12356,7 @@
               <a:t> </a:t>
             </a:r>
             <a:r>
-              <a:rPr lang="en-US" sz="3200" cap="none" dirty="0" err="1" smtClean="0">
+              <a:rPr lang="en-US" sz="3200" cap="none" dirty="0" err="1">
                 <a:latin typeface="Times New Roman" panose="02020603050405020304" pitchFamily="18" charset="0"/>
                 <a:cs typeface="Times New Roman" panose="02020603050405020304" pitchFamily="18" charset="0"/>
               </a:rPr>
@@ -12597,7 +12370,7 @@
               <a:t>, </a:t>
             </a:r>
             <a:r>
-              <a:rPr lang="en-US" sz="3200" cap="none" dirty="0" err="1" smtClean="0">
+              <a:rPr lang="en-US" sz="3200" cap="none" dirty="0" err="1">
                 <a:latin typeface="Times New Roman" panose="02020603050405020304" pitchFamily="18" charset="0"/>
                 <a:cs typeface="Times New Roman" panose="02020603050405020304" pitchFamily="18" charset="0"/>
               </a:rPr>
@@ -12611,7 +12384,7 @@
               <a:t> </a:t>
             </a:r>
             <a:r>
-              <a:rPr lang="en-US" sz="3200" cap="none" dirty="0" err="1" smtClean="0">
+              <a:rPr lang="en-US" sz="3200" cap="none" dirty="0" err="1">
                 <a:latin typeface="Times New Roman" panose="02020603050405020304" pitchFamily="18" charset="0"/>
                 <a:cs typeface="Times New Roman" panose="02020603050405020304" pitchFamily="18" charset="0"/>
               </a:rPr>
@@ -12625,7 +12398,7 @@
               <a:t> </a:t>
             </a:r>
             <a:r>
-              <a:rPr lang="en-US" sz="3200" cap="none" dirty="0" err="1" smtClean="0">
+              <a:rPr lang="en-US" sz="3200" cap="none" dirty="0" err="1">
                 <a:latin typeface="Times New Roman" panose="02020603050405020304" pitchFamily="18" charset="0"/>
                 <a:cs typeface="Times New Roman" panose="02020603050405020304" pitchFamily="18" charset="0"/>
               </a:rPr>
@@ -12639,7 +12412,7 @@
               <a:t> </a:t>
             </a:r>
             <a:r>
-              <a:rPr lang="en-US" sz="3200" cap="none" dirty="0" err="1" smtClean="0">
+              <a:rPr lang="en-US" sz="3200" cap="none" dirty="0" err="1">
                 <a:latin typeface="Times New Roman" panose="02020603050405020304" pitchFamily="18" charset="0"/>
                 <a:cs typeface="Times New Roman" panose="02020603050405020304" pitchFamily="18" charset="0"/>
               </a:rPr>
@@ -12653,7 +12426,7 @@
               <a:t> </a:t>
             </a:r>
             <a:r>
-              <a:rPr lang="en-US" sz="3200" cap="none" dirty="0" err="1" smtClean="0">
+              <a:rPr lang="en-US" sz="3200" cap="none" dirty="0" err="1">
                 <a:latin typeface="Times New Roman" panose="02020603050405020304" pitchFamily="18" charset="0"/>
                 <a:cs typeface="Times New Roman" panose="02020603050405020304" pitchFamily="18" charset="0"/>
               </a:rPr>
@@ -12667,7 +12440,7 @@
               <a:t> </a:t>
             </a:r>
             <a:r>
-              <a:rPr lang="en-US" sz="3200" cap="none" dirty="0" err="1" smtClean="0">
+              <a:rPr lang="en-US" sz="3200" cap="none" dirty="0" err="1">
                 <a:latin typeface="Times New Roman" panose="02020603050405020304" pitchFamily="18" charset="0"/>
                 <a:cs typeface="Times New Roman" panose="02020603050405020304" pitchFamily="18" charset="0"/>
               </a:rPr>
@@ -12678,14 +12451,14 @@
                 <a:latin typeface="Times New Roman" panose="02020603050405020304" pitchFamily="18" charset="0"/>
                 <a:cs typeface="Times New Roman" panose="02020603050405020304" pitchFamily="18" charset="0"/>
               </a:rPr>
-              <a:t> </a:t>
-            </a:r>
-            <a:r>
-              <a:rPr lang="en-US" sz="3200" cap="none" dirty="0" smtClean="0">
-                <a:latin typeface="Times New Roman" panose="02020603050405020304" pitchFamily="18" charset="0"/>
-                <a:cs typeface="Times New Roman" panose="02020603050405020304" pitchFamily="18" charset="0"/>
-              </a:rPr>
-              <a:t>wireless </a:t>
+              <a:t> wireless  </a:t>
+            </a:r>
+            <a:r>
+              <a:rPr lang="en-US" sz="3200" cap="none" dirty="0" err="1">
+                <a:latin typeface="Times New Roman" panose="02020603050405020304" pitchFamily="18" charset="0"/>
+                <a:cs typeface="Times New Roman" panose="02020603050405020304" pitchFamily="18" charset="0"/>
+              </a:rPr>
+              <a:t>và</a:t>
             </a:r>
             <a:r>
               <a:rPr lang="en-US" sz="3200" cap="none" dirty="0">
@@ -12695,27 +12468,139 @@
               <a:t> </a:t>
             </a:r>
             <a:r>
-              <a:rPr lang="en-US" sz="3200" cap="none" dirty="0" err="1" smtClean="0">
+              <a:rPr lang="en-US" sz="3200" cap="none" dirty="0" err="1">
+                <a:latin typeface="Times New Roman" panose="02020603050405020304" pitchFamily="18" charset="0"/>
+                <a:cs typeface="Times New Roman" panose="02020603050405020304" pitchFamily="18" charset="0"/>
+              </a:rPr>
+              <a:t>giao</a:t>
+            </a:r>
+            <a:r>
+              <a:rPr lang="en-US" sz="3200" cap="none" dirty="0">
+                <a:latin typeface="Times New Roman" panose="02020603050405020304" pitchFamily="18" charset="0"/>
+                <a:cs typeface="Times New Roman" panose="02020603050405020304" pitchFamily="18" charset="0"/>
+              </a:rPr>
+              <a:t> </a:t>
+            </a:r>
+            <a:r>
+              <a:rPr lang="en-US" sz="3200" cap="none" dirty="0" err="1">
+                <a:latin typeface="Times New Roman" panose="02020603050405020304" pitchFamily="18" charset="0"/>
+                <a:cs typeface="Times New Roman" panose="02020603050405020304" pitchFamily="18" charset="0"/>
+              </a:rPr>
+              <a:t>tiếp</a:t>
+            </a:r>
+            <a:r>
+              <a:rPr lang="en-US" sz="3200" cap="none" dirty="0">
+                <a:latin typeface="Times New Roman" panose="02020603050405020304" pitchFamily="18" charset="0"/>
+                <a:cs typeface="Times New Roman" panose="02020603050405020304" pitchFamily="18" charset="0"/>
+              </a:rPr>
+              <a:t> </a:t>
+            </a:r>
+            <a:r>
+              <a:rPr lang="en-US" sz="3200" cap="none" dirty="0" err="1">
+                <a:latin typeface="Times New Roman" panose="02020603050405020304" pitchFamily="18" charset="0"/>
+                <a:cs typeface="Times New Roman" panose="02020603050405020304" pitchFamily="18" charset="0"/>
+              </a:rPr>
+              <a:t>trực</a:t>
+            </a:r>
+            <a:r>
+              <a:rPr lang="en-US" sz="3200" cap="none" dirty="0">
+                <a:latin typeface="Times New Roman" panose="02020603050405020304" pitchFamily="18" charset="0"/>
+                <a:cs typeface="Times New Roman" panose="02020603050405020304" pitchFamily="18" charset="0"/>
+              </a:rPr>
+              <a:t> </a:t>
+            </a:r>
+            <a:r>
+              <a:rPr lang="en-US" sz="3200" cap="none" dirty="0" err="1">
+                <a:latin typeface="Times New Roman" panose="02020603050405020304" pitchFamily="18" charset="0"/>
+                <a:cs typeface="Times New Roman" panose="02020603050405020304" pitchFamily="18" charset="0"/>
+              </a:rPr>
+              <a:t>tiếp</a:t>
+            </a:r>
+            <a:r>
+              <a:rPr lang="en-US" sz="3200" cap="none" dirty="0">
+                <a:latin typeface="Times New Roman" panose="02020603050405020304" pitchFamily="18" charset="0"/>
+                <a:cs typeface="Times New Roman" panose="02020603050405020304" pitchFamily="18" charset="0"/>
+              </a:rPr>
+              <a:t> </a:t>
+            </a:r>
+            <a:r>
+              <a:rPr lang="en-US" sz="3200" cap="none" dirty="0" err="1">
+                <a:latin typeface="Times New Roman" panose="02020603050405020304" pitchFamily="18" charset="0"/>
+                <a:cs typeface="Times New Roman" panose="02020603050405020304" pitchFamily="18" charset="0"/>
+              </a:rPr>
+              <a:t>với</a:t>
+            </a:r>
+            <a:r>
+              <a:rPr lang="en-US" sz="3200" cap="none" dirty="0">
+                <a:latin typeface="Times New Roman" panose="02020603050405020304" pitchFamily="18" charset="0"/>
+                <a:cs typeface="Times New Roman" panose="02020603050405020304" pitchFamily="18" charset="0"/>
+              </a:rPr>
+              <a:t> server. </a:t>
+            </a:r>
+            <a:r>
+              <a:rPr lang="en-US" sz="3200" cap="none" dirty="0" err="1">
+                <a:latin typeface="Times New Roman" panose="02020603050405020304" pitchFamily="18" charset="0"/>
+                <a:cs typeface="Times New Roman" panose="02020603050405020304" pitchFamily="18" charset="0"/>
+              </a:rPr>
+              <a:t>Dữ</a:t>
+            </a:r>
+            <a:r>
+              <a:rPr lang="en-US" sz="3200" cap="none" dirty="0">
+                <a:latin typeface="Times New Roman" panose="02020603050405020304" pitchFamily="18" charset="0"/>
+                <a:cs typeface="Times New Roman" panose="02020603050405020304" pitchFamily="18" charset="0"/>
+              </a:rPr>
+              <a:t> </a:t>
+            </a:r>
+            <a:r>
+              <a:rPr lang="en-US" sz="3200" cap="none" dirty="0" err="1">
+                <a:latin typeface="Times New Roman" panose="02020603050405020304" pitchFamily="18" charset="0"/>
+                <a:cs typeface="Times New Roman" panose="02020603050405020304" pitchFamily="18" charset="0"/>
+              </a:rPr>
+              <a:t>liệu</a:t>
+            </a:r>
+            <a:r>
+              <a:rPr lang="en-US" sz="3200" cap="none" dirty="0">
+                <a:latin typeface="Times New Roman" panose="02020603050405020304" pitchFamily="18" charset="0"/>
+                <a:cs typeface="Times New Roman" panose="02020603050405020304" pitchFamily="18" charset="0"/>
+              </a:rPr>
+              <a:t> </a:t>
+            </a:r>
+            <a:r>
+              <a:rPr lang="en-US" sz="3200" cap="none" dirty="0" err="1">
+                <a:latin typeface="Times New Roman" panose="02020603050405020304" pitchFamily="18" charset="0"/>
+                <a:cs typeface="Times New Roman" panose="02020603050405020304" pitchFamily="18" charset="0"/>
+              </a:rPr>
+              <a:t>thu</a:t>
+            </a:r>
+            <a:r>
+              <a:rPr lang="en-US" sz="3200" cap="none" dirty="0">
+                <a:latin typeface="Times New Roman" panose="02020603050405020304" pitchFamily="18" charset="0"/>
+                <a:cs typeface="Times New Roman" panose="02020603050405020304" pitchFamily="18" charset="0"/>
+              </a:rPr>
+              <a:t> đ</a:t>
+            </a:r>
+            <a:r>
+              <a:rPr lang="vi-VN" sz="3200" cap="none" dirty="0">
+                <a:latin typeface="Times New Roman" panose="02020603050405020304" pitchFamily="18" charset="0"/>
+                <a:cs typeface="Times New Roman" panose="02020603050405020304" pitchFamily="18" charset="0"/>
+              </a:rPr>
+              <a:t>ượ</a:t>
+            </a:r>
+            <a:r>
+              <a:rPr lang="en-US" sz="3200" cap="none" dirty="0">
+                <a:latin typeface="Times New Roman" panose="02020603050405020304" pitchFamily="18" charset="0"/>
+                <a:cs typeface="Times New Roman" panose="02020603050405020304" pitchFamily="18" charset="0"/>
+              </a:rPr>
+              <a:t>c </a:t>
+            </a:r>
+            <a:r>
+              <a:rPr lang="en-US" sz="3200" cap="none" dirty="0" err="1">
                 <a:latin typeface="Times New Roman" panose="02020603050405020304" pitchFamily="18" charset="0"/>
                 <a:cs typeface="Times New Roman" panose="02020603050405020304" pitchFamily="18" charset="0"/>
               </a:rPr>
               <a:t>và</a:t>
             </a:r>
             <a:r>
-              <a:rPr lang="en-US" sz="3200" cap="none" dirty="0" smtClean="0">
-                <a:latin typeface="Times New Roman" panose="02020603050405020304" pitchFamily="18" charset="0"/>
-                <a:cs typeface="Times New Roman" panose="02020603050405020304" pitchFamily="18" charset="0"/>
-              </a:rPr>
-              <a:t> </a:t>
-            </a:r>
-            <a:r>
-              <a:rPr lang="en-US" sz="3200" cap="none" dirty="0" err="1" smtClean="0">
-                <a:latin typeface="Times New Roman" panose="02020603050405020304" pitchFamily="18" charset="0"/>
-                <a:cs typeface="Times New Roman" panose="02020603050405020304" pitchFamily="18" charset="0"/>
-              </a:rPr>
-              <a:t>giao</a:t>
-            </a:r>
-            <a:r>
               <a:rPr lang="en-US" sz="3200" cap="none" dirty="0">
                 <a:latin typeface="Times New Roman" panose="02020603050405020304" pitchFamily="18" charset="0"/>
                 <a:cs typeface="Times New Roman" panose="02020603050405020304" pitchFamily="18" charset="0"/>
@@ -12723,11 +12608,11 @@
               <a:t> </a:t>
             </a:r>
             <a:r>
-              <a:rPr lang="en-US" sz="3200" cap="none" dirty="0" err="1" smtClean="0">
-                <a:latin typeface="Times New Roman" panose="02020603050405020304" pitchFamily="18" charset="0"/>
-                <a:cs typeface="Times New Roman" panose="02020603050405020304" pitchFamily="18" charset="0"/>
-              </a:rPr>
-              <a:t>tiếp</a:t>
+              <a:rPr lang="en-US" sz="3200" cap="none" dirty="0" err="1">
+                <a:latin typeface="Times New Roman" panose="02020603050405020304" pitchFamily="18" charset="0"/>
+                <a:cs typeface="Times New Roman" panose="02020603050405020304" pitchFamily="18" charset="0"/>
+              </a:rPr>
+              <a:t>hiển</a:t>
             </a:r>
             <a:r>
               <a:rPr lang="en-US" sz="3200" cap="none" dirty="0">
@@ -12737,11 +12622,11 @@
               <a:t> </a:t>
             </a:r>
             <a:r>
-              <a:rPr lang="en-US" sz="3200" cap="none" dirty="0" err="1" smtClean="0">
-                <a:latin typeface="Times New Roman" panose="02020603050405020304" pitchFamily="18" charset="0"/>
-                <a:cs typeface="Times New Roman" panose="02020603050405020304" pitchFamily="18" charset="0"/>
-              </a:rPr>
-              <a:t>trực</a:t>
+              <a:rPr lang="en-US" sz="3200" cap="none" dirty="0" err="1">
+                <a:latin typeface="Times New Roman" panose="02020603050405020304" pitchFamily="18" charset="0"/>
+                <a:cs typeface="Times New Roman" panose="02020603050405020304" pitchFamily="18" charset="0"/>
+              </a:rPr>
+              <a:t>thị</a:t>
             </a:r>
             <a:r>
               <a:rPr lang="en-US" sz="3200" cap="none" dirty="0">
@@ -12751,11 +12636,11 @@
               <a:t> </a:t>
             </a:r>
             <a:r>
-              <a:rPr lang="en-US" sz="3200" cap="none" dirty="0" err="1" smtClean="0">
-                <a:latin typeface="Times New Roman" panose="02020603050405020304" pitchFamily="18" charset="0"/>
-                <a:cs typeface="Times New Roman" panose="02020603050405020304" pitchFamily="18" charset="0"/>
-              </a:rPr>
-              <a:t>tiếp</a:t>
+              <a:rPr lang="en-US" sz="3200" cap="none" dirty="0" err="1">
+                <a:latin typeface="Times New Roman" panose="02020603050405020304" pitchFamily="18" charset="0"/>
+                <a:cs typeface="Times New Roman" panose="02020603050405020304" pitchFamily="18" charset="0"/>
+              </a:rPr>
+              <a:t>lên</a:t>
             </a:r>
             <a:r>
               <a:rPr lang="en-US" sz="3200" cap="none" dirty="0">
@@ -12765,11 +12650,11 @@
               <a:t> </a:t>
             </a:r>
             <a:r>
-              <a:rPr lang="en-US" sz="3200" cap="none" dirty="0" err="1" smtClean="0">
-                <a:latin typeface="Times New Roman" panose="02020603050405020304" pitchFamily="18" charset="0"/>
-                <a:cs typeface="Times New Roman" panose="02020603050405020304" pitchFamily="18" charset="0"/>
-              </a:rPr>
-              <a:t>với</a:t>
+              <a:rPr lang="en-US" sz="3200" cap="none" dirty="0" err="1">
+                <a:latin typeface="Times New Roman" panose="02020603050405020304" pitchFamily="18" charset="0"/>
+                <a:cs typeface="Times New Roman" panose="02020603050405020304" pitchFamily="18" charset="0"/>
+              </a:rPr>
+              <a:t>ứng</a:t>
             </a:r>
             <a:r>
               <a:rPr lang="en-US" sz="3200" cap="none" dirty="0">
@@ -12779,39 +12664,39 @@
               <a:t> </a:t>
             </a:r>
             <a:r>
-              <a:rPr lang="en-US" sz="3200" cap="none" dirty="0" smtClean="0">
-                <a:latin typeface="Times New Roman" panose="02020603050405020304" pitchFamily="18" charset="0"/>
-                <a:cs typeface="Times New Roman" panose="02020603050405020304" pitchFamily="18" charset="0"/>
-              </a:rPr>
-              <a:t>server</a:t>
+              <a:rPr lang="en-US" sz="3200" cap="none" dirty="0" err="1">
+                <a:latin typeface="Times New Roman" panose="02020603050405020304" pitchFamily="18" charset="0"/>
+                <a:cs typeface="Times New Roman" panose="02020603050405020304" pitchFamily="18" charset="0"/>
+              </a:rPr>
+              <a:t>dụng</a:t>
             </a:r>
             <a:r>
               <a:rPr lang="en-US" sz="3200" cap="none" dirty="0">
                 <a:latin typeface="Times New Roman" panose="02020603050405020304" pitchFamily="18" charset="0"/>
                 <a:cs typeface="Times New Roman" panose="02020603050405020304" pitchFamily="18" charset="0"/>
               </a:rPr>
-              <a:t>. Webserver </a:t>
-            </a:r>
-            <a:r>
-              <a:rPr lang="en-US" sz="3200" cap="none" dirty="0" err="1" smtClean="0">
-                <a:latin typeface="Times New Roman" panose="02020603050405020304" pitchFamily="18" charset="0"/>
-                <a:cs typeface="Times New Roman" panose="02020603050405020304" pitchFamily="18" charset="0"/>
-              </a:rPr>
-              <a:t>nhận</a:t>
+              <a:t> android </a:t>
+            </a:r>
+            <a:r>
+              <a:rPr lang="en-US" sz="3200" cap="none" dirty="0" err="1">
+                <a:latin typeface="Times New Roman" panose="02020603050405020304" pitchFamily="18" charset="0"/>
+                <a:cs typeface="Times New Roman" panose="02020603050405020304" pitchFamily="18" charset="0"/>
+              </a:rPr>
+              <a:t>thông</a:t>
             </a:r>
             <a:r>
               <a:rPr lang="en-US" sz="3200" cap="none" dirty="0">
                 <a:latin typeface="Times New Roman" panose="02020603050405020304" pitchFamily="18" charset="0"/>
                 <a:cs typeface="Times New Roman" panose="02020603050405020304" pitchFamily="18" charset="0"/>
               </a:rPr>
-              <a:t> </a:t>
-            </a:r>
-            <a:r>
-              <a:rPr lang="en-US" sz="3200" cap="none" dirty="0" err="1" smtClean="0">
-                <a:latin typeface="Times New Roman" panose="02020603050405020304" pitchFamily="18" charset="0"/>
-                <a:cs typeface="Times New Roman" panose="02020603050405020304" pitchFamily="18" charset="0"/>
-              </a:rPr>
-              <a:t>dữ</a:t>
+              <a:t> qua </a:t>
+            </a:r>
+            <a:r>
+              <a:rPr lang="en-US" sz="3200" cap="none" dirty="0" err="1">
+                <a:latin typeface="Times New Roman" panose="02020603050405020304" pitchFamily="18" charset="0"/>
+                <a:cs typeface="Times New Roman" panose="02020603050405020304" pitchFamily="18" charset="0"/>
+              </a:rPr>
+              <a:t>việc</a:t>
             </a:r>
             <a:r>
               <a:rPr lang="en-US" sz="3200" cap="none" dirty="0">
@@ -12821,25 +12706,11 @@
               <a:t> </a:t>
             </a:r>
             <a:r>
-              <a:rPr lang="en-US" sz="3200" cap="none" dirty="0" err="1" smtClean="0">
-                <a:latin typeface="Times New Roman" panose="02020603050405020304" pitchFamily="18" charset="0"/>
-                <a:cs typeface="Times New Roman" panose="02020603050405020304" pitchFamily="18" charset="0"/>
-              </a:rPr>
-              <a:t>liệu</a:t>
-            </a:r>
-            <a:r>
-              <a:rPr lang="en-US" sz="3200" cap="none" dirty="0" smtClean="0">
-                <a:latin typeface="Times New Roman" panose="02020603050405020304" pitchFamily="18" charset="0"/>
-                <a:cs typeface="Times New Roman" panose="02020603050405020304" pitchFamily="18" charset="0"/>
-              </a:rPr>
-              <a:t> </a:t>
-            </a:r>
-            <a:r>
-              <a:rPr lang="en-US" sz="3200" cap="none" dirty="0" err="1" smtClean="0">
-                <a:latin typeface="Times New Roman" panose="02020603050405020304" pitchFamily="18" charset="0"/>
-                <a:cs typeface="Times New Roman" panose="02020603050405020304" pitchFamily="18" charset="0"/>
-              </a:rPr>
-              <a:t>thu</a:t>
+              <a:rPr lang="en-US" sz="3200" cap="none" dirty="0" err="1">
+                <a:latin typeface="Times New Roman" panose="02020603050405020304" pitchFamily="18" charset="0"/>
+                <a:cs typeface="Times New Roman" panose="02020603050405020304" pitchFamily="18" charset="0"/>
+              </a:rPr>
+              <a:t>lưu</a:t>
             </a:r>
             <a:r>
               <a:rPr lang="en-US" sz="3200" cap="none" dirty="0">
@@ -12849,109 +12720,18 @@
               <a:t> </a:t>
             </a:r>
             <a:r>
-              <a:rPr lang="en-US" sz="3200" cap="none" dirty="0" smtClean="0">
-                <a:latin typeface="Times New Roman" panose="02020603050405020304" pitchFamily="18" charset="0"/>
-                <a:cs typeface="Times New Roman" panose="02020603050405020304" pitchFamily="18" charset="0"/>
-              </a:rPr>
-              <a:t>đ</a:t>
-            </a:r>
-            <a:r>
-              <a:rPr lang="vi-VN" sz="3200" cap="none" dirty="0" smtClean="0">
-                <a:latin typeface="Times New Roman" panose="02020603050405020304" pitchFamily="18" charset="0"/>
-                <a:cs typeface="Times New Roman" panose="02020603050405020304" pitchFamily="18" charset="0"/>
-              </a:rPr>
-              <a:t>ượ</a:t>
+              <a:rPr lang="en-US" sz="3200" cap="none" dirty="0" err="1">
+                <a:latin typeface="Times New Roman" panose="02020603050405020304" pitchFamily="18" charset="0"/>
+                <a:cs typeface="Times New Roman" panose="02020603050405020304" pitchFamily="18" charset="0"/>
+              </a:rPr>
+              <a:t>xuống</a:t>
             </a:r>
             <a:r>
               <a:rPr lang="en-US" sz="3200" cap="none" dirty="0">
                 <a:latin typeface="Times New Roman" panose="02020603050405020304" pitchFamily="18" charset="0"/>
                 <a:cs typeface="Times New Roman" panose="02020603050405020304" pitchFamily="18" charset="0"/>
               </a:rPr>
-              <a:t>c </a:t>
-            </a:r>
-            <a:r>
-              <a:rPr lang="en-US" sz="3200" cap="none" dirty="0" err="1" smtClean="0">
-                <a:latin typeface="Times New Roman" panose="02020603050405020304" pitchFamily="18" charset="0"/>
-                <a:cs typeface="Times New Roman" panose="02020603050405020304" pitchFamily="18" charset="0"/>
-              </a:rPr>
-              <a:t>và</a:t>
-            </a:r>
-            <a:r>
-              <a:rPr lang="en-US" sz="3200" cap="none" dirty="0">
-                <a:latin typeface="Times New Roman" panose="02020603050405020304" pitchFamily="18" charset="0"/>
-                <a:cs typeface="Times New Roman" panose="02020603050405020304" pitchFamily="18" charset="0"/>
-              </a:rPr>
-              <a:t> </a:t>
-            </a:r>
-            <a:r>
-              <a:rPr lang="en-US" sz="3200" cap="none" dirty="0" err="1" smtClean="0">
-                <a:latin typeface="Times New Roman" panose="02020603050405020304" pitchFamily="18" charset="0"/>
-                <a:cs typeface="Times New Roman" panose="02020603050405020304" pitchFamily="18" charset="0"/>
-              </a:rPr>
-              <a:t>hiển</a:t>
-            </a:r>
-            <a:r>
-              <a:rPr lang="en-US" sz="3200" cap="none" dirty="0">
-                <a:latin typeface="Times New Roman" panose="02020603050405020304" pitchFamily="18" charset="0"/>
-                <a:cs typeface="Times New Roman" panose="02020603050405020304" pitchFamily="18" charset="0"/>
-              </a:rPr>
-              <a:t> </a:t>
-            </a:r>
-            <a:r>
-              <a:rPr lang="en-US" sz="3200" cap="none" dirty="0" err="1" smtClean="0">
-                <a:latin typeface="Times New Roman" panose="02020603050405020304" pitchFamily="18" charset="0"/>
-                <a:cs typeface="Times New Roman" panose="02020603050405020304" pitchFamily="18" charset="0"/>
-              </a:rPr>
-              <a:t>thị</a:t>
-            </a:r>
-            <a:r>
-              <a:rPr lang="en-US" sz="3200" cap="none" dirty="0">
-                <a:latin typeface="Times New Roman" panose="02020603050405020304" pitchFamily="18" charset="0"/>
-                <a:cs typeface="Times New Roman" panose="02020603050405020304" pitchFamily="18" charset="0"/>
-              </a:rPr>
-              <a:t> </a:t>
-            </a:r>
-            <a:r>
-              <a:rPr lang="en-US" sz="3200" cap="none" dirty="0" err="1" smtClean="0">
-                <a:latin typeface="Times New Roman" panose="02020603050405020304" pitchFamily="18" charset="0"/>
-                <a:cs typeface="Times New Roman" panose="02020603050405020304" pitchFamily="18" charset="0"/>
-              </a:rPr>
-              <a:t>lên</a:t>
-            </a:r>
-            <a:r>
-              <a:rPr lang="en-US" sz="3200" cap="none" dirty="0">
-                <a:latin typeface="Times New Roman" panose="02020603050405020304" pitchFamily="18" charset="0"/>
-                <a:cs typeface="Times New Roman" panose="02020603050405020304" pitchFamily="18" charset="0"/>
-              </a:rPr>
-              <a:t> </a:t>
-            </a:r>
-            <a:r>
-              <a:rPr lang="en-US" sz="3200" cap="none" dirty="0" err="1" smtClean="0">
-                <a:latin typeface="Times New Roman" panose="02020603050405020304" pitchFamily="18" charset="0"/>
-                <a:cs typeface="Times New Roman" panose="02020603050405020304" pitchFamily="18" charset="0"/>
-              </a:rPr>
-              <a:t>ứng</a:t>
-            </a:r>
-            <a:r>
-              <a:rPr lang="en-US" sz="3200" cap="none" dirty="0">
-                <a:latin typeface="Times New Roman" panose="02020603050405020304" pitchFamily="18" charset="0"/>
-                <a:cs typeface="Times New Roman" panose="02020603050405020304" pitchFamily="18" charset="0"/>
-              </a:rPr>
-              <a:t> </a:t>
-            </a:r>
-            <a:r>
-              <a:rPr lang="en-US" sz="3200" cap="none" dirty="0" err="1" smtClean="0">
-                <a:latin typeface="Times New Roman" panose="02020603050405020304" pitchFamily="18" charset="0"/>
-                <a:cs typeface="Times New Roman" panose="02020603050405020304" pitchFamily="18" charset="0"/>
-              </a:rPr>
-              <a:t>dụng</a:t>
-            </a:r>
-            <a:r>
-              <a:rPr lang="en-US" sz="3200" cap="none" dirty="0" smtClean="0">
-                <a:latin typeface="Times New Roman" panose="02020603050405020304" pitchFamily="18" charset="0"/>
-                <a:cs typeface="Times New Roman" panose="02020603050405020304" pitchFamily="18" charset="0"/>
-              </a:rPr>
-              <a:t> android </a:t>
+              <a:t> DB.</a:t>
             </a:r>
           </a:p>
           <a:p>
@@ -12975,7 +12755,7 @@
               <a:t>- </a:t>
             </a:r>
             <a:r>
-              <a:rPr lang="en-US" sz="3600" cap="none" dirty="0" err="1" smtClean="0">
+              <a:rPr lang="en-US" sz="3600" cap="none" dirty="0" err="1">
                 <a:latin typeface="Times New Roman" panose="02020603050405020304" pitchFamily="18" charset="0"/>
                 <a:cs typeface="Times New Roman" panose="02020603050405020304" pitchFamily="18" charset="0"/>
               </a:rPr>
@@ -12989,7 +12769,7 @@
               <a:t> </a:t>
             </a:r>
             <a:r>
-              <a:rPr lang="en-US" sz="3600" cap="none" dirty="0" err="1" smtClean="0">
+              <a:rPr lang="en-US" sz="3600" cap="none" dirty="0" err="1">
                 <a:latin typeface="Times New Roman" panose="02020603050405020304" pitchFamily="18" charset="0"/>
                 <a:cs typeface="Times New Roman" panose="02020603050405020304" pitchFamily="18" charset="0"/>
               </a:rPr>
@@ -13003,7 +12783,7 @@
               <a:t> </a:t>
             </a:r>
             <a:r>
-              <a:rPr lang="en-US" sz="3600" cap="none" dirty="0" err="1" smtClean="0">
+              <a:rPr lang="en-US" sz="3600" cap="none" dirty="0" err="1">
                 <a:latin typeface="Times New Roman" panose="02020603050405020304" pitchFamily="18" charset="0"/>
                 <a:cs typeface="Times New Roman" panose="02020603050405020304" pitchFamily="18" charset="0"/>
               </a:rPr>
@@ -13017,7 +12797,7 @@
               <a:t> </a:t>
             </a:r>
             <a:r>
-              <a:rPr lang="en-US" sz="3600" cap="none" dirty="0" err="1" smtClean="0">
+              <a:rPr lang="en-US" sz="3600" cap="none" dirty="0" err="1">
                 <a:latin typeface="Times New Roman" panose="02020603050405020304" pitchFamily="18" charset="0"/>
                 <a:cs typeface="Times New Roman" panose="02020603050405020304" pitchFamily="18" charset="0"/>
               </a:rPr>
@@ -13031,7 +12811,7 @@
               <a:t> </a:t>
             </a:r>
             <a:r>
-              <a:rPr lang="en-US" sz="3600" cap="none" dirty="0" err="1" smtClean="0">
+              <a:rPr lang="en-US" sz="3600" cap="none" dirty="0" err="1">
                 <a:latin typeface="Times New Roman" panose="02020603050405020304" pitchFamily="18" charset="0"/>
                 <a:cs typeface="Times New Roman" panose="02020603050405020304" pitchFamily="18" charset="0"/>
               </a:rPr>
@@ -13045,21 +12825,21 @@
               <a:t> </a:t>
             </a:r>
             <a:r>
-              <a:rPr lang="en-US" sz="3600" cap="none" dirty="0" err="1" smtClean="0">
+              <a:rPr lang="en-US" sz="3600" cap="none" dirty="0" err="1">
                 <a:latin typeface="Times New Roman" panose="02020603050405020304" pitchFamily="18" charset="0"/>
                 <a:cs typeface="Times New Roman" panose="02020603050405020304" pitchFamily="18" charset="0"/>
               </a:rPr>
               <a:t>nhóm</a:t>
             </a:r>
             <a:r>
-              <a:rPr lang="en-US" sz="3600" cap="none" dirty="0" smtClean="0">
+              <a:rPr lang="en-US" sz="3600" cap="none" dirty="0">
                 <a:latin typeface="Times New Roman" panose="02020603050405020304" pitchFamily="18" charset="0"/>
                 <a:cs typeface="Times New Roman" panose="02020603050405020304" pitchFamily="18" charset="0"/>
               </a:rPr>
               <a:t> h</a:t>
             </a:r>
             <a:r>
-              <a:rPr lang="vi-VN" sz="3600" cap="none" dirty="0" smtClean="0">
+              <a:rPr lang="vi-VN" sz="3600" cap="none" dirty="0">
                 <a:latin typeface="Times New Roman" panose="02020603050405020304" pitchFamily="18" charset="0"/>
                 <a:cs typeface="Times New Roman" panose="02020603050405020304" pitchFamily="18" charset="0"/>
               </a:rPr>
@@ -13073,7 +12853,7 @@
               <a:t> </a:t>
             </a:r>
             <a:r>
-              <a:rPr lang="en-US" sz="3600" cap="none" dirty="0" err="1" smtClean="0">
+              <a:rPr lang="en-US" sz="3600" cap="none" dirty="0" err="1">
                 <a:latin typeface="Times New Roman" panose="02020603050405020304" pitchFamily="18" charset="0"/>
                 <a:cs typeface="Times New Roman" panose="02020603050405020304" pitchFamily="18" charset="0"/>
               </a:rPr>
@@ -13087,7 +12867,7 @@
               <a:t> </a:t>
             </a:r>
             <a:r>
-              <a:rPr lang="en-US" sz="3600" cap="none" dirty="0" err="1" smtClean="0">
+              <a:rPr lang="en-US" sz="3600" cap="none" dirty="0" err="1">
                 <a:latin typeface="Times New Roman" panose="02020603050405020304" pitchFamily="18" charset="0"/>
                 <a:cs typeface="Times New Roman" panose="02020603050405020304" pitchFamily="18" charset="0"/>
               </a:rPr>
@@ -13101,7 +12881,7 @@
               <a:t> </a:t>
             </a:r>
             <a:r>
-              <a:rPr lang="en-US" sz="3600" cap="none" dirty="0" err="1" smtClean="0">
+              <a:rPr lang="en-US" sz="3600" cap="none" dirty="0" err="1">
                 <a:latin typeface="Times New Roman" panose="02020603050405020304" pitchFamily="18" charset="0"/>
                 <a:cs typeface="Times New Roman" panose="02020603050405020304" pitchFamily="18" charset="0"/>
               </a:rPr>
@@ -13115,7 +12895,7 @@
               <a:t> </a:t>
             </a:r>
             <a:r>
-              <a:rPr lang="en-US" sz="3600" cap="none" dirty="0" err="1" smtClean="0">
+              <a:rPr lang="en-US" sz="3600" cap="none" dirty="0" err="1">
                 <a:latin typeface="Times New Roman" panose="02020603050405020304" pitchFamily="18" charset="0"/>
                 <a:cs typeface="Times New Roman" panose="02020603050405020304" pitchFamily="18" charset="0"/>
               </a:rPr>
@@ -13129,7 +12909,7 @@
               <a:t> </a:t>
             </a:r>
             <a:r>
-              <a:rPr lang="en-US" sz="3600" cap="none" dirty="0" err="1" smtClean="0">
+              <a:rPr lang="en-US" sz="3600" cap="none" dirty="0" err="1">
                 <a:latin typeface="Times New Roman" panose="02020603050405020304" pitchFamily="18" charset="0"/>
                 <a:cs typeface="Times New Roman" panose="02020603050405020304" pitchFamily="18" charset="0"/>
               </a:rPr>
@@ -13143,7 +12923,7 @@
               <a:t> </a:t>
             </a:r>
             <a:r>
-              <a:rPr lang="en-US" sz="3600" cap="none" dirty="0" err="1" smtClean="0">
+              <a:rPr lang="en-US" sz="3600" cap="none" dirty="0" err="1">
                 <a:latin typeface="Times New Roman" panose="02020603050405020304" pitchFamily="18" charset="0"/>
                 <a:cs typeface="Times New Roman" panose="02020603050405020304" pitchFamily="18" charset="0"/>
               </a:rPr>
@@ -13157,7 +12937,7 @@
               <a:t> </a:t>
             </a:r>
             <a:r>
-              <a:rPr lang="en-US" sz="3600" cap="none" dirty="0" err="1" smtClean="0">
+              <a:rPr lang="en-US" sz="3600" cap="none" dirty="0" err="1">
                 <a:latin typeface="Times New Roman" panose="02020603050405020304" pitchFamily="18" charset="0"/>
                 <a:cs typeface="Times New Roman" panose="02020603050405020304" pitchFamily="18" charset="0"/>
               </a:rPr>
@@ -13171,7 +12951,7 @@
               <a:t> </a:t>
             </a:r>
             <a:r>
-              <a:rPr lang="en-US" sz="3600" cap="none" dirty="0" err="1" smtClean="0">
+              <a:rPr lang="en-US" sz="3600" cap="none" dirty="0" err="1">
                 <a:latin typeface="Times New Roman" panose="02020603050405020304" pitchFamily="18" charset="0"/>
                 <a:cs typeface="Times New Roman" panose="02020603050405020304" pitchFamily="18" charset="0"/>
               </a:rPr>
@@ -13185,7 +12965,7 @@
               <a:t> </a:t>
             </a:r>
             <a:r>
-              <a:rPr lang="en-US" sz="3600" cap="none" dirty="0" err="1" smtClean="0">
+              <a:rPr lang="en-US" sz="3600" cap="none" dirty="0" err="1">
                 <a:latin typeface="Times New Roman" panose="02020603050405020304" pitchFamily="18" charset="0"/>
                 <a:cs typeface="Times New Roman" panose="02020603050405020304" pitchFamily="18" charset="0"/>
               </a:rPr>
@@ -13199,7 +12979,7 @@
               <a:t> </a:t>
             </a:r>
             <a:r>
-              <a:rPr lang="en-US" sz="3600" cap="none" dirty="0" err="1" smtClean="0">
+              <a:rPr lang="en-US" sz="3600" cap="none" dirty="0" err="1">
                 <a:latin typeface="Times New Roman" panose="02020603050405020304" pitchFamily="18" charset="0"/>
                 <a:cs typeface="Times New Roman" panose="02020603050405020304" pitchFamily="18" charset="0"/>
               </a:rPr>
@@ -13213,7 +12993,7 @@
               <a:t> </a:t>
             </a:r>
             <a:r>
-              <a:rPr lang="en-US" sz="3600" cap="none" dirty="0" err="1" smtClean="0">
+              <a:rPr lang="en-US" sz="3600" cap="none" dirty="0" err="1">
                 <a:latin typeface="Times New Roman" panose="02020603050405020304" pitchFamily="18" charset="0"/>
                 <a:cs typeface="Times New Roman" panose="02020603050405020304" pitchFamily="18" charset="0"/>
               </a:rPr>
@@ -13227,7 +13007,7 @@
               <a:t> </a:t>
             </a:r>
             <a:r>
-              <a:rPr lang="en-US" sz="3600" cap="none" dirty="0" err="1" smtClean="0">
+              <a:rPr lang="en-US" sz="3600" cap="none" dirty="0" err="1">
                 <a:latin typeface="Times New Roman" panose="02020603050405020304" pitchFamily="18" charset="0"/>
                 <a:cs typeface="Times New Roman" panose="02020603050405020304" pitchFamily="18" charset="0"/>
               </a:rPr>
@@ -13241,7 +13021,7 @@
               <a:t> </a:t>
             </a:r>
             <a:r>
-              <a:rPr lang="en-US" sz="3600" cap="none" dirty="0" err="1" smtClean="0">
+              <a:rPr lang="en-US" sz="3600" cap="none" dirty="0" err="1">
                 <a:latin typeface="Times New Roman" panose="02020603050405020304" pitchFamily="18" charset="0"/>
                 <a:cs typeface="Times New Roman" panose="02020603050405020304" pitchFamily="18" charset="0"/>
               </a:rPr>
@@ -13255,7 +13035,7 @@
               <a:t> </a:t>
             </a:r>
             <a:r>
-              <a:rPr lang="en-US" sz="3600" cap="none" dirty="0" err="1" smtClean="0">
+              <a:rPr lang="en-US" sz="3600" cap="none" dirty="0" err="1">
                 <a:latin typeface="Times New Roman" panose="02020603050405020304" pitchFamily="18" charset="0"/>
                 <a:cs typeface="Times New Roman" panose="02020603050405020304" pitchFamily="18" charset="0"/>
               </a:rPr>
@@ -13269,7 +13049,7 @@
               <a:t> </a:t>
             </a:r>
             <a:r>
-              <a:rPr lang="en-US" sz="3600" cap="none" dirty="0" err="1" smtClean="0">
+              <a:rPr lang="en-US" sz="3600" cap="none" dirty="0" err="1">
                 <a:latin typeface="Times New Roman" panose="02020603050405020304" pitchFamily="18" charset="0"/>
                 <a:cs typeface="Times New Roman" panose="02020603050405020304" pitchFamily="18" charset="0"/>
               </a:rPr>
@@ -13283,7 +13063,7 @@
               <a:t> </a:t>
             </a:r>
             <a:r>
-              <a:rPr lang="en-US" sz="3600" cap="none" dirty="0" err="1" smtClean="0">
+              <a:rPr lang="en-US" sz="3600" cap="none" dirty="0" err="1">
                 <a:latin typeface="Times New Roman" panose="02020603050405020304" pitchFamily="18" charset="0"/>
                 <a:cs typeface="Times New Roman" panose="02020603050405020304" pitchFamily="18" charset="0"/>
               </a:rPr>
@@ -13297,7 +13077,7 @@
               <a:t> </a:t>
             </a:r>
             <a:r>
-              <a:rPr lang="en-US" sz="3600" cap="none" dirty="0" err="1" smtClean="0">
+              <a:rPr lang="en-US" sz="3600" cap="none" dirty="0" err="1">
                 <a:latin typeface="Times New Roman" panose="02020603050405020304" pitchFamily="18" charset="0"/>
                 <a:cs typeface="Times New Roman" panose="02020603050405020304" pitchFamily="18" charset="0"/>
               </a:rPr>
@@ -13311,7 +13091,7 @@
               <a:t> </a:t>
             </a:r>
             <a:r>
-              <a:rPr lang="en-US" sz="3600" cap="none" dirty="0" err="1" smtClean="0">
+              <a:rPr lang="en-US" sz="3600" cap="none" dirty="0" err="1">
                 <a:latin typeface="Times New Roman" panose="02020603050405020304" pitchFamily="18" charset="0"/>
                 <a:cs typeface="Times New Roman" panose="02020603050405020304" pitchFamily="18" charset="0"/>
               </a:rPr>
@@ -13325,7 +13105,7 @@
               <a:t> </a:t>
             </a:r>
             <a:r>
-              <a:rPr lang="en-US" sz="3600" cap="none" dirty="0" err="1" smtClean="0">
+              <a:rPr lang="en-US" sz="3600" cap="none" dirty="0" err="1">
                 <a:latin typeface="Times New Roman" panose="02020603050405020304" pitchFamily="18" charset="0"/>
                 <a:cs typeface="Times New Roman" panose="02020603050405020304" pitchFamily="18" charset="0"/>
               </a:rPr>
@@ -13339,7 +13119,7 @@
               <a:t> </a:t>
             </a:r>
             <a:r>
-              <a:rPr lang="en-US" sz="3600" cap="none" dirty="0" err="1" smtClean="0">
+              <a:rPr lang="en-US" sz="3600" cap="none" dirty="0" err="1">
                 <a:latin typeface="Times New Roman" panose="02020603050405020304" pitchFamily="18" charset="0"/>
                 <a:cs typeface="Times New Roman" panose="02020603050405020304" pitchFamily="18" charset="0"/>
               </a:rPr>
@@ -13353,7 +13133,7 @@
               <a:t> </a:t>
             </a:r>
             <a:r>
-              <a:rPr lang="en-US" sz="3600" cap="none" dirty="0" err="1" smtClean="0">
+              <a:rPr lang="en-US" sz="3600" cap="none" dirty="0" err="1">
                 <a:latin typeface="Times New Roman" panose="02020603050405020304" pitchFamily="18" charset="0"/>
                 <a:cs typeface="Times New Roman" panose="02020603050405020304" pitchFamily="18" charset="0"/>
               </a:rPr>
@@ -13367,7 +13147,7 @@
               <a:t> </a:t>
             </a:r>
             <a:r>
-              <a:rPr lang="en-US" sz="3600" cap="none" dirty="0" err="1" smtClean="0">
+              <a:rPr lang="en-US" sz="3600" cap="none" dirty="0" err="1">
                 <a:latin typeface="Times New Roman" panose="02020603050405020304" pitchFamily="18" charset="0"/>
                 <a:cs typeface="Times New Roman" panose="02020603050405020304" pitchFamily="18" charset="0"/>
               </a:rPr>
@@ -13381,7 +13161,7 @@
               <a:t> </a:t>
             </a:r>
             <a:r>
-              <a:rPr lang="en-US" sz="3600" cap="none" dirty="0" err="1" smtClean="0">
+              <a:rPr lang="en-US" sz="3600" cap="none" dirty="0" err="1">
                 <a:latin typeface="Times New Roman" panose="02020603050405020304" pitchFamily="18" charset="0"/>
                 <a:cs typeface="Times New Roman" panose="02020603050405020304" pitchFamily="18" charset="0"/>
               </a:rPr>
@@ -13395,7 +13175,7 @@
               <a:t> </a:t>
             </a:r>
             <a:r>
-              <a:rPr lang="en-US" sz="3600" cap="none" dirty="0" err="1" smtClean="0">
+              <a:rPr lang="en-US" sz="3600" cap="none" dirty="0" err="1">
                 <a:latin typeface="Times New Roman" panose="02020603050405020304" pitchFamily="18" charset="0"/>
                 <a:cs typeface="Times New Roman" panose="02020603050405020304" pitchFamily="18" charset="0"/>
               </a:rPr>
@@ -13409,37 +13189,33 @@
               <a:t> </a:t>
             </a:r>
             <a:r>
-              <a:rPr lang="en-US" sz="3600" cap="none" dirty="0" err="1" smtClean="0">
+              <a:rPr lang="en-US" sz="3600" cap="none" dirty="0" err="1">
                 <a:latin typeface="Times New Roman" panose="02020603050405020304" pitchFamily="18" charset="0"/>
                 <a:cs typeface="Times New Roman" panose="02020603050405020304" pitchFamily="18" charset="0"/>
               </a:rPr>
               <a:t>tế</a:t>
             </a:r>
             <a:r>
-              <a:rPr lang="en-US" sz="3600" cap="none" dirty="0" smtClean="0">
-                <a:latin typeface="Times New Roman" panose="02020603050405020304" pitchFamily="18" charset="0"/>
-                <a:cs typeface="Times New Roman" panose="02020603050405020304" pitchFamily="18" charset="0"/>
-              </a:rPr>
-              <a:t> </a:t>
-            </a:r>
-            <a:r>
-              <a:rPr lang="en-US" sz="3600" cap="none" dirty="0" err="1" smtClean="0">
+              <a:rPr lang="en-US" sz="3600" cap="none" dirty="0">
+                <a:latin typeface="Times New Roman" panose="02020603050405020304" pitchFamily="18" charset="0"/>
+                <a:cs typeface="Times New Roman" panose="02020603050405020304" pitchFamily="18" charset="0"/>
+              </a:rPr>
+              <a:t> </a:t>
+            </a:r>
+            <a:r>
+              <a:rPr lang="en-US" sz="3600" cap="none" dirty="0" err="1">
                 <a:latin typeface="Times New Roman" panose="02020603050405020304" pitchFamily="18" charset="0"/>
                 <a:cs typeface="Times New Roman" panose="02020603050405020304" pitchFamily="18" charset="0"/>
               </a:rPr>
               <a:t>cao</a:t>
             </a:r>
             <a:r>
-              <a:rPr lang="en-US" sz="3600" cap="none" dirty="0" smtClean="0">
+              <a:rPr lang="en-US" sz="3600" cap="none" dirty="0">
                 <a:latin typeface="Times New Roman" panose="02020603050405020304" pitchFamily="18" charset="0"/>
                 <a:cs typeface="Times New Roman" panose="02020603050405020304" pitchFamily="18" charset="0"/>
               </a:rPr>
               <a:t>.</a:t>
             </a:r>
-            <a:endParaRPr lang="en-US" sz="3600" cap="none" dirty="0">
-              <a:latin typeface="Times New Roman" panose="02020603050405020304" pitchFamily="18" charset="0"/>
-              <a:cs typeface="Times New Roman" panose="02020603050405020304" pitchFamily="18" charset="0"/>
-            </a:endParaRPr>
           </a:p>
         </p:txBody>
       </p:sp>
@@ -13453,13 +13229,6 @@
   <p:clrMapOvr>
     <a:masterClrMapping/>
   </p:clrMapOvr>
-  <p:timing>
-    <p:tnLst>
-      <p:par>
-        <p:cTn id="1" dur="indefinite" restart="never" nodeType="tmRoot"/>
-      </p:par>
-    </p:tnLst>
-  </p:timing>
 </p:sld>
 </file>
 
@@ -13501,28 +13270,21 @@
           <a:lstStyle/>
           <a:p>
             <a:r>
-              <a:rPr lang="en-US" b="1" dirty="0" err="1" smtClean="0">
+              <a:rPr lang="en-US" b="1" dirty="0" err="1">
                 <a:latin typeface="Times New Roman" panose="02020603050405020304" pitchFamily="18" charset="0"/>
                 <a:cs typeface="Times New Roman" panose="02020603050405020304" pitchFamily="18" charset="0"/>
               </a:rPr>
               <a:t>Phạm</a:t>
             </a:r>
             <a:r>
-              <a:rPr lang="en-US" b="1" dirty="0" smtClean="0">
-                <a:latin typeface="Times New Roman" panose="02020603050405020304" pitchFamily="18" charset="0"/>
-                <a:cs typeface="Times New Roman" panose="02020603050405020304" pitchFamily="18" charset="0"/>
-              </a:rPr>
-              <a:t> </a:t>
-            </a:r>
-            <a:r>
               <a:rPr lang="en-US" b="1" dirty="0">
                 <a:latin typeface="Times New Roman" panose="02020603050405020304" pitchFamily="18" charset="0"/>
                 <a:cs typeface="Times New Roman" panose="02020603050405020304" pitchFamily="18" charset="0"/>
               </a:rPr>
-              <a:t>vi </a:t>
-            </a:r>
-            <a:r>
-              <a:rPr lang="en-US" b="1" dirty="0" err="1" smtClean="0">
+              <a:t> vi </a:t>
+            </a:r>
+            <a:r>
+              <a:rPr lang="en-US" b="1" dirty="0" err="1">
                 <a:latin typeface="Times New Roman" panose="02020603050405020304" pitchFamily="18" charset="0"/>
                 <a:cs typeface="Times New Roman" panose="02020603050405020304" pitchFamily="18" charset="0"/>
               </a:rPr>
@@ -13536,7 +13298,7 @@
               <a:t> </a:t>
             </a:r>
             <a:r>
-              <a:rPr lang="en-US" b="1" dirty="0" err="1" smtClean="0">
+              <a:rPr lang="en-US" b="1" dirty="0" err="1">
                 <a:latin typeface="Times New Roman" panose="02020603050405020304" pitchFamily="18" charset="0"/>
                 <a:cs typeface="Times New Roman" panose="02020603050405020304" pitchFamily="18" charset="0"/>
               </a:rPr>
@@ -13550,7 +13312,7 @@
               <a:t> </a:t>
             </a:r>
             <a:r>
-              <a:rPr lang="en-US" b="1" dirty="0" err="1" smtClean="0">
+              <a:rPr lang="en-US" b="1" dirty="0" err="1">
                 <a:latin typeface="Times New Roman" panose="02020603050405020304" pitchFamily="18" charset="0"/>
                 <a:cs typeface="Times New Roman" panose="02020603050405020304" pitchFamily="18" charset="0"/>
               </a:rPr>
@@ -13564,7 +13326,7 @@
               <a:t> </a:t>
             </a:r>
             <a:r>
-              <a:rPr lang="en-US" b="1" dirty="0" err="1" smtClean="0">
+              <a:rPr lang="en-US" b="1" dirty="0" err="1">
                 <a:latin typeface="Times New Roman" panose="02020603050405020304" pitchFamily="18" charset="0"/>
                 <a:cs typeface="Times New Roman" panose="02020603050405020304" pitchFamily="18" charset="0"/>
               </a:rPr>
@@ -13578,7 +13340,7 @@
               <a:t> </a:t>
             </a:r>
             <a:r>
-              <a:rPr lang="en-US" b="1" dirty="0" err="1" smtClean="0">
+              <a:rPr lang="en-US" b="1" dirty="0" err="1">
                 <a:latin typeface="Times New Roman" panose="02020603050405020304" pitchFamily="18" charset="0"/>
                 <a:cs typeface="Times New Roman" panose="02020603050405020304" pitchFamily="18" charset="0"/>
               </a:rPr>
@@ -13638,7 +13400,7 @@
               <a:t>* </a:t>
             </a:r>
             <a:r>
-              <a:rPr lang="en-US" sz="2400" cap="none" dirty="0" err="1" smtClean="0">
+              <a:rPr lang="en-US" sz="2400" cap="none" dirty="0" err="1">
                 <a:latin typeface="Times New Roman" panose="02020603050405020304" pitchFamily="18" charset="0"/>
                 <a:cs typeface="Times New Roman" panose="02020603050405020304" pitchFamily="18" charset="0"/>
               </a:rPr>
@@ -13652,7 +13414,7 @@
               <a:t> vi </a:t>
             </a:r>
             <a:r>
-              <a:rPr lang="en-US" sz="2400" cap="none" dirty="0" err="1" smtClean="0">
+              <a:rPr lang="en-US" sz="2400" cap="none" dirty="0" err="1">
                 <a:latin typeface="Times New Roman" panose="02020603050405020304" pitchFamily="18" charset="0"/>
                 <a:cs typeface="Times New Roman" panose="02020603050405020304" pitchFamily="18" charset="0"/>
               </a:rPr>
@@ -13666,13 +13428,13 @@
               <a:t> </a:t>
             </a:r>
             <a:r>
-              <a:rPr lang="en-US" sz="2400" cap="none" dirty="0" err="1" smtClean="0">
+              <a:rPr lang="en-US" sz="2400" cap="none" dirty="0" err="1">
                 <a:latin typeface="Times New Roman" panose="02020603050405020304" pitchFamily="18" charset="0"/>
                 <a:cs typeface="Times New Roman" panose="02020603050405020304" pitchFamily="18" charset="0"/>
               </a:rPr>
               <a:t>tài</a:t>
             </a:r>
-            <a:endParaRPr lang="en-US" sz="2400" cap="none" dirty="0" smtClean="0">
+            <a:endParaRPr lang="en-US" sz="2400" cap="none" dirty="0">
               <a:latin typeface="Times New Roman" panose="02020603050405020304" pitchFamily="18" charset="0"/>
               <a:cs typeface="Times New Roman" panose="02020603050405020304" pitchFamily="18" charset="0"/>
             </a:endParaRPr>
@@ -13683,21 +13445,21 @@
               <a:buChar char="-"/>
             </a:pPr>
             <a:r>
-              <a:rPr lang="en-US" sz="2400" cap="none" dirty="0" err="1" smtClean="0">
+              <a:rPr lang="en-US" sz="2400" cap="none" dirty="0" err="1">
                 <a:latin typeface="Times New Roman" panose="02020603050405020304" pitchFamily="18" charset="0"/>
                 <a:cs typeface="Times New Roman" panose="02020603050405020304" pitchFamily="18" charset="0"/>
               </a:rPr>
               <a:t>Các</a:t>
             </a:r>
             <a:r>
-              <a:rPr lang="en-US" sz="2400" cap="none" dirty="0" smtClean="0">
-                <a:latin typeface="Times New Roman" panose="02020603050405020304" pitchFamily="18" charset="0"/>
-                <a:cs typeface="Times New Roman" panose="02020603050405020304" pitchFamily="18" charset="0"/>
-              </a:rPr>
-              <a:t> </a:t>
-            </a:r>
-            <a:r>
-              <a:rPr lang="en-US" sz="2400" cap="none" dirty="0" err="1" smtClean="0">
+              <a:rPr lang="en-US" sz="2400" cap="none" dirty="0">
+                <a:latin typeface="Times New Roman" panose="02020603050405020304" pitchFamily="18" charset="0"/>
+                <a:cs typeface="Times New Roman" panose="02020603050405020304" pitchFamily="18" charset="0"/>
+              </a:rPr>
+              <a:t> </a:t>
+            </a:r>
+            <a:r>
+              <a:rPr lang="en-US" sz="2400" cap="none" dirty="0" err="1">
                 <a:latin typeface="Times New Roman" panose="02020603050405020304" pitchFamily="18" charset="0"/>
                 <a:cs typeface="Times New Roman" panose="02020603050405020304" pitchFamily="18" charset="0"/>
               </a:rPr>
@@ -13711,7 +13473,7 @@
               <a:t> </a:t>
             </a:r>
             <a:r>
-              <a:rPr lang="en-US" sz="2400" cap="none" dirty="0" err="1" smtClean="0">
+              <a:rPr lang="en-US" sz="2400" cap="none" dirty="0" err="1">
                 <a:latin typeface="Times New Roman" panose="02020603050405020304" pitchFamily="18" charset="0"/>
                 <a:cs typeface="Times New Roman" panose="02020603050405020304" pitchFamily="18" charset="0"/>
               </a:rPr>
@@ -13725,7 +13487,7 @@
               <a:t> </a:t>
             </a:r>
             <a:r>
-              <a:rPr lang="en-US" sz="2400" cap="none" dirty="0" err="1" smtClean="0">
+              <a:rPr lang="en-US" sz="2400" cap="none" dirty="0" err="1">
                 <a:latin typeface="Times New Roman" panose="02020603050405020304" pitchFamily="18" charset="0"/>
                 <a:cs typeface="Times New Roman" panose="02020603050405020304" pitchFamily="18" charset="0"/>
               </a:rPr>
@@ -13739,7 +13501,7 @@
               <a:t> </a:t>
             </a:r>
             <a:r>
-              <a:rPr lang="en-US" sz="2400" cap="none" dirty="0" err="1" smtClean="0">
+              <a:rPr lang="en-US" sz="2400" cap="none" dirty="0" err="1">
                 <a:latin typeface="Times New Roman" panose="02020603050405020304" pitchFamily="18" charset="0"/>
                 <a:cs typeface="Times New Roman" panose="02020603050405020304" pitchFamily="18" charset="0"/>
               </a:rPr>
@@ -13750,31 +13512,24 @@
                 <a:latin typeface="Times New Roman" panose="02020603050405020304" pitchFamily="18" charset="0"/>
                 <a:cs typeface="Times New Roman" panose="02020603050405020304" pitchFamily="18" charset="0"/>
               </a:rPr>
-              <a:t> </a:t>
-            </a:r>
-            <a:r>
-              <a:rPr lang="en-US" sz="2400" cap="none" dirty="0" smtClean="0">
-                <a:latin typeface="Times New Roman" panose="02020603050405020304" pitchFamily="18" charset="0"/>
-                <a:cs typeface="Times New Roman" panose="02020603050405020304" pitchFamily="18" charset="0"/>
-              </a:rPr>
-              <a:t>(</a:t>
-            </a:r>
-            <a:r>
-              <a:rPr lang="en-US" sz="2400" cap="none" dirty="0" err="1" smtClean="0">
+              <a:t> (</a:t>
+            </a:r>
+            <a:r>
+              <a:rPr lang="en-US" sz="2400" cap="none" dirty="0" err="1">
                 <a:latin typeface="Times New Roman" panose="02020603050405020304" pitchFamily="18" charset="0"/>
                 <a:cs typeface="Times New Roman" panose="02020603050405020304" pitchFamily="18" charset="0"/>
               </a:rPr>
               <a:t>cảm</a:t>
             </a:r>
             <a:r>
-              <a:rPr lang="en-US" sz="2400" cap="none" dirty="0" smtClean="0">
-                <a:latin typeface="Times New Roman" panose="02020603050405020304" pitchFamily="18" charset="0"/>
-                <a:cs typeface="Times New Roman" panose="02020603050405020304" pitchFamily="18" charset="0"/>
-              </a:rPr>
-              <a:t> </a:t>
-            </a:r>
-            <a:r>
-              <a:rPr lang="en-US" sz="2400" cap="none" dirty="0" err="1" smtClean="0">
+              <a:rPr lang="en-US" sz="2400" cap="none" dirty="0">
+                <a:latin typeface="Times New Roman" panose="02020603050405020304" pitchFamily="18" charset="0"/>
+                <a:cs typeface="Times New Roman" panose="02020603050405020304" pitchFamily="18" charset="0"/>
+              </a:rPr>
+              <a:t> </a:t>
+            </a:r>
+            <a:r>
+              <a:rPr lang="en-US" sz="2400" cap="none" dirty="0" err="1">
                 <a:latin typeface="Times New Roman" panose="02020603050405020304" pitchFamily="18" charset="0"/>
                 <a:cs typeface="Times New Roman" panose="02020603050405020304" pitchFamily="18" charset="0"/>
               </a:rPr>
@@ -13788,63 +13543,49 @@
               <a:t> </a:t>
             </a:r>
             <a:r>
-              <a:rPr lang="en-US" sz="2400" cap="none" dirty="0" err="1" smtClean="0">
+              <a:rPr lang="en-US" sz="2400" cap="none" dirty="0" err="1">
                 <a:latin typeface="Times New Roman" panose="02020603050405020304" pitchFamily="18" charset="0"/>
                 <a:cs typeface="Times New Roman" panose="02020603050405020304" pitchFamily="18" charset="0"/>
               </a:rPr>
               <a:t>âm</a:t>
             </a:r>
             <a:r>
-              <a:rPr lang="en-US" sz="2400" cap="none" dirty="0" smtClean="0">
-                <a:latin typeface="Times New Roman" panose="02020603050405020304" pitchFamily="18" charset="0"/>
-                <a:cs typeface="Times New Roman" panose="02020603050405020304" pitchFamily="18" charset="0"/>
-              </a:rPr>
-              <a:t> </a:t>
-            </a:r>
-            <a:r>
-              <a:rPr lang="en-US" sz="2400" cap="none" dirty="0" err="1" smtClean="0">
+              <a:rPr lang="en-US" sz="2400" cap="none" dirty="0">
+                <a:latin typeface="Times New Roman" panose="02020603050405020304" pitchFamily="18" charset="0"/>
+                <a:cs typeface="Times New Roman" panose="02020603050405020304" pitchFamily="18" charset="0"/>
+              </a:rPr>
+              <a:t> </a:t>
+            </a:r>
+            <a:r>
+              <a:rPr lang="en-US" sz="2400" cap="none" dirty="0" err="1">
                 <a:latin typeface="Times New Roman" panose="02020603050405020304" pitchFamily="18" charset="0"/>
                 <a:cs typeface="Times New Roman" panose="02020603050405020304" pitchFamily="18" charset="0"/>
               </a:rPr>
               <a:t>thanh</a:t>
             </a:r>
             <a:r>
-              <a:rPr lang="en-US" sz="2400" cap="none" dirty="0" smtClean="0">
-                <a:latin typeface="Times New Roman" panose="02020603050405020304" pitchFamily="18" charset="0"/>
-                <a:cs typeface="Times New Roman" panose="02020603050405020304" pitchFamily="18" charset="0"/>
-              </a:rPr>
-              <a:t>, servo </a:t>
-            </a:r>
-            <a:r>
               <a:rPr lang="en-US" sz="2400" cap="none" dirty="0">
                 <a:latin typeface="Times New Roman" panose="02020603050405020304" pitchFamily="18" charset="0"/>
                 <a:cs typeface="Times New Roman" panose="02020603050405020304" pitchFamily="18" charset="0"/>
               </a:rPr>
-              <a:t>sg09, camera </a:t>
-            </a:r>
-            <a:r>
-              <a:rPr lang="en-US" sz="2400" cap="none" dirty="0" err="1" smtClean="0">
+              <a:t>, servo sg09, camera </a:t>
+            </a:r>
+            <a:r>
+              <a:rPr lang="en-US" sz="2400" cap="none" dirty="0" err="1">
                 <a:latin typeface="Times New Roman" panose="02020603050405020304" pitchFamily="18" charset="0"/>
                 <a:cs typeface="Times New Roman" panose="02020603050405020304" pitchFamily="18" charset="0"/>
               </a:rPr>
               <a:t>ras</a:t>
             </a:r>
             <a:r>
-              <a:rPr lang="en-US" sz="2400" cap="none" dirty="0" smtClean="0">
-                <a:latin typeface="Times New Roman" panose="02020603050405020304" pitchFamily="18" charset="0"/>
-                <a:cs typeface="Times New Roman" panose="02020603050405020304" pitchFamily="18" charset="0"/>
-              </a:rPr>
-              <a:t> pi</a:t>
-            </a:r>
-            <a:r>
               <a:rPr lang="en-US" sz="2400" cap="none" dirty="0">
                 <a:latin typeface="Times New Roman" panose="02020603050405020304" pitchFamily="18" charset="0"/>
                 <a:cs typeface="Times New Roman" panose="02020603050405020304" pitchFamily="18" charset="0"/>
               </a:rPr>
-              <a:t>,  </a:t>
-            </a:r>
-            <a:r>
-              <a:rPr lang="en-US" sz="2400" cap="none" dirty="0" err="1" smtClean="0">
+              <a:t> pi,  </a:t>
+            </a:r>
+            <a:r>
+              <a:rPr lang="en-US" sz="2400" cap="none" dirty="0" err="1">
                 <a:latin typeface="Times New Roman" panose="02020603050405020304" pitchFamily="18" charset="0"/>
                 <a:cs typeface="Times New Roman" panose="02020603050405020304" pitchFamily="18" charset="0"/>
               </a:rPr>
@@ -13858,7 +13599,7 @@
               <a:t> </a:t>
             </a:r>
             <a:r>
-              <a:rPr lang="en-US" sz="2400" cap="none" dirty="0" err="1" smtClean="0">
+              <a:rPr lang="en-US" sz="2400" cap="none" dirty="0" err="1">
                 <a:latin typeface="Times New Roman" panose="02020603050405020304" pitchFamily="18" charset="0"/>
                 <a:cs typeface="Times New Roman" panose="02020603050405020304" pitchFamily="18" charset="0"/>
               </a:rPr>
@@ -13872,7 +13613,7 @@
               <a:t> </a:t>
             </a:r>
             <a:r>
-              <a:rPr lang="en-US" sz="2400" cap="none" dirty="0" err="1" smtClean="0">
+              <a:rPr lang="en-US" sz="2400" cap="none" dirty="0" err="1">
                 <a:latin typeface="Times New Roman" panose="02020603050405020304" pitchFamily="18" charset="0"/>
                 <a:cs typeface="Times New Roman" panose="02020603050405020304" pitchFamily="18" charset="0"/>
               </a:rPr>
@@ -13886,35 +13627,35 @@
               <a:t> </a:t>
             </a:r>
             <a:r>
-              <a:rPr lang="en-US" sz="2400" cap="none" dirty="0" err="1" smtClean="0">
+              <a:rPr lang="en-US" sz="2400" cap="none" dirty="0" err="1">
                 <a:latin typeface="Times New Roman" panose="02020603050405020304" pitchFamily="18" charset="0"/>
                 <a:cs typeface="Times New Roman" panose="02020603050405020304" pitchFamily="18" charset="0"/>
               </a:rPr>
               <a:t>động</a:t>
             </a:r>
             <a:r>
-              <a:rPr lang="en-US" sz="2400" cap="none" dirty="0" smtClean="0">
+              <a:rPr lang="en-US" sz="2400" cap="none" dirty="0">
                 <a:latin typeface="Times New Roman" panose="02020603050405020304" pitchFamily="18" charset="0"/>
                 <a:cs typeface="Times New Roman" panose="02020603050405020304" pitchFamily="18" charset="0"/>
               </a:rPr>
               <a:t>, </a:t>
             </a:r>
             <a:r>
-              <a:rPr lang="en-US" sz="2400" cap="none" dirty="0" err="1" smtClean="0">
+              <a:rPr lang="en-US" sz="2400" cap="none" dirty="0" err="1">
                 <a:latin typeface="Times New Roman" panose="02020603050405020304" pitchFamily="18" charset="0"/>
                 <a:cs typeface="Times New Roman" panose="02020603050405020304" pitchFamily="18" charset="0"/>
               </a:rPr>
               <a:t>loa</a:t>
             </a:r>
             <a:r>
-              <a:rPr lang="en-US" sz="2400" cap="none" dirty="0" smtClean="0">
+              <a:rPr lang="en-US" sz="2400" cap="none" dirty="0">
                 <a:latin typeface="Times New Roman" panose="02020603050405020304" pitchFamily="18" charset="0"/>
                 <a:cs typeface="Times New Roman" panose="02020603050405020304" pitchFamily="18" charset="0"/>
               </a:rPr>
               <a:t>, </a:t>
             </a:r>
             <a:r>
-              <a:rPr lang="en-US" sz="2400" cap="none" dirty="0" err="1" smtClean="0">
+              <a:rPr lang="en-US" sz="2400" cap="none" dirty="0" err="1">
                 <a:latin typeface="Times New Roman" panose="02020603050405020304" pitchFamily="18" charset="0"/>
                 <a:cs typeface="Times New Roman" panose="02020603050405020304" pitchFamily="18" charset="0"/>
               </a:rPr>
@@ -13928,7 +13669,7 @@
               <a:t> </a:t>
             </a:r>
             <a:r>
-              <a:rPr lang="en-US" sz="2400" cap="none" dirty="0" err="1" smtClean="0">
+              <a:rPr lang="en-US" sz="2400" cap="none" dirty="0" err="1">
                 <a:latin typeface="Times New Roman" panose="02020603050405020304" pitchFamily="18" charset="0"/>
                 <a:cs typeface="Times New Roman" panose="02020603050405020304" pitchFamily="18" charset="0"/>
               </a:rPr>
@@ -13939,14 +13680,7 @@
                 <a:latin typeface="Times New Roman" panose="02020603050405020304" pitchFamily="18" charset="0"/>
                 <a:cs typeface="Times New Roman" panose="02020603050405020304" pitchFamily="18" charset="0"/>
               </a:rPr>
-              <a:t> </a:t>
-            </a:r>
-            <a:r>
-              <a:rPr lang="en-US" sz="2400" cap="none" dirty="0" smtClean="0">
-                <a:latin typeface="Times New Roman" panose="02020603050405020304" pitchFamily="18" charset="0"/>
-                <a:cs typeface="Times New Roman" panose="02020603050405020304" pitchFamily="18" charset="0"/>
-              </a:rPr>
-              <a:t>raspberry pi3.</a:t>
+              <a:t> raspberry pi3.</a:t>
             </a:r>
           </a:p>
           <a:p>
@@ -13955,7 +13689,7 @@
               <a:buChar char="-"/>
             </a:pPr>
             <a:r>
-              <a:rPr lang="en-US" sz="2400" cap="none" dirty="0" err="1" smtClean="0">
+              <a:rPr lang="en-US" sz="2400" cap="none" dirty="0" err="1">
                 <a:latin typeface="Times New Roman" panose="02020603050405020304" pitchFamily="18" charset="0"/>
                 <a:cs typeface="Times New Roman" panose="02020603050405020304" pitchFamily="18" charset="0"/>
               </a:rPr>
@@ -13969,7 +13703,7 @@
               <a:t> </a:t>
             </a:r>
             <a:r>
-              <a:rPr lang="en-US" sz="2400" cap="none" dirty="0" err="1" smtClean="0">
+              <a:rPr lang="en-US" sz="2400" cap="none" dirty="0" err="1">
                 <a:latin typeface="Times New Roman" panose="02020603050405020304" pitchFamily="18" charset="0"/>
                 <a:cs typeface="Times New Roman" panose="02020603050405020304" pitchFamily="18" charset="0"/>
               </a:rPr>
@@ -13983,7 +13717,7 @@
               <a:t> </a:t>
             </a:r>
             <a:r>
-              <a:rPr lang="en-US" sz="2400" cap="none" dirty="0" err="1" smtClean="0">
+              <a:rPr lang="en-US" sz="2400" cap="none" dirty="0" err="1">
                 <a:latin typeface="Times New Roman" panose="02020603050405020304" pitchFamily="18" charset="0"/>
                 <a:cs typeface="Times New Roman" panose="02020603050405020304" pitchFamily="18" charset="0"/>
               </a:rPr>
@@ -13997,14 +13731,14 @@
               <a:t> </a:t>
             </a:r>
             <a:r>
-              <a:rPr lang="en-US" sz="2400" cap="none" dirty="0" err="1" smtClean="0">
+              <a:rPr lang="en-US" sz="2400" cap="none" dirty="0" err="1">
                 <a:latin typeface="Times New Roman" panose="02020603050405020304" pitchFamily="18" charset="0"/>
                 <a:cs typeface="Times New Roman" panose="02020603050405020304" pitchFamily="18" charset="0"/>
               </a:rPr>
               <a:t>trình</a:t>
             </a:r>
             <a:r>
-              <a:rPr lang="en-US" sz="2400" cap="none" dirty="0" smtClean="0">
+              <a:rPr lang="en-US" sz="2400" cap="none" dirty="0">
                 <a:latin typeface="Times New Roman" panose="02020603050405020304" pitchFamily="18" charset="0"/>
                 <a:cs typeface="Times New Roman" panose="02020603050405020304" pitchFamily="18" charset="0"/>
               </a:rPr>
@@ -14016,28 +13750,28 @@
               <a:buFontTx/>
               <a:buChar char="-"/>
             </a:pPr>
-            <a:endParaRPr lang="en-US" cap="none" dirty="0" smtClean="0">
+            <a:endParaRPr lang="en-US" cap="none" dirty="0">
               <a:latin typeface="Times New Roman" panose="02020603050405020304" pitchFamily="18" charset="0"/>
               <a:cs typeface="Times New Roman" panose="02020603050405020304" pitchFamily="18" charset="0"/>
             </a:endParaRPr>
           </a:p>
           <a:p>
             <a:r>
-              <a:rPr lang="en-US" sz="2400" cap="none" dirty="0" err="1" smtClean="0">
+              <a:rPr lang="en-US" sz="2400" cap="none" dirty="0" err="1">
                 <a:latin typeface="Times New Roman" panose="02020603050405020304" pitchFamily="18" charset="0"/>
                 <a:cs typeface="Times New Roman" panose="02020603050405020304" pitchFamily="18" charset="0"/>
               </a:rPr>
               <a:t>Giới</a:t>
             </a:r>
             <a:r>
-              <a:rPr lang="en-US" sz="2400" cap="none" dirty="0" smtClean="0">
-                <a:latin typeface="Times New Roman" panose="02020603050405020304" pitchFamily="18" charset="0"/>
-                <a:cs typeface="Times New Roman" panose="02020603050405020304" pitchFamily="18" charset="0"/>
-              </a:rPr>
-              <a:t> </a:t>
-            </a:r>
-            <a:r>
-              <a:rPr lang="en-US" sz="2400" cap="none" dirty="0" err="1" smtClean="0">
+              <a:rPr lang="en-US" sz="2400" cap="none" dirty="0">
+                <a:latin typeface="Times New Roman" panose="02020603050405020304" pitchFamily="18" charset="0"/>
+                <a:cs typeface="Times New Roman" panose="02020603050405020304" pitchFamily="18" charset="0"/>
+              </a:rPr>
+              <a:t> </a:t>
+            </a:r>
+            <a:r>
+              <a:rPr lang="en-US" sz="2400" cap="none" dirty="0" err="1">
                 <a:latin typeface="Times New Roman" panose="02020603050405020304" pitchFamily="18" charset="0"/>
                 <a:cs typeface="Times New Roman" panose="02020603050405020304" pitchFamily="18" charset="0"/>
               </a:rPr>
@@ -14051,7 +13785,7 @@
               <a:t> </a:t>
             </a:r>
             <a:r>
-              <a:rPr lang="en-US" sz="2400" cap="none" dirty="0" err="1" smtClean="0">
+              <a:rPr lang="en-US" sz="2400" cap="none" dirty="0" err="1">
                 <a:latin typeface="Times New Roman" panose="02020603050405020304" pitchFamily="18" charset="0"/>
                 <a:cs typeface="Times New Roman" panose="02020603050405020304" pitchFamily="18" charset="0"/>
               </a:rPr>
@@ -14065,7 +13799,7 @@
               <a:t> </a:t>
             </a:r>
             <a:r>
-              <a:rPr lang="en-US" sz="2400" cap="none" dirty="0" err="1" smtClean="0">
+              <a:rPr lang="en-US" sz="2400" cap="none" dirty="0" err="1">
                 <a:latin typeface="Times New Roman" panose="02020603050405020304" pitchFamily="18" charset="0"/>
                 <a:cs typeface="Times New Roman" panose="02020603050405020304" pitchFamily="18" charset="0"/>
               </a:rPr>
@@ -14079,13 +13813,13 @@
               <a:t> </a:t>
             </a:r>
             <a:r>
-              <a:rPr lang="en-US" sz="2400" cap="none" dirty="0" err="1" smtClean="0">
+              <a:rPr lang="en-US" sz="2400" cap="none" dirty="0" err="1">
                 <a:latin typeface="Times New Roman" panose="02020603050405020304" pitchFamily="18" charset="0"/>
                 <a:cs typeface="Times New Roman" panose="02020603050405020304" pitchFamily="18" charset="0"/>
               </a:rPr>
               <a:t>tài</a:t>
             </a:r>
-            <a:endParaRPr lang="en-US" sz="2400" cap="none" dirty="0" smtClean="0">
+            <a:endParaRPr lang="en-US" sz="2400" cap="none" dirty="0">
               <a:latin typeface="Times New Roman" panose="02020603050405020304" pitchFamily="18" charset="0"/>
               <a:cs typeface="Times New Roman" panose="02020603050405020304" pitchFamily="18" charset="0"/>
             </a:endParaRPr>
@@ -14096,14 +13830,14 @@
               <a:buChar char="-"/>
             </a:pPr>
             <a:r>
-              <a:rPr lang="en-US" sz="2400" cap="none" dirty="0" smtClean="0">
+              <a:rPr lang="en-US" sz="2400" cap="none" dirty="0">
                 <a:latin typeface="Times New Roman" panose="02020603050405020304" pitchFamily="18" charset="0"/>
                 <a:cs typeface="Times New Roman" panose="02020603050405020304" pitchFamily="18" charset="0"/>
               </a:rPr>
               <a:t>Chi </a:t>
             </a:r>
             <a:r>
-              <a:rPr lang="en-US" sz="2400" cap="none" dirty="0" err="1" smtClean="0">
+              <a:rPr lang="en-US" sz="2400" cap="none" dirty="0" err="1">
                 <a:latin typeface="Times New Roman" panose="02020603050405020304" pitchFamily="18" charset="0"/>
                 <a:cs typeface="Times New Roman" panose="02020603050405020304" pitchFamily="18" charset="0"/>
               </a:rPr>
@@ -14117,7 +13851,7 @@
               <a:t> </a:t>
             </a:r>
             <a:r>
-              <a:rPr lang="en-US" sz="2400" cap="none" dirty="0" err="1" smtClean="0">
+              <a:rPr lang="en-US" sz="2400" cap="none" dirty="0" err="1">
                 <a:latin typeface="Times New Roman" panose="02020603050405020304" pitchFamily="18" charset="0"/>
                 <a:cs typeface="Times New Roman" panose="02020603050405020304" pitchFamily="18" charset="0"/>
               </a:rPr>
@@ -14131,21 +13865,21 @@
               <a:t> </a:t>
             </a:r>
             <a:r>
-              <a:rPr lang="en-US" sz="2400" cap="none" dirty="0" err="1" smtClean="0">
+              <a:rPr lang="en-US" sz="2400" cap="none" dirty="0" err="1">
                 <a:latin typeface="Times New Roman" panose="02020603050405020304" pitchFamily="18" charset="0"/>
                 <a:cs typeface="Times New Roman" panose="02020603050405020304" pitchFamily="18" charset="0"/>
               </a:rPr>
               <a:t>đầu</a:t>
             </a:r>
             <a:r>
-              <a:rPr lang="en-US" sz="2400" cap="none" dirty="0" smtClean="0">
+              <a:rPr lang="en-US" sz="2400" cap="none" dirty="0">
                 <a:latin typeface="Times New Roman" panose="02020603050405020304" pitchFamily="18" charset="0"/>
                 <a:cs typeface="Times New Roman" panose="02020603050405020304" pitchFamily="18" charset="0"/>
               </a:rPr>
               <a:t> t</a:t>
             </a:r>
             <a:r>
-              <a:rPr lang="vi-VN" sz="2400" cap="none" dirty="0" smtClean="0">
+              <a:rPr lang="vi-VN" sz="2400" cap="none" dirty="0">
                 <a:latin typeface="Times New Roman" panose="02020603050405020304" pitchFamily="18" charset="0"/>
                 <a:cs typeface="Times New Roman" panose="02020603050405020304" pitchFamily="18" charset="0"/>
               </a:rPr>
@@ -14159,11 +13893,11 @@
               <a:t> </a:t>
             </a:r>
             <a:r>
-              <a:rPr lang="en-US" sz="2400" cap="none" dirty="0" err="1" smtClean="0">
-                <a:latin typeface="Times New Roman" panose="02020603050405020304" pitchFamily="18" charset="0"/>
-                <a:cs typeface="Times New Roman" panose="02020603050405020304" pitchFamily="18" charset="0"/>
-              </a:rPr>
-              <a:t>thiêt</a:t>
+              <a:rPr lang="en-US" sz="2400" cap="none" dirty="0" err="1">
+                <a:latin typeface="Times New Roman" panose="02020603050405020304" pitchFamily="18" charset="0"/>
+                <a:cs typeface="Times New Roman" panose="02020603050405020304" pitchFamily="18" charset="0"/>
+              </a:rPr>
+              <a:t>thiết</a:t>
             </a:r>
             <a:r>
               <a:rPr lang="en-US" sz="2400" cap="none" dirty="0">
@@ -14173,7 +13907,7 @@
               <a:t> </a:t>
             </a:r>
             <a:r>
-              <a:rPr lang="en-US" sz="2400" cap="none" dirty="0" err="1" smtClean="0">
+              <a:rPr lang="en-US" sz="2400" cap="none" dirty="0" err="1">
                 <a:latin typeface="Times New Roman" panose="02020603050405020304" pitchFamily="18" charset="0"/>
                 <a:cs typeface="Times New Roman" panose="02020603050405020304" pitchFamily="18" charset="0"/>
               </a:rPr>
@@ -14187,7 +13921,7 @@
               <a:t> </a:t>
             </a:r>
             <a:r>
-              <a:rPr lang="en-US" sz="2400" cap="none" dirty="0" err="1" smtClean="0">
+              <a:rPr lang="en-US" sz="2400" cap="none" dirty="0" err="1">
                 <a:latin typeface="Times New Roman" panose="02020603050405020304" pitchFamily="18" charset="0"/>
                 <a:cs typeface="Times New Roman" panose="02020603050405020304" pitchFamily="18" charset="0"/>
               </a:rPr>
@@ -14201,7 +13935,7 @@
               <a:t> </a:t>
             </a:r>
             <a:r>
-              <a:rPr lang="en-US" sz="2400" cap="none" dirty="0" err="1" smtClean="0">
+              <a:rPr lang="en-US" sz="2400" cap="none" dirty="0" err="1">
                 <a:latin typeface="Times New Roman" panose="02020603050405020304" pitchFamily="18" charset="0"/>
                 <a:cs typeface="Times New Roman" panose="02020603050405020304" pitchFamily="18" charset="0"/>
               </a:rPr>
@@ -14215,7 +13949,7 @@
               <a:t> </a:t>
             </a:r>
             <a:r>
-              <a:rPr lang="en-US" sz="2400" cap="none" dirty="0" err="1" smtClean="0">
+              <a:rPr lang="en-US" sz="2400" cap="none" dirty="0" err="1">
                 <a:latin typeface="Times New Roman" panose="02020603050405020304" pitchFamily="18" charset="0"/>
                 <a:cs typeface="Times New Roman" panose="02020603050405020304" pitchFamily="18" charset="0"/>
               </a:rPr>
@@ -14229,7 +13963,7 @@
               <a:t> </a:t>
             </a:r>
             <a:r>
-              <a:rPr lang="en-US" sz="2400" cap="none" dirty="0" err="1" smtClean="0">
+              <a:rPr lang="en-US" sz="2400" cap="none" dirty="0" err="1">
                 <a:latin typeface="Times New Roman" panose="02020603050405020304" pitchFamily="18" charset="0"/>
                 <a:cs typeface="Times New Roman" panose="02020603050405020304" pitchFamily="18" charset="0"/>
               </a:rPr>
@@ -14243,14 +13977,14 @@
               <a:t> </a:t>
             </a:r>
             <a:r>
-              <a:rPr lang="en-US" sz="2400" cap="none" dirty="0" err="1" smtClean="0">
+              <a:rPr lang="en-US" sz="2400" cap="none" dirty="0" err="1">
                 <a:latin typeface="Times New Roman" panose="02020603050405020304" pitchFamily="18" charset="0"/>
                 <a:cs typeface="Times New Roman" panose="02020603050405020304" pitchFamily="18" charset="0"/>
               </a:rPr>
               <a:t>chế</a:t>
             </a:r>
             <a:r>
-              <a:rPr lang="en-US" sz="2400" cap="none" dirty="0" smtClean="0">
+              <a:rPr lang="en-US" sz="2400" cap="none" dirty="0">
                 <a:latin typeface="Times New Roman" panose="02020603050405020304" pitchFamily="18" charset="0"/>
                 <a:cs typeface="Times New Roman" panose="02020603050405020304" pitchFamily="18" charset="0"/>
               </a:rPr>
@@ -14263,21 +13997,21 @@
               <a:buChar char="-"/>
             </a:pPr>
             <a:r>
-              <a:rPr lang="en-US" sz="2400" cap="none" dirty="0" err="1" smtClean="0">
+              <a:rPr lang="en-US" sz="2400" cap="none" dirty="0" err="1">
                 <a:latin typeface="Times New Roman" panose="02020603050405020304" pitchFamily="18" charset="0"/>
                 <a:cs typeface="Times New Roman" panose="02020603050405020304" pitchFamily="18" charset="0"/>
               </a:rPr>
               <a:t>Thời</a:t>
             </a:r>
             <a:r>
-              <a:rPr lang="en-US" sz="2400" cap="none" dirty="0" smtClean="0">
-                <a:latin typeface="Times New Roman" panose="02020603050405020304" pitchFamily="18" charset="0"/>
-                <a:cs typeface="Times New Roman" panose="02020603050405020304" pitchFamily="18" charset="0"/>
-              </a:rPr>
-              <a:t> </a:t>
-            </a:r>
-            <a:r>
-              <a:rPr lang="en-US" sz="2400" cap="none" dirty="0" err="1" smtClean="0">
+              <a:rPr lang="en-US" sz="2400" cap="none" dirty="0">
+                <a:latin typeface="Times New Roman" panose="02020603050405020304" pitchFamily="18" charset="0"/>
+                <a:cs typeface="Times New Roman" panose="02020603050405020304" pitchFamily="18" charset="0"/>
+              </a:rPr>
+              <a:t> </a:t>
+            </a:r>
+            <a:r>
+              <a:rPr lang="en-US" sz="2400" cap="none" dirty="0" err="1">
                 <a:latin typeface="Times New Roman" panose="02020603050405020304" pitchFamily="18" charset="0"/>
                 <a:cs typeface="Times New Roman" panose="02020603050405020304" pitchFamily="18" charset="0"/>
               </a:rPr>
@@ -14291,7 +14025,7 @@
               <a:t> </a:t>
             </a:r>
             <a:r>
-              <a:rPr lang="en-US" sz="2400" cap="none" dirty="0" err="1" smtClean="0">
+              <a:rPr lang="en-US" sz="2400" cap="none" dirty="0" err="1">
                 <a:latin typeface="Times New Roman" panose="02020603050405020304" pitchFamily="18" charset="0"/>
                 <a:cs typeface="Times New Roman" panose="02020603050405020304" pitchFamily="18" charset="0"/>
               </a:rPr>
@@ -14305,7 +14039,7 @@
               <a:t> </a:t>
             </a:r>
             <a:r>
-              <a:rPr lang="en-US" sz="2400" cap="none" dirty="0" err="1" smtClean="0">
+              <a:rPr lang="en-US" sz="2400" cap="none" dirty="0" err="1">
                 <a:latin typeface="Times New Roman" panose="02020603050405020304" pitchFamily="18" charset="0"/>
                 <a:cs typeface="Times New Roman" panose="02020603050405020304" pitchFamily="18" charset="0"/>
               </a:rPr>
@@ -14319,7 +14053,7 @@
               <a:t> </a:t>
             </a:r>
             <a:r>
-              <a:rPr lang="en-US" sz="2400" cap="none" dirty="0" err="1" smtClean="0">
+              <a:rPr lang="en-US" sz="2400" cap="none" dirty="0" err="1">
                 <a:latin typeface="Times New Roman" panose="02020603050405020304" pitchFamily="18" charset="0"/>
                 <a:cs typeface="Times New Roman" panose="02020603050405020304" pitchFamily="18" charset="0"/>
               </a:rPr>
@@ -14333,7 +14067,7 @@
               <a:t> </a:t>
             </a:r>
             <a:r>
-              <a:rPr lang="en-US" sz="2400" cap="none" dirty="0" err="1" smtClean="0">
+              <a:rPr lang="en-US" sz="2400" cap="none" dirty="0" err="1">
                 <a:latin typeface="Times New Roman" panose="02020603050405020304" pitchFamily="18" charset="0"/>
                 <a:cs typeface="Times New Roman" panose="02020603050405020304" pitchFamily="18" charset="0"/>
               </a:rPr>
@@ -14347,7 +14081,7 @@
               <a:t> </a:t>
             </a:r>
             <a:r>
-              <a:rPr lang="en-US" sz="2400" cap="none" dirty="0" err="1" smtClean="0">
+              <a:rPr lang="en-US" sz="2400" cap="none" dirty="0" err="1">
                 <a:latin typeface="Times New Roman" panose="02020603050405020304" pitchFamily="18" charset="0"/>
                 <a:cs typeface="Times New Roman" panose="02020603050405020304" pitchFamily="18" charset="0"/>
               </a:rPr>
@@ -14361,21 +14095,21 @@
               <a:t> </a:t>
             </a:r>
             <a:r>
-              <a:rPr lang="en-US" sz="2400" cap="none" dirty="0" err="1" smtClean="0">
+              <a:rPr lang="en-US" sz="2400" cap="none" dirty="0" err="1">
                 <a:latin typeface="Times New Roman" panose="02020603050405020304" pitchFamily="18" charset="0"/>
                 <a:cs typeface="Times New Roman" panose="02020603050405020304" pitchFamily="18" charset="0"/>
               </a:rPr>
               <a:t>chỉ</a:t>
             </a:r>
             <a:r>
-              <a:rPr lang="en-US" sz="2400" cap="none" dirty="0" smtClean="0">
-                <a:latin typeface="Times New Roman" panose="02020603050405020304" pitchFamily="18" charset="0"/>
-                <a:cs typeface="Times New Roman" panose="02020603050405020304" pitchFamily="18" charset="0"/>
-              </a:rPr>
-              <a:t> </a:t>
-            </a:r>
-            <a:r>
-              <a:rPr lang="en-US" sz="2400" cap="none" dirty="0" err="1" smtClean="0">
+              <a:rPr lang="en-US" sz="2400" cap="none" dirty="0">
+                <a:latin typeface="Times New Roman" panose="02020603050405020304" pitchFamily="18" charset="0"/>
+                <a:cs typeface="Times New Roman" panose="02020603050405020304" pitchFamily="18" charset="0"/>
+              </a:rPr>
+              <a:t> </a:t>
+            </a:r>
+            <a:r>
+              <a:rPr lang="en-US" sz="2400" cap="none" dirty="0" err="1">
                 <a:latin typeface="Times New Roman" panose="02020603050405020304" pitchFamily="18" charset="0"/>
                 <a:cs typeface="Times New Roman" panose="02020603050405020304" pitchFamily="18" charset="0"/>
               </a:rPr>
@@ -14389,35 +14123,28 @@
               <a:t> </a:t>
             </a:r>
             <a:r>
-              <a:rPr lang="en-US" sz="2400" cap="none" dirty="0" err="1" smtClean="0">
+              <a:rPr lang="en-US" sz="2400" cap="none" dirty="0" err="1">
                 <a:latin typeface="Times New Roman" panose="02020603050405020304" pitchFamily="18" charset="0"/>
                 <a:cs typeface="Times New Roman" panose="02020603050405020304" pitchFamily="18" charset="0"/>
               </a:rPr>
               <a:t>vòng</a:t>
             </a:r>
             <a:r>
-              <a:rPr lang="en-US" sz="2400" cap="none" dirty="0" smtClean="0">
-                <a:latin typeface="Times New Roman" panose="02020603050405020304" pitchFamily="18" charset="0"/>
-                <a:cs typeface="Times New Roman" panose="02020603050405020304" pitchFamily="18" charset="0"/>
-              </a:rPr>
-              <a:t> </a:t>
-            </a:r>
-            <a:r>
               <a:rPr lang="en-US" sz="2400" cap="none" dirty="0">
                 <a:latin typeface="Times New Roman" panose="02020603050405020304" pitchFamily="18" charset="0"/>
                 <a:cs typeface="Times New Roman" panose="02020603050405020304" pitchFamily="18" charset="0"/>
               </a:rPr>
-              <a:t>3 </a:t>
-            </a:r>
-            <a:r>
-              <a:rPr lang="en-US" sz="2400" cap="none" dirty="0" err="1" smtClean="0">
+              <a:t> 3 </a:t>
+            </a:r>
+            <a:r>
+              <a:rPr lang="en-US" sz="2400" cap="none" dirty="0" err="1">
                 <a:latin typeface="Times New Roman" panose="02020603050405020304" pitchFamily="18" charset="0"/>
                 <a:cs typeface="Times New Roman" panose="02020603050405020304" pitchFamily="18" charset="0"/>
               </a:rPr>
               <a:t>tháng</a:t>
             </a:r>
             <a:r>
-              <a:rPr lang="en-US" sz="2400" cap="none" dirty="0" smtClean="0">
+              <a:rPr lang="en-US" sz="2400" cap="none" dirty="0">
                 <a:latin typeface="Times New Roman" panose="02020603050405020304" pitchFamily="18" charset="0"/>
                 <a:cs typeface="Times New Roman" panose="02020603050405020304" pitchFamily="18" charset="0"/>
               </a:rPr>
@@ -14430,7 +14157,7 @@
               <a:buChar char="-"/>
             </a:pPr>
             <a:r>
-              <a:rPr lang="en-US" sz="2400" cap="none" dirty="0" err="1" smtClean="0">
+              <a:rPr lang="en-US" sz="2400" cap="none" dirty="0" err="1">
                 <a:latin typeface="Times New Roman" panose="02020603050405020304" pitchFamily="18" charset="0"/>
                 <a:cs typeface="Times New Roman" panose="02020603050405020304" pitchFamily="18" charset="0"/>
               </a:rPr>
@@ -14444,7 +14171,7 @@
               <a:t> </a:t>
             </a:r>
             <a:r>
-              <a:rPr lang="en-US" sz="2400" cap="none" dirty="0" err="1" smtClean="0">
+              <a:rPr lang="en-US" sz="2400" cap="none" dirty="0" err="1">
                 <a:latin typeface="Times New Roman" panose="02020603050405020304" pitchFamily="18" charset="0"/>
                 <a:cs typeface="Times New Roman" panose="02020603050405020304" pitchFamily="18" charset="0"/>
               </a:rPr>
@@ -14458,7 +14185,7 @@
               <a:t> </a:t>
             </a:r>
             <a:r>
-              <a:rPr lang="en-US" sz="2400" cap="none" dirty="0" err="1" smtClean="0">
+              <a:rPr lang="en-US" sz="2400" cap="none" dirty="0" err="1">
                 <a:latin typeface="Times New Roman" panose="02020603050405020304" pitchFamily="18" charset="0"/>
                 <a:cs typeface="Times New Roman" panose="02020603050405020304" pitchFamily="18" charset="0"/>
               </a:rPr>
@@ -14472,21 +14199,21 @@
               <a:t> </a:t>
             </a:r>
             <a:r>
-              <a:rPr lang="en-US" sz="2400" cap="none" dirty="0" err="1" smtClean="0">
+              <a:rPr lang="en-US" sz="2400" cap="none" dirty="0" err="1">
                 <a:latin typeface="Times New Roman" panose="02020603050405020304" pitchFamily="18" charset="0"/>
                 <a:cs typeface="Times New Roman" panose="02020603050405020304" pitchFamily="18" charset="0"/>
               </a:rPr>
               <a:t>mới</a:t>
             </a:r>
             <a:r>
-              <a:rPr lang="en-US" sz="2400" cap="none" dirty="0" smtClean="0">
+              <a:rPr lang="en-US" sz="2400" cap="none" dirty="0">
                 <a:latin typeface="Times New Roman" panose="02020603050405020304" pitchFamily="18" charset="0"/>
                 <a:cs typeface="Times New Roman" panose="02020603050405020304" pitchFamily="18" charset="0"/>
               </a:rPr>
               <a:t> b</a:t>
             </a:r>
             <a:r>
-              <a:rPr lang="vi-VN" sz="2400" cap="none" dirty="0" smtClean="0">
+              <a:rPr lang="vi-VN" sz="2400" cap="none" dirty="0">
                 <a:latin typeface="Times New Roman" panose="02020603050405020304" pitchFamily="18" charset="0"/>
                 <a:cs typeface="Times New Roman" panose="02020603050405020304" pitchFamily="18" charset="0"/>
               </a:rPr>
@@ -14500,7 +14227,7 @@
               <a:t> </a:t>
             </a:r>
             <a:r>
-              <a:rPr lang="en-US" sz="2400" cap="none" dirty="0" err="1" smtClean="0">
+              <a:rPr lang="en-US" sz="2400" cap="none" dirty="0" err="1">
                 <a:latin typeface="Times New Roman" panose="02020603050405020304" pitchFamily="18" charset="0"/>
                 <a:cs typeface="Times New Roman" panose="02020603050405020304" pitchFamily="18" charset="0"/>
               </a:rPr>
@@ -14514,7 +14241,7 @@
               <a:t> </a:t>
             </a:r>
             <a:r>
-              <a:rPr lang="en-US" sz="2400" cap="none" dirty="0" err="1" smtClean="0">
+              <a:rPr lang="en-US" sz="2400" cap="none" dirty="0" err="1">
                 <a:latin typeface="Times New Roman" panose="02020603050405020304" pitchFamily="18" charset="0"/>
                 <a:cs typeface="Times New Roman" panose="02020603050405020304" pitchFamily="18" charset="0"/>
               </a:rPr>
@@ -14528,7 +14255,7 @@
               <a:t> </a:t>
             </a:r>
             <a:r>
-              <a:rPr lang="en-US" sz="2400" cap="none" dirty="0" err="1" smtClean="0">
+              <a:rPr lang="en-US" sz="2400" cap="none" dirty="0" err="1">
                 <a:latin typeface="Times New Roman" panose="02020603050405020304" pitchFamily="18" charset="0"/>
                 <a:cs typeface="Times New Roman" panose="02020603050405020304" pitchFamily="18" charset="0"/>
               </a:rPr>
@@ -14542,7 +14269,7 @@
               <a:t> </a:t>
             </a:r>
             <a:r>
-              <a:rPr lang="en-US" sz="2400" cap="none" dirty="0" err="1" smtClean="0">
+              <a:rPr lang="en-US" sz="2400" cap="none" dirty="0" err="1">
                 <a:latin typeface="Times New Roman" panose="02020603050405020304" pitchFamily="18" charset="0"/>
                 <a:cs typeface="Times New Roman" panose="02020603050405020304" pitchFamily="18" charset="0"/>
               </a:rPr>
@@ -14556,28 +14283,28 @@
               <a:t> </a:t>
             </a:r>
             <a:r>
-              <a:rPr lang="en-US" sz="2400" cap="none" dirty="0" err="1" smtClean="0">
+              <a:rPr lang="en-US" sz="2400" cap="none" dirty="0" err="1">
                 <a:latin typeface="Times New Roman" panose="02020603050405020304" pitchFamily="18" charset="0"/>
                 <a:cs typeface="Times New Roman" panose="02020603050405020304" pitchFamily="18" charset="0"/>
               </a:rPr>
               <a:t>còn</a:t>
             </a:r>
             <a:r>
-              <a:rPr lang="en-US" sz="2400" cap="none" dirty="0" smtClean="0">
-                <a:latin typeface="Times New Roman" panose="02020603050405020304" pitchFamily="18" charset="0"/>
-                <a:cs typeface="Times New Roman" panose="02020603050405020304" pitchFamily="18" charset="0"/>
-              </a:rPr>
-              <a:t> </a:t>
-            </a:r>
-            <a:r>
-              <a:rPr lang="en-US" sz="2400" cap="none" dirty="0" err="1" smtClean="0">
+              <a:rPr lang="en-US" sz="2400" cap="none" dirty="0">
+                <a:latin typeface="Times New Roman" panose="02020603050405020304" pitchFamily="18" charset="0"/>
+                <a:cs typeface="Times New Roman" panose="02020603050405020304" pitchFamily="18" charset="0"/>
+              </a:rPr>
+              <a:t> </a:t>
+            </a:r>
+            <a:r>
+              <a:rPr lang="en-US" sz="2400" cap="none" dirty="0" err="1">
                 <a:latin typeface="Times New Roman" panose="02020603050405020304" pitchFamily="18" charset="0"/>
                 <a:cs typeface="Times New Roman" panose="02020603050405020304" pitchFamily="18" charset="0"/>
               </a:rPr>
               <a:t>ch</a:t>
             </a:r>
             <a:r>
-              <a:rPr lang="vi-VN" sz="2400" cap="none" dirty="0" smtClean="0">
+              <a:rPr lang="vi-VN" sz="2400" cap="none" dirty="0">
                 <a:latin typeface="Times New Roman" panose="02020603050405020304" pitchFamily="18" charset="0"/>
                 <a:cs typeface="Times New Roman" panose="02020603050405020304" pitchFamily="18" charset="0"/>
               </a:rPr>
@@ -14591,7 +14318,7 @@
               <a:t>a </a:t>
             </a:r>
             <a:r>
-              <a:rPr lang="en-US" sz="2400" cap="none" dirty="0" err="1" smtClean="0">
+              <a:rPr lang="en-US" sz="2400" cap="none" dirty="0" err="1">
                 <a:latin typeface="Times New Roman" panose="02020603050405020304" pitchFamily="18" charset="0"/>
                 <a:cs typeface="Times New Roman" panose="02020603050405020304" pitchFamily="18" charset="0"/>
               </a:rPr>
@@ -14605,7 +14332,7 @@
               <a:t> </a:t>
             </a:r>
             <a:r>
-              <a:rPr lang="en-US" sz="2400" cap="none" dirty="0" err="1" smtClean="0">
+              <a:rPr lang="en-US" sz="2400" cap="none" dirty="0" err="1">
                 <a:latin typeface="Times New Roman" panose="02020603050405020304" pitchFamily="18" charset="0"/>
                 <a:cs typeface="Times New Roman" panose="02020603050405020304" pitchFamily="18" charset="0"/>
               </a:rPr>
@@ -14619,7 +14346,7 @@
               <a:t> </a:t>
             </a:r>
             <a:r>
-              <a:rPr lang="en-US" sz="2400" cap="none" dirty="0" err="1" smtClean="0">
+              <a:rPr lang="en-US" sz="2400" cap="none" dirty="0" err="1">
                 <a:latin typeface="Times New Roman" panose="02020603050405020304" pitchFamily="18" charset="0"/>
                 <a:cs typeface="Times New Roman" panose="02020603050405020304" pitchFamily="18" charset="0"/>
               </a:rPr>
@@ -14633,7 +14360,7 @@
               <a:t> </a:t>
             </a:r>
             <a:r>
-              <a:rPr lang="en-US" sz="2400" cap="none" dirty="0" err="1" smtClean="0">
+              <a:rPr lang="en-US" sz="2400" cap="none" dirty="0" err="1">
                 <a:latin typeface="Times New Roman" panose="02020603050405020304" pitchFamily="18" charset="0"/>
                 <a:cs typeface="Times New Roman" panose="02020603050405020304" pitchFamily="18" charset="0"/>
               </a:rPr>
@@ -14647,7 +14374,7 @@
               <a:t> </a:t>
             </a:r>
             <a:r>
-              <a:rPr lang="en-US" sz="2400" cap="none" dirty="0" err="1" smtClean="0">
+              <a:rPr lang="en-US" sz="2400" cap="none" dirty="0" err="1">
                 <a:latin typeface="Times New Roman" panose="02020603050405020304" pitchFamily="18" charset="0"/>
                 <a:cs typeface="Times New Roman" panose="02020603050405020304" pitchFamily="18" charset="0"/>
               </a:rPr>
@@ -14661,7 +14388,7 @@
               <a:t> </a:t>
             </a:r>
             <a:r>
-              <a:rPr lang="en-US" sz="2400" cap="none" dirty="0" err="1" smtClean="0">
+              <a:rPr lang="en-US" sz="2400" cap="none" dirty="0" err="1">
                 <a:latin typeface="Times New Roman" panose="02020603050405020304" pitchFamily="18" charset="0"/>
                 <a:cs typeface="Times New Roman" panose="02020603050405020304" pitchFamily="18" charset="0"/>
               </a:rPr>
@@ -14675,7 +14402,7 @@
               <a:t> </a:t>
             </a:r>
             <a:r>
-              <a:rPr lang="en-US" sz="2400" cap="none" dirty="0" err="1" smtClean="0">
+              <a:rPr lang="en-US" sz="2400" cap="none" dirty="0" err="1">
                 <a:latin typeface="Times New Roman" panose="02020603050405020304" pitchFamily="18" charset="0"/>
                 <a:cs typeface="Times New Roman" panose="02020603050405020304" pitchFamily="18" charset="0"/>
               </a:rPr>
@@ -14689,21 +14416,21 @@
               <a:t> </a:t>
             </a:r>
             <a:r>
-              <a:rPr lang="en-US" sz="2400" cap="none" dirty="0" err="1" smtClean="0">
+              <a:rPr lang="en-US" sz="2400" cap="none" dirty="0" err="1">
                 <a:latin typeface="Times New Roman" panose="02020603050405020304" pitchFamily="18" charset="0"/>
                 <a:cs typeface="Times New Roman" panose="02020603050405020304" pitchFamily="18" charset="0"/>
               </a:rPr>
               <a:t>thực</a:t>
             </a:r>
             <a:r>
-              <a:rPr lang="en-US" sz="2400" cap="none" dirty="0" smtClean="0">
-                <a:latin typeface="Times New Roman" panose="02020603050405020304" pitchFamily="18" charset="0"/>
-                <a:cs typeface="Times New Roman" panose="02020603050405020304" pitchFamily="18" charset="0"/>
-              </a:rPr>
-              <a:t> </a:t>
-            </a:r>
-            <a:r>
-              <a:rPr lang="en-US" sz="2400" cap="none" dirty="0" err="1" smtClean="0">
+              <a:rPr lang="en-US" sz="2400" cap="none" dirty="0">
+                <a:latin typeface="Times New Roman" panose="02020603050405020304" pitchFamily="18" charset="0"/>
+                <a:cs typeface="Times New Roman" panose="02020603050405020304" pitchFamily="18" charset="0"/>
+              </a:rPr>
+              <a:t> </a:t>
+            </a:r>
+            <a:r>
+              <a:rPr lang="en-US" sz="2400" cap="none" dirty="0" err="1">
                 <a:latin typeface="Times New Roman" panose="02020603050405020304" pitchFamily="18" charset="0"/>
                 <a:cs typeface="Times New Roman" panose="02020603050405020304" pitchFamily="18" charset="0"/>
               </a:rPr>
@@ -14717,23 +14444,19 @@
               <a:t> </a:t>
             </a:r>
             <a:r>
-              <a:rPr lang="en-US" sz="2400" cap="none" dirty="0" err="1" smtClean="0">
+              <a:rPr lang="en-US" sz="2400" cap="none" dirty="0" err="1">
                 <a:latin typeface="Times New Roman" panose="02020603050405020304" pitchFamily="18" charset="0"/>
                 <a:cs typeface="Times New Roman" panose="02020603050405020304" pitchFamily="18" charset="0"/>
               </a:rPr>
               <a:t>nhiều</a:t>
             </a:r>
             <a:r>
-              <a:rPr lang="en-US" sz="2400" cap="none" dirty="0" smtClean="0">
+              <a:rPr lang="en-US" sz="2400" cap="none" dirty="0">
                 <a:latin typeface="Times New Roman" panose="02020603050405020304" pitchFamily="18" charset="0"/>
                 <a:cs typeface="Times New Roman" panose="02020603050405020304" pitchFamily="18" charset="0"/>
               </a:rPr>
               <a:t>. </a:t>
             </a:r>
-            <a:endParaRPr lang="en-US" sz="2400" cap="none" dirty="0">
-              <a:latin typeface="Times New Roman" panose="02020603050405020304" pitchFamily="18" charset="0"/>
-              <a:cs typeface="Times New Roman" panose="02020603050405020304" pitchFamily="18" charset="0"/>
-            </a:endParaRPr>
           </a:p>
         </p:txBody>
       </p:sp>
@@ -14837,13 +14560,6 @@
   <p:clrMapOvr>
     <a:masterClrMapping/>
   </p:clrMapOvr>
-  <p:timing>
-    <p:tnLst>
-      <p:par>
-        <p:cTn id="1" dur="indefinite" restart="never" nodeType="tmRoot"/>
-      </p:par>
-    </p:tnLst>
-  </p:timing>
 </p:sld>
 </file>
 
@@ -14874,13 +14590,21 @@
             <p:ph type="title"/>
           </p:nvPr>
         </p:nvSpPr>
-        <p:spPr/>
+        <p:spPr>
+          <a:xfrm>
+            <a:off x="913774" y="1"/>
+            <a:ext cx="10364451" cy="1099232"/>
+          </a:xfrm>
+        </p:spPr>
         <p:txBody>
           <a:bodyPr/>
           <a:lstStyle/>
           <a:p>
             <a:r>
-              <a:rPr lang="en-US" cap="none" dirty="0" err="1" smtClean="0">
+              <a:rPr lang="en-US" cap="none" dirty="0" err="1">
+                <a:solidFill>
+                  <a:srgbClr val="002060"/>
+                </a:solidFill>
                 <a:latin typeface="Times New Roman" panose="02020603050405020304" pitchFamily="18" charset="0"/>
                 <a:cs typeface="Times New Roman" panose="02020603050405020304" pitchFamily="18" charset="0"/>
               </a:rPr>
@@ -14888,13 +14612,19 @@
             </a:r>
             <a:r>
               <a:rPr lang="en-US" cap="none" dirty="0">
-                <a:latin typeface="Times New Roman" panose="02020603050405020304" pitchFamily="18" charset="0"/>
-                <a:cs typeface="Times New Roman" panose="02020603050405020304" pitchFamily="18" charset="0"/>
-              </a:rPr>
-              <a:t> </a:t>
-            </a:r>
-            <a:r>
-              <a:rPr lang="en-US" cap="none" dirty="0" err="1" smtClean="0">
+                <a:solidFill>
+                  <a:srgbClr val="002060"/>
+                </a:solidFill>
+                <a:latin typeface="Times New Roman" panose="02020603050405020304" pitchFamily="18" charset="0"/>
+                <a:cs typeface="Times New Roman" panose="02020603050405020304" pitchFamily="18" charset="0"/>
+              </a:rPr>
+              <a:t> </a:t>
+            </a:r>
+            <a:r>
+              <a:rPr lang="en-US" cap="none" dirty="0" err="1">
+                <a:solidFill>
+                  <a:srgbClr val="002060"/>
+                </a:solidFill>
                 <a:latin typeface="Times New Roman" panose="02020603050405020304" pitchFamily="18" charset="0"/>
                 <a:cs typeface="Times New Roman" panose="02020603050405020304" pitchFamily="18" charset="0"/>
               </a:rPr>
@@ -14902,13 +14632,19 @@
             </a:r>
             <a:r>
               <a:rPr lang="en-US" cap="none" dirty="0">
+                <a:solidFill>
+                  <a:srgbClr val="002060"/>
+                </a:solidFill>
                 <a:latin typeface="Times New Roman" panose="02020603050405020304" pitchFamily="18" charset="0"/>
                 <a:cs typeface="Times New Roman" panose="02020603050405020304" pitchFamily="18" charset="0"/>
               </a:rPr>
               <a:t> webserver </a:t>
             </a:r>
             <a:r>
-              <a:rPr lang="en-US" cap="none" dirty="0" err="1" smtClean="0">
+              <a:rPr lang="en-US" cap="none" dirty="0" err="1">
+                <a:solidFill>
+                  <a:srgbClr val="002060"/>
+                </a:solidFill>
                 <a:latin typeface="Times New Roman" panose="02020603050405020304" pitchFamily="18" charset="0"/>
                 <a:cs typeface="Times New Roman" panose="02020603050405020304" pitchFamily="18" charset="0"/>
               </a:rPr>
@@ -14916,6 +14652,9 @@
             </a:r>
             <a:r>
               <a:rPr lang="en-US" cap="none" dirty="0">
+                <a:solidFill>
+                  <a:srgbClr val="002060"/>
+                </a:solidFill>
                 <a:latin typeface="Times New Roman" panose="02020603050405020304" pitchFamily="18" charset="0"/>
                 <a:cs typeface="Times New Roman" panose="02020603050405020304" pitchFamily="18" charset="0"/>
               </a:rPr>
@@ -14923,12 +14662,18 @@
             </a:r>
             <a:r>
               <a:rPr lang="en-US" cap="none" dirty="0" err="1">
+                <a:solidFill>
+                  <a:srgbClr val="002060"/>
+                </a:solidFill>
                 <a:latin typeface="Times New Roman" panose="02020603050405020304" pitchFamily="18" charset="0"/>
                 <a:cs typeface="Times New Roman" panose="02020603050405020304" pitchFamily="18" charset="0"/>
               </a:rPr>
               <a:t>lý</a:t>
             </a:r>
             <a:endParaRPr lang="en-US" cap="none" dirty="0">
+              <a:solidFill>
+                <a:srgbClr val="002060"/>
+              </a:solidFill>
               <a:latin typeface="Times New Roman" panose="02020603050405020304" pitchFamily="18" charset="0"/>
               <a:cs typeface="Times New Roman" panose="02020603050405020304" pitchFamily="18" charset="0"/>
             </a:endParaRPr>
@@ -14937,13 +14682,17 @@
       </p:sp>
       <p:pic>
         <p:nvPicPr>
-          <p:cNvPr id="4" name="Content Placeholder 3"/>
+          <p:cNvPr id="7" name="Picture 6">
+            <a:extLst>
+              <a:ext uri="{FF2B5EF4-FFF2-40B4-BE49-F238E27FC236}">
+                <a16:creationId xmlns:a16="http://schemas.microsoft.com/office/drawing/2014/main" id="{2EE1DFF8-3225-9043-831C-9F3A83731D69}"/>
+              </a:ext>
+            </a:extLst>
+          </p:cNvPr>
           <p:cNvPicPr>
-            <a:picLocks noGrp="1" noChangeAspect="1"/>
+            <a:picLocks noChangeAspect="1"/>
           </p:cNvPicPr>
-          <p:nvPr>
-            <p:ph sz="quarter" idx="13"/>
-          </p:nvPr>
+          <p:nvPr/>
         </p:nvPicPr>
         <p:blipFill>
           <a:blip r:embed="rId2"/>
@@ -14953,161 +14702,14 @@
         </p:blipFill>
         <p:spPr>
           <a:xfrm>
-            <a:off x="1371601" y="2525431"/>
-            <a:ext cx="8816196" cy="3720094"/>
+            <a:off x="1578798" y="887564"/>
+            <a:ext cx="9300869" cy="5711439"/>
           </a:xfrm>
           <a:prstGeom prst="rect">
             <a:avLst/>
           </a:prstGeom>
         </p:spPr>
       </p:pic>
-      <p:sp>
-        <p:nvSpPr>
-          <p:cNvPr id="5" name="Rectangle 4"/>
-          <p:cNvSpPr/>
-          <p:nvPr/>
-        </p:nvSpPr>
-        <p:spPr>
-          <a:xfrm>
-            <a:off x="2449902" y="6379420"/>
-            <a:ext cx="5943600" cy="353683"/>
-          </a:xfrm>
-          <a:prstGeom prst="rect">
-            <a:avLst/>
-          </a:prstGeom>
-          <a:solidFill>
-            <a:schemeClr val="bg1">
-              <a:lumMod val="95000"/>
-            </a:schemeClr>
-          </a:solidFill>
-          <a:ln>
-            <a:noFill/>
-          </a:ln>
-        </p:spPr>
-        <p:style>
-          <a:lnRef idx="2">
-            <a:schemeClr val="dk1"/>
-          </a:lnRef>
-          <a:fillRef idx="1">
-            <a:schemeClr val="lt1"/>
-          </a:fillRef>
-          <a:effectRef idx="0">
-            <a:schemeClr val="dk1"/>
-          </a:effectRef>
-          <a:fontRef idx="minor">
-            <a:schemeClr val="dk1"/>
-          </a:fontRef>
-        </p:style>
-        <p:txBody>
-          <a:bodyPr rtlCol="0" anchor="ctr"/>
-          <a:lstStyle/>
-          <a:p>
-            <a:pPr algn="ctr"/>
-            <a:r>
-              <a:rPr lang="en-US" dirty="0" smtClean="0">
-                <a:latin typeface="Times New Roman" panose="02020603050405020304" pitchFamily="18" charset="0"/>
-                <a:cs typeface="Times New Roman" panose="02020603050405020304" pitchFamily="18" charset="0"/>
-              </a:rPr>
-              <a:t>C</a:t>
-            </a:r>
-            <a:r>
-              <a:rPr lang="vi-VN" dirty="0" smtClean="0">
-                <a:latin typeface="Times New Roman" panose="02020603050405020304" pitchFamily="18" charset="0"/>
-                <a:cs typeface="Times New Roman" panose="02020603050405020304" pitchFamily="18" charset="0"/>
-              </a:rPr>
-              <a:t>ơ</a:t>
-            </a:r>
-            <a:r>
-              <a:rPr lang="en-US" dirty="0">
-                <a:latin typeface="Times New Roman" panose="02020603050405020304" pitchFamily="18" charset="0"/>
-                <a:cs typeface="Times New Roman" panose="02020603050405020304" pitchFamily="18" charset="0"/>
-              </a:rPr>
-              <a:t> </a:t>
-            </a:r>
-            <a:r>
-              <a:rPr lang="en-US" dirty="0" err="1" smtClean="0">
-                <a:latin typeface="Times New Roman" panose="02020603050405020304" pitchFamily="18" charset="0"/>
-                <a:cs typeface="Times New Roman" panose="02020603050405020304" pitchFamily="18" charset="0"/>
-              </a:rPr>
-              <a:t>sở</a:t>
-            </a:r>
-            <a:r>
-              <a:rPr lang="en-US" dirty="0">
-                <a:latin typeface="Times New Roman" panose="02020603050405020304" pitchFamily="18" charset="0"/>
-                <a:cs typeface="Times New Roman" panose="02020603050405020304" pitchFamily="18" charset="0"/>
-              </a:rPr>
-              <a:t> </a:t>
-            </a:r>
-            <a:r>
-              <a:rPr lang="en-US" dirty="0" err="1" smtClean="0">
-                <a:latin typeface="Times New Roman" panose="02020603050405020304" pitchFamily="18" charset="0"/>
-                <a:cs typeface="Times New Roman" panose="02020603050405020304" pitchFamily="18" charset="0"/>
-              </a:rPr>
-              <a:t>dữ</a:t>
-            </a:r>
-            <a:r>
-              <a:rPr lang="en-US" dirty="0">
-                <a:latin typeface="Times New Roman" panose="02020603050405020304" pitchFamily="18" charset="0"/>
-                <a:cs typeface="Times New Roman" panose="02020603050405020304" pitchFamily="18" charset="0"/>
-              </a:rPr>
-              <a:t> </a:t>
-            </a:r>
-            <a:r>
-              <a:rPr lang="en-US" dirty="0" err="1" smtClean="0">
-                <a:latin typeface="Times New Roman" panose="02020603050405020304" pitchFamily="18" charset="0"/>
-                <a:cs typeface="Times New Roman" panose="02020603050405020304" pitchFamily="18" charset="0"/>
-              </a:rPr>
-              <a:t>liệu</a:t>
-            </a:r>
-            <a:r>
-              <a:rPr lang="en-US" dirty="0">
-                <a:latin typeface="Times New Roman" panose="02020603050405020304" pitchFamily="18" charset="0"/>
-                <a:cs typeface="Times New Roman" panose="02020603050405020304" pitchFamily="18" charset="0"/>
-              </a:rPr>
-              <a:t> </a:t>
-            </a:r>
-            <a:r>
-              <a:rPr lang="en-US" dirty="0" err="1" smtClean="0">
-                <a:latin typeface="Times New Roman" panose="02020603050405020304" pitchFamily="18" charset="0"/>
-                <a:cs typeface="Times New Roman" panose="02020603050405020304" pitchFamily="18" charset="0"/>
-              </a:rPr>
-              <a:t>của</a:t>
-            </a:r>
-            <a:r>
-              <a:rPr lang="en-US" dirty="0" smtClean="0">
-                <a:latin typeface="Times New Roman" panose="02020603050405020304" pitchFamily="18" charset="0"/>
-                <a:cs typeface="Times New Roman" panose="02020603050405020304" pitchFamily="18" charset="0"/>
-              </a:rPr>
-              <a:t> </a:t>
-            </a:r>
-            <a:r>
-              <a:rPr lang="en-US" dirty="0" err="1" smtClean="0">
-                <a:latin typeface="Times New Roman" panose="02020603050405020304" pitchFamily="18" charset="0"/>
-                <a:cs typeface="Times New Roman" panose="02020603050405020304" pitchFamily="18" charset="0"/>
-              </a:rPr>
-              <a:t>trang</a:t>
-            </a:r>
-            <a:r>
-              <a:rPr lang="en-US" dirty="0">
-                <a:latin typeface="Times New Roman" panose="02020603050405020304" pitchFamily="18" charset="0"/>
-                <a:cs typeface="Times New Roman" panose="02020603050405020304" pitchFamily="18" charset="0"/>
-              </a:rPr>
-              <a:t> </a:t>
-            </a:r>
-            <a:r>
-              <a:rPr lang="en-US" dirty="0" smtClean="0">
-                <a:latin typeface="Times New Roman" panose="02020603050405020304" pitchFamily="18" charset="0"/>
-                <a:cs typeface="Times New Roman" panose="02020603050405020304" pitchFamily="18" charset="0"/>
-              </a:rPr>
-              <a:t>web</a:t>
-            </a:r>
-            <a:endParaRPr lang="en-US" dirty="0">
-              <a:latin typeface="Times New Roman" panose="02020603050405020304" pitchFamily="18" charset="0"/>
-              <a:cs typeface="Times New Roman" panose="02020603050405020304" pitchFamily="18" charset="0"/>
-            </a:endParaRPr>
-          </a:p>
-        </p:txBody>
-      </p:sp>
     </p:spTree>
     <p:extLst>
       <p:ext uri="{BB962C8B-B14F-4D97-AF65-F5344CB8AC3E}">
@@ -15118,13 +14720,6 @@
   <p:clrMapOvr>
     <a:masterClrMapping/>
   </p:clrMapOvr>
-  <p:timing>
-    <p:tnLst>
-      <p:par>
-        <p:cTn id="1" dur="indefinite" restart="never" nodeType="tmRoot"/>
-      </p:par>
-    </p:tnLst>
-  </p:timing>
 </p:sld>
 </file>
 
@@ -15166,7 +14761,7 @@
           <a:lstStyle/>
           <a:p>
             <a:r>
-              <a:rPr lang="en-US" dirty="0" err="1" smtClean="0">
+              <a:rPr lang="en-US" dirty="0" err="1">
                 <a:latin typeface="Times New Roman" panose="02020603050405020304" pitchFamily="18" charset="0"/>
                 <a:cs typeface="Times New Roman" panose="02020603050405020304" pitchFamily="18" charset="0"/>
               </a:rPr>
@@ -15180,7 +14775,7 @@
               <a:t> </a:t>
             </a:r>
             <a:r>
-              <a:rPr lang="en-US" dirty="0" err="1" smtClean="0">
+              <a:rPr lang="en-US" dirty="0" err="1">
                 <a:latin typeface="Times New Roman" panose="02020603050405020304" pitchFamily="18" charset="0"/>
                 <a:cs typeface="Times New Roman" panose="02020603050405020304" pitchFamily="18" charset="0"/>
               </a:rPr>
@@ -15194,7 +14789,7 @@
               <a:t> </a:t>
             </a:r>
             <a:r>
-              <a:rPr lang="en-US" dirty="0" err="1" smtClean="0">
+              <a:rPr lang="en-US" dirty="0" err="1">
                 <a:latin typeface="Times New Roman" panose="02020603050405020304" pitchFamily="18" charset="0"/>
                 <a:cs typeface="Times New Roman" panose="02020603050405020304" pitchFamily="18" charset="0"/>
               </a:rPr>
@@ -15208,23 +14803,19 @@
               <a:t> </a:t>
             </a:r>
             <a:r>
-              <a:rPr lang="en-US" dirty="0" err="1" smtClean="0">
+              <a:rPr lang="en-US" dirty="0" err="1">
                 <a:latin typeface="Times New Roman" panose="02020603050405020304" pitchFamily="18" charset="0"/>
                 <a:cs typeface="Times New Roman" panose="02020603050405020304" pitchFamily="18" charset="0"/>
               </a:rPr>
               <a:t>động</a:t>
             </a:r>
             <a:r>
-              <a:rPr lang="en-US" dirty="0" smtClean="0">
-                <a:latin typeface="Times New Roman" panose="02020603050405020304" pitchFamily="18" charset="0"/>
-                <a:cs typeface="Times New Roman" panose="02020603050405020304" pitchFamily="18" charset="0"/>
-              </a:rPr>
-              <a:t> </a:t>
-            </a:r>
-            <a:endParaRPr lang="en-US" dirty="0">
-              <a:latin typeface="Times New Roman" panose="02020603050405020304" pitchFamily="18" charset="0"/>
-              <a:cs typeface="Times New Roman" panose="02020603050405020304" pitchFamily="18" charset="0"/>
-            </a:endParaRPr>
+              <a:rPr lang="en-US" dirty="0">
+                <a:latin typeface="Times New Roman" panose="02020603050405020304" pitchFamily="18" charset="0"/>
+                <a:cs typeface="Times New Roman" panose="02020603050405020304" pitchFamily="18" charset="0"/>
+              </a:rPr>
+              <a:t> </a:t>
+            </a:r>
           </a:p>
         </p:txBody>
       </p:sp>
@@ -15236,8 +14827,8 @@
         </p:nvSpPr>
         <p:spPr>
           <a:xfrm>
-            <a:off x="4698520" y="1610845"/>
-            <a:ext cx="2812212" cy="1475117"/>
+            <a:off x="4521200" y="1610845"/>
+            <a:ext cx="2989532" cy="761679"/>
           </a:xfrm>
           <a:prstGeom prst="ellipse">
             <a:avLst/>
@@ -15263,64 +14854,12 @@
           <a:p>
             <a:pPr algn="ctr"/>
             <a:r>
-              <a:rPr lang="en-US" sz="3200" dirty="0" smtClean="0">
+              <a:rPr lang="en-US" sz="3200" dirty="0">
                 <a:latin typeface="Times New Roman" panose="02020603050405020304" pitchFamily="18" charset="0"/>
                 <a:cs typeface="Times New Roman" panose="02020603050405020304" pitchFamily="18" charset="0"/>
               </a:rPr>
               <a:t>API</a:t>
             </a:r>
-            <a:endParaRPr lang="en-US" sz="3200" dirty="0">
-              <a:latin typeface="Times New Roman" panose="02020603050405020304" pitchFamily="18" charset="0"/>
-              <a:cs typeface="Times New Roman" panose="02020603050405020304" pitchFamily="18" charset="0"/>
-            </a:endParaRPr>
-          </a:p>
-        </p:txBody>
-      </p:sp>
-      <p:sp>
-        <p:nvSpPr>
-          <p:cNvPr id="9" name="Rectangle 8"/>
-          <p:cNvSpPr/>
-          <p:nvPr/>
-        </p:nvSpPr>
-        <p:spPr>
-          <a:xfrm>
-            <a:off x="361684" y="6295676"/>
-            <a:ext cx="1311216" cy="310551"/>
-          </a:xfrm>
-          <a:prstGeom prst="rect">
-            <a:avLst/>
-          </a:prstGeom>
-        </p:spPr>
-        <p:style>
-          <a:lnRef idx="2">
-            <a:schemeClr val="dk1"/>
-          </a:lnRef>
-          <a:fillRef idx="1">
-            <a:schemeClr val="lt1"/>
-          </a:fillRef>
-          <a:effectRef idx="0">
-            <a:schemeClr val="dk1"/>
-          </a:effectRef>
-          <a:fontRef idx="minor">
-            <a:schemeClr val="dk1"/>
-          </a:fontRef>
-        </p:style>
-        <p:txBody>
-          <a:bodyPr rtlCol="0" anchor="ctr"/>
-          <a:lstStyle/>
-          <a:p>
-            <a:pPr algn="ctr"/>
-            <a:r>
-              <a:rPr lang="en-US" dirty="0" smtClean="0">
-                <a:latin typeface="Times New Roman" panose="02020603050405020304" pitchFamily="18" charset="0"/>
-                <a:cs typeface="Times New Roman" panose="02020603050405020304" pitchFamily="18" charset="0"/>
-              </a:rPr>
-              <a:t>Music</a:t>
-            </a:r>
-            <a:endParaRPr lang="en-US" dirty="0">
-              <a:latin typeface="Times New Roman" panose="02020603050405020304" pitchFamily="18" charset="0"/>
-              <a:cs typeface="Times New Roman" panose="02020603050405020304" pitchFamily="18" charset="0"/>
-            </a:endParaRPr>
           </a:p>
         </p:txBody>
       </p:sp>
@@ -15431,51 +14970,16 @@
       </p:cxnSp>
       <p:cxnSp>
         <p:nvCxnSpPr>
-          <p:cNvPr id="20" name="Straight Connector 19"/>
+          <p:cNvPr id="22" name="Straight Connector 21"/>
           <p:cNvCxnSpPr>
-            <a:stCxn id="9" idx="3"/>
+            <a:cxnSpLocks/>
           </p:cNvCxnSpPr>
           <p:nvPr/>
         </p:nvCxnSpPr>
         <p:spPr>
           <a:xfrm flipV="1">
-            <a:off x="1672900" y="5853424"/>
-            <a:ext cx="2183108" cy="597528"/>
-          </a:xfrm>
-          <a:prstGeom prst="line">
-            <a:avLst/>
-          </a:prstGeom>
-          <a:ln>
-            <a:solidFill>
-              <a:schemeClr val="tx1"/>
-            </a:solidFill>
-          </a:ln>
-        </p:spPr>
-        <p:style>
-          <a:lnRef idx="1">
-            <a:schemeClr val="accent1"/>
-          </a:lnRef>
-          <a:fillRef idx="0">
-            <a:schemeClr val="accent1"/>
-          </a:fillRef>
-          <a:effectRef idx="0">
-            <a:schemeClr val="accent1"/>
-          </a:effectRef>
-          <a:fontRef idx="minor">
-            <a:schemeClr val="tx1"/>
-          </a:fontRef>
-        </p:style>
-      </p:cxnSp>
-      <p:cxnSp>
-        <p:nvCxnSpPr>
-          <p:cNvPr id="22" name="Straight Connector 21"/>
-          <p:cNvCxnSpPr/>
-          <p:nvPr/>
-        </p:nvCxnSpPr>
-        <p:spPr>
-          <a:xfrm flipV="1">
-            <a:off x="4632385" y="3019245"/>
-            <a:ext cx="854015" cy="2219283"/>
+            <a:off x="4632385" y="2372524"/>
+            <a:ext cx="1266657" cy="2866005"/>
           </a:xfrm>
           <a:prstGeom prst="line">
             <a:avLst/>
@@ -15648,13 +15152,16 @@
       <p:cxnSp>
         <p:nvCxnSpPr>
           <p:cNvPr id="36" name="Straight Connector 35"/>
-          <p:cNvCxnSpPr/>
+          <p:cNvCxnSpPr>
+            <a:cxnSpLocks/>
+            <a:stCxn id="4" idx="5"/>
+          </p:cNvCxnSpPr>
           <p:nvPr/>
         </p:nvCxnSpPr>
         <p:spPr>
           <a:xfrm>
-            <a:off x="7444596" y="2527540"/>
-            <a:ext cx="1611940" cy="1354347"/>
+            <a:off x="7072925" y="2260979"/>
+            <a:ext cx="1983611" cy="1620908"/>
           </a:xfrm>
           <a:prstGeom prst="line">
             <a:avLst/>
@@ -15690,13 +15197,6 @@
   <p:clrMapOvr>
     <a:masterClrMapping/>
   </p:clrMapOvr>
-  <p:timing>
-    <p:tnLst>
-      <p:par>
-        <p:cTn id="1" dur="indefinite" restart="never" nodeType="tmRoot"/>
-      </p:par>
-    </p:tnLst>
-  </p:timing>
 </p:sld>
 </file>
 
